--- a/HDM/문서/메뉴얼 작성.pptx
+++ b/HDM/문서/메뉴얼 작성.pptx
@@ -2,14 +2,27 @@
 <file path=ppt/presentation.xml><?xml version="1.0" encoding="utf-8"?>
 <p:presentation xmlns:a="http://schemas.openxmlformats.org/drawingml/2006/main" xmlns:r="http://schemas.openxmlformats.org/officeDocument/2006/relationships" xmlns:p="http://schemas.openxmlformats.org/presentationml/2006/main" saveSubsetFonts="1">
   <p:sldMasterIdLst>
-    <p:sldMasterId id="2147483660" r:id="rId1"/>
+    <p:sldMasterId id="2147483684" r:id="rId1"/>
   </p:sldMasterIdLst>
   <p:sldIdLst>
     <p:sldId id="256" r:id="rId2"/>
     <p:sldId id="257" r:id="rId3"/>
     <p:sldId id="258" r:id="rId4"/>
+    <p:sldId id="259" r:id="rId5"/>
+    <p:sldId id="260" r:id="rId6"/>
+    <p:sldId id="261" r:id="rId7"/>
+    <p:sldId id="262" r:id="rId8"/>
+    <p:sldId id="263" r:id="rId9"/>
+    <p:sldId id="264" r:id="rId10"/>
+    <p:sldId id="265" r:id="rId11"/>
+    <p:sldId id="266" r:id="rId12"/>
+    <p:sldId id="267" r:id="rId13"/>
+    <p:sldId id="268" r:id="rId14"/>
+    <p:sldId id="269" r:id="rId15"/>
+    <p:sldId id="270" r:id="rId16"/>
+    <p:sldId id="271" r:id="rId17"/>
   </p:sldIdLst>
-  <p:sldSz cx="6858000" cy="9906000" type="A4"/>
+  <p:sldSz cx="13208000" cy="9906000"/>
   <p:notesSz cx="6858000" cy="9144000"/>
   <p:defaultTextStyle>
     <a:defPPr>
@@ -106,6 +119,11 @@
       </a:defRPr>
     </a:lvl9pPr>
   </p:defaultTextStyle>
+  <p:extLst>
+    <p:ext uri="{EFAFB233-063F-42B5-8137-9DF3F51BA10A}">
+      <p15:sldGuideLst xmlns:p15="http://schemas.microsoft.com/office/powerpoint/2012/main"/>
+    </p:ext>
+  </p:extLst>
 </p:presentation>
 </file>
 
@@ -138,15 +156,15 @@
         </p:nvSpPr>
         <p:spPr>
           <a:xfrm>
-            <a:off x="514350" y="1621191"/>
-            <a:ext cx="5829300" cy="3448756"/>
+            <a:off x="990600" y="1621191"/>
+            <a:ext cx="11226800" cy="3448756"/>
           </a:xfrm>
         </p:spPr>
         <p:txBody>
           <a:bodyPr anchor="b"/>
           <a:lstStyle>
             <a:lvl1pPr algn="ctr">
-              <a:defRPr sz="4500"/>
+              <a:defRPr sz="8666"/>
             </a:lvl1pPr>
           </a:lstStyle>
           <a:p>
@@ -170,8 +188,8 @@
         </p:nvSpPr>
         <p:spPr>
           <a:xfrm>
-            <a:off x="857250" y="5202944"/>
-            <a:ext cx="5143500" cy="2391656"/>
+            <a:off x="1651000" y="5202944"/>
+            <a:ext cx="9906000" cy="2391656"/>
           </a:xfrm>
         </p:spPr>
         <p:txBody>
@@ -179,39 +197,39 @@
           <a:lstStyle>
             <a:lvl1pPr marL="0" indent="0" algn="ctr">
               <a:buNone/>
-              <a:defRPr sz="1800"/>
+              <a:defRPr sz="3467"/>
             </a:lvl1pPr>
-            <a:lvl2pPr marL="342900" indent="0" algn="ctr">
+            <a:lvl2pPr marL="660380" indent="0" algn="ctr">
               <a:buNone/>
-              <a:defRPr sz="1500"/>
+              <a:defRPr sz="2889"/>
             </a:lvl2pPr>
-            <a:lvl3pPr marL="685800" indent="0" algn="ctr">
+            <a:lvl3pPr marL="1320759" indent="0" algn="ctr">
               <a:buNone/>
-              <a:defRPr sz="1350"/>
+              <a:defRPr sz="2600"/>
             </a:lvl3pPr>
-            <a:lvl4pPr marL="1028700" indent="0" algn="ctr">
+            <a:lvl4pPr marL="1981139" indent="0" algn="ctr">
               <a:buNone/>
-              <a:defRPr sz="1200"/>
+              <a:defRPr sz="2311"/>
             </a:lvl4pPr>
-            <a:lvl5pPr marL="1371600" indent="0" algn="ctr">
+            <a:lvl5pPr marL="2641519" indent="0" algn="ctr">
               <a:buNone/>
-              <a:defRPr sz="1200"/>
+              <a:defRPr sz="2311"/>
             </a:lvl5pPr>
-            <a:lvl6pPr marL="1714500" indent="0" algn="ctr">
+            <a:lvl6pPr marL="3301898" indent="0" algn="ctr">
               <a:buNone/>
-              <a:defRPr sz="1200"/>
+              <a:defRPr sz="2311"/>
             </a:lvl6pPr>
-            <a:lvl7pPr marL="2057400" indent="0" algn="ctr">
+            <a:lvl7pPr marL="3962278" indent="0" algn="ctr">
               <a:buNone/>
-              <a:defRPr sz="1200"/>
+              <a:defRPr sz="2311"/>
             </a:lvl7pPr>
-            <a:lvl8pPr marL="2400300" indent="0" algn="ctr">
+            <a:lvl8pPr marL="4622658" indent="0" algn="ctr">
               <a:buNone/>
-              <a:defRPr sz="1200"/>
+              <a:defRPr sz="2311"/>
             </a:lvl8pPr>
-            <a:lvl9pPr marL="2743200" indent="0" algn="ctr">
+            <a:lvl9pPr marL="5283037" indent="0" algn="ctr">
               <a:buNone/>
-              <a:defRPr sz="1200"/>
+              <a:defRPr sz="2311"/>
             </a:lvl9pPr>
           </a:lstStyle>
           <a:p>
@@ -240,7 +258,7 @@
           <a:p>
             <a:fld id="{0E35EC25-0EF2-497B-8920-1E6BAD0A2F9F}" type="datetimeFigureOut">
               <a:rPr lang="ko-KR" altLang="en-US" smtClean="0"/>
-              <a:t>2026-01-29</a:t>
+              <a:t>2026-02-03</a:t>
             </a:fld>
             <a:endParaRPr lang="ko-KR" altLang="en-US"/>
           </a:p>
@@ -291,7 +309,7 @@
     </p:spTree>
     <p:extLst>
       <p:ext uri="{BB962C8B-B14F-4D97-AF65-F5344CB8AC3E}">
-        <p14:creationId xmlns:p14="http://schemas.microsoft.com/office/powerpoint/2010/main" val="2282819077"/>
+        <p14:creationId xmlns:p14="http://schemas.microsoft.com/office/powerpoint/2010/main" val="727949739"/>
       </p:ext>
     </p:extLst>
   </p:cSld>
@@ -410,7 +428,7 @@
           <a:p>
             <a:fld id="{0E35EC25-0EF2-497B-8920-1E6BAD0A2F9F}" type="datetimeFigureOut">
               <a:rPr lang="ko-KR" altLang="en-US" smtClean="0"/>
-              <a:t>2026-01-29</a:t>
+              <a:t>2026-02-03</a:t>
             </a:fld>
             <a:endParaRPr lang="ko-KR" altLang="en-US"/>
           </a:p>
@@ -461,7 +479,7 @@
     </p:spTree>
     <p:extLst>
       <p:ext uri="{BB962C8B-B14F-4D97-AF65-F5344CB8AC3E}">
-        <p14:creationId xmlns:p14="http://schemas.microsoft.com/office/powerpoint/2010/main" val="262891154"/>
+        <p14:creationId xmlns:p14="http://schemas.microsoft.com/office/powerpoint/2010/main" val="1053772308"/>
       </p:ext>
     </p:extLst>
   </p:cSld>
@@ -500,8 +518,8 @@
         </p:nvSpPr>
         <p:spPr>
           <a:xfrm>
-            <a:off x="4907757" y="527403"/>
-            <a:ext cx="1478756" cy="8394877"/>
+            <a:off x="9451976" y="527403"/>
+            <a:ext cx="2847975" cy="8394877"/>
           </a:xfrm>
         </p:spPr>
         <p:txBody>
@@ -528,8 +546,8 @@
         </p:nvSpPr>
         <p:spPr>
           <a:xfrm>
-            <a:off x="471488" y="527403"/>
-            <a:ext cx="4350544" cy="8394877"/>
+            <a:off x="908051" y="527403"/>
+            <a:ext cx="8378825" cy="8394877"/>
           </a:xfrm>
         </p:spPr>
         <p:txBody>
@@ -590,7 +608,7 @@
           <a:p>
             <a:fld id="{0E35EC25-0EF2-497B-8920-1E6BAD0A2F9F}" type="datetimeFigureOut">
               <a:rPr lang="ko-KR" altLang="en-US" smtClean="0"/>
-              <a:t>2026-01-29</a:t>
+              <a:t>2026-02-03</a:t>
             </a:fld>
             <a:endParaRPr lang="ko-KR" altLang="en-US"/>
           </a:p>
@@ -641,7 +659,7 @@
     </p:spTree>
     <p:extLst>
       <p:ext uri="{BB962C8B-B14F-4D97-AF65-F5344CB8AC3E}">
-        <p14:creationId xmlns:p14="http://schemas.microsoft.com/office/powerpoint/2010/main" val="1945416200"/>
+        <p14:creationId xmlns:p14="http://schemas.microsoft.com/office/powerpoint/2010/main" val="2461130551"/>
       </p:ext>
     </p:extLst>
   </p:cSld>
@@ -760,7 +778,7 @@
           <a:p>
             <a:fld id="{0E35EC25-0EF2-497B-8920-1E6BAD0A2F9F}" type="datetimeFigureOut">
               <a:rPr lang="ko-KR" altLang="en-US" smtClean="0"/>
-              <a:t>2026-01-29</a:t>
+              <a:t>2026-02-03</a:t>
             </a:fld>
             <a:endParaRPr lang="ko-KR" altLang="en-US"/>
           </a:p>
@@ -811,7 +829,7 @@
     </p:spTree>
     <p:extLst>
       <p:ext uri="{BB962C8B-B14F-4D97-AF65-F5344CB8AC3E}">
-        <p14:creationId xmlns:p14="http://schemas.microsoft.com/office/powerpoint/2010/main" val="1268630784"/>
+        <p14:creationId xmlns:p14="http://schemas.microsoft.com/office/powerpoint/2010/main" val="2486145087"/>
       </p:ext>
     </p:extLst>
   </p:cSld>
@@ -850,15 +868,15 @@
         </p:nvSpPr>
         <p:spPr>
           <a:xfrm>
-            <a:off x="467916" y="2469624"/>
-            <a:ext cx="5915025" cy="4120620"/>
+            <a:off x="901172" y="2469624"/>
+            <a:ext cx="11391900" cy="4120620"/>
           </a:xfrm>
         </p:spPr>
         <p:txBody>
           <a:bodyPr anchor="b"/>
           <a:lstStyle>
             <a:lvl1pPr>
-              <a:defRPr sz="4500"/>
+              <a:defRPr sz="8666"/>
             </a:lvl1pPr>
           </a:lstStyle>
           <a:p>
@@ -882,8 +900,8 @@
         </p:nvSpPr>
         <p:spPr>
           <a:xfrm>
-            <a:off x="467916" y="6629226"/>
-            <a:ext cx="5915025" cy="2166937"/>
+            <a:off x="901172" y="6629226"/>
+            <a:ext cx="11391900" cy="2166937"/>
           </a:xfrm>
         </p:spPr>
         <p:txBody>
@@ -891,15 +909,15 @@
           <a:lstStyle>
             <a:lvl1pPr marL="0" indent="0">
               <a:buNone/>
-              <a:defRPr sz="1800">
+              <a:defRPr sz="3467">
                 <a:solidFill>
                   <a:schemeClr val="tx1"/>
                 </a:solidFill>
               </a:defRPr>
             </a:lvl1pPr>
-            <a:lvl2pPr marL="342900" indent="0">
+            <a:lvl2pPr marL="660380" indent="0">
               <a:buNone/>
-              <a:defRPr sz="1500">
+              <a:defRPr sz="2889">
                 <a:solidFill>
                   <a:schemeClr val="tx1">
                     <a:tint val="75000"/>
@@ -907,9 +925,9 @@
                 </a:solidFill>
               </a:defRPr>
             </a:lvl2pPr>
-            <a:lvl3pPr marL="685800" indent="0">
+            <a:lvl3pPr marL="1320759" indent="0">
               <a:buNone/>
-              <a:defRPr sz="1350">
+              <a:defRPr sz="2600">
                 <a:solidFill>
                   <a:schemeClr val="tx1">
                     <a:tint val="75000"/>
@@ -917,9 +935,9 @@
                 </a:solidFill>
               </a:defRPr>
             </a:lvl3pPr>
-            <a:lvl4pPr marL="1028700" indent="0">
+            <a:lvl4pPr marL="1981139" indent="0">
               <a:buNone/>
-              <a:defRPr sz="1200">
+              <a:defRPr sz="2311">
                 <a:solidFill>
                   <a:schemeClr val="tx1">
                     <a:tint val="75000"/>
@@ -927,9 +945,9 @@
                 </a:solidFill>
               </a:defRPr>
             </a:lvl4pPr>
-            <a:lvl5pPr marL="1371600" indent="0">
+            <a:lvl5pPr marL="2641519" indent="0">
               <a:buNone/>
-              <a:defRPr sz="1200">
+              <a:defRPr sz="2311">
                 <a:solidFill>
                   <a:schemeClr val="tx1">
                     <a:tint val="75000"/>
@@ -937,9 +955,9 @@
                 </a:solidFill>
               </a:defRPr>
             </a:lvl5pPr>
-            <a:lvl6pPr marL="1714500" indent="0">
+            <a:lvl6pPr marL="3301898" indent="0">
               <a:buNone/>
-              <a:defRPr sz="1200">
+              <a:defRPr sz="2311">
                 <a:solidFill>
                   <a:schemeClr val="tx1">
                     <a:tint val="75000"/>
@@ -947,9 +965,9 @@
                 </a:solidFill>
               </a:defRPr>
             </a:lvl6pPr>
-            <a:lvl7pPr marL="2057400" indent="0">
+            <a:lvl7pPr marL="3962278" indent="0">
               <a:buNone/>
-              <a:defRPr sz="1200">
+              <a:defRPr sz="2311">
                 <a:solidFill>
                   <a:schemeClr val="tx1">
                     <a:tint val="75000"/>
@@ -957,9 +975,9 @@
                 </a:solidFill>
               </a:defRPr>
             </a:lvl7pPr>
-            <a:lvl8pPr marL="2400300" indent="0">
+            <a:lvl8pPr marL="4622658" indent="0">
               <a:buNone/>
-              <a:defRPr sz="1200">
+              <a:defRPr sz="2311">
                 <a:solidFill>
                   <a:schemeClr val="tx1">
                     <a:tint val="75000"/>
@@ -967,9 +985,9 @@
                 </a:solidFill>
               </a:defRPr>
             </a:lvl8pPr>
-            <a:lvl9pPr marL="2743200" indent="0">
+            <a:lvl9pPr marL="5283037" indent="0">
               <a:buNone/>
-              <a:defRPr sz="1200">
+              <a:defRPr sz="2311">
                 <a:solidFill>
                   <a:schemeClr val="tx1">
                     <a:tint val="75000"/>
@@ -1004,7 +1022,7 @@
           <a:p>
             <a:fld id="{0E35EC25-0EF2-497B-8920-1E6BAD0A2F9F}" type="datetimeFigureOut">
               <a:rPr lang="ko-KR" altLang="en-US" smtClean="0"/>
-              <a:t>2026-01-29</a:t>
+              <a:t>2026-02-03</a:t>
             </a:fld>
             <a:endParaRPr lang="ko-KR" altLang="en-US"/>
           </a:p>
@@ -1055,7 +1073,7 @@
     </p:spTree>
     <p:extLst>
       <p:ext uri="{BB962C8B-B14F-4D97-AF65-F5344CB8AC3E}">
-        <p14:creationId xmlns:p14="http://schemas.microsoft.com/office/powerpoint/2010/main" val="3763328947"/>
+        <p14:creationId xmlns:p14="http://schemas.microsoft.com/office/powerpoint/2010/main" val="2974437829"/>
       </p:ext>
     </p:extLst>
   </p:cSld>
@@ -1117,8 +1135,8 @@
         </p:nvSpPr>
         <p:spPr>
           <a:xfrm>
-            <a:off x="471488" y="2637014"/>
-            <a:ext cx="2914650" cy="6285266"/>
+            <a:off x="908050" y="2637014"/>
+            <a:ext cx="5613400" cy="6285266"/>
           </a:xfrm>
         </p:spPr>
         <p:txBody>
@@ -1174,8 +1192,8 @@
         </p:nvSpPr>
         <p:spPr>
           <a:xfrm>
-            <a:off x="3471863" y="2637014"/>
-            <a:ext cx="2914650" cy="6285266"/>
+            <a:off x="6686550" y="2637014"/>
+            <a:ext cx="5613400" cy="6285266"/>
           </a:xfrm>
         </p:spPr>
         <p:txBody>
@@ -1236,7 +1254,7 @@
           <a:p>
             <a:fld id="{0E35EC25-0EF2-497B-8920-1E6BAD0A2F9F}" type="datetimeFigureOut">
               <a:rPr lang="ko-KR" altLang="en-US" smtClean="0"/>
-              <a:t>2026-01-29</a:t>
+              <a:t>2026-02-03</a:t>
             </a:fld>
             <a:endParaRPr lang="ko-KR" altLang="en-US"/>
           </a:p>
@@ -1287,7 +1305,7 @@
     </p:spTree>
     <p:extLst>
       <p:ext uri="{BB962C8B-B14F-4D97-AF65-F5344CB8AC3E}">
-        <p14:creationId xmlns:p14="http://schemas.microsoft.com/office/powerpoint/2010/main" val="652038650"/>
+        <p14:creationId xmlns:p14="http://schemas.microsoft.com/office/powerpoint/2010/main" val="4088747779"/>
       </p:ext>
     </p:extLst>
   </p:cSld>
@@ -1326,8 +1344,8 @@
         </p:nvSpPr>
         <p:spPr>
           <a:xfrm>
-            <a:off x="472381" y="527405"/>
-            <a:ext cx="5915025" cy="1914702"/>
+            <a:off x="909770" y="527405"/>
+            <a:ext cx="11391900" cy="1914702"/>
           </a:xfrm>
         </p:spPr>
         <p:txBody>
@@ -1354,8 +1372,8 @@
         </p:nvSpPr>
         <p:spPr>
           <a:xfrm>
-            <a:off x="472381" y="2428347"/>
-            <a:ext cx="2901255" cy="1190095"/>
+            <a:off x="909772" y="2428347"/>
+            <a:ext cx="5587602" cy="1190095"/>
           </a:xfrm>
         </p:spPr>
         <p:txBody>
@@ -1363,39 +1381,39 @@
           <a:lstStyle>
             <a:lvl1pPr marL="0" indent="0">
               <a:buNone/>
-              <a:defRPr sz="1800" b="1"/>
+              <a:defRPr sz="3467" b="1"/>
             </a:lvl1pPr>
-            <a:lvl2pPr marL="342900" indent="0">
+            <a:lvl2pPr marL="660380" indent="0">
               <a:buNone/>
-              <a:defRPr sz="1500" b="1"/>
+              <a:defRPr sz="2889" b="1"/>
             </a:lvl2pPr>
-            <a:lvl3pPr marL="685800" indent="0">
+            <a:lvl3pPr marL="1320759" indent="0">
               <a:buNone/>
-              <a:defRPr sz="1350" b="1"/>
+              <a:defRPr sz="2600" b="1"/>
             </a:lvl3pPr>
-            <a:lvl4pPr marL="1028700" indent="0">
+            <a:lvl4pPr marL="1981139" indent="0">
               <a:buNone/>
-              <a:defRPr sz="1200" b="1"/>
+              <a:defRPr sz="2311" b="1"/>
             </a:lvl4pPr>
-            <a:lvl5pPr marL="1371600" indent="0">
+            <a:lvl5pPr marL="2641519" indent="0">
               <a:buNone/>
-              <a:defRPr sz="1200" b="1"/>
+              <a:defRPr sz="2311" b="1"/>
             </a:lvl5pPr>
-            <a:lvl6pPr marL="1714500" indent="0">
+            <a:lvl6pPr marL="3301898" indent="0">
               <a:buNone/>
-              <a:defRPr sz="1200" b="1"/>
+              <a:defRPr sz="2311" b="1"/>
             </a:lvl6pPr>
-            <a:lvl7pPr marL="2057400" indent="0">
+            <a:lvl7pPr marL="3962278" indent="0">
               <a:buNone/>
-              <a:defRPr sz="1200" b="1"/>
+              <a:defRPr sz="2311" b="1"/>
             </a:lvl7pPr>
-            <a:lvl8pPr marL="2400300" indent="0">
+            <a:lvl8pPr marL="4622658" indent="0">
               <a:buNone/>
-              <a:defRPr sz="1200" b="1"/>
+              <a:defRPr sz="2311" b="1"/>
             </a:lvl8pPr>
-            <a:lvl9pPr marL="2743200" indent="0">
+            <a:lvl9pPr marL="5283037" indent="0">
               <a:buNone/>
-              <a:defRPr sz="1200" b="1"/>
+              <a:defRPr sz="2311" b="1"/>
             </a:lvl9pPr>
           </a:lstStyle>
           <a:p>
@@ -1419,8 +1437,8 @@
         </p:nvSpPr>
         <p:spPr>
           <a:xfrm>
-            <a:off x="472381" y="3618442"/>
-            <a:ext cx="2901255" cy="5322183"/>
+            <a:off x="909772" y="3618442"/>
+            <a:ext cx="5587602" cy="5322183"/>
           </a:xfrm>
         </p:spPr>
         <p:txBody>
@@ -1476,8 +1494,8 @@
         </p:nvSpPr>
         <p:spPr>
           <a:xfrm>
-            <a:off x="3471863" y="2428347"/>
-            <a:ext cx="2915543" cy="1190095"/>
+            <a:off x="6686551" y="2428347"/>
+            <a:ext cx="5615120" cy="1190095"/>
           </a:xfrm>
         </p:spPr>
         <p:txBody>
@@ -1485,39 +1503,39 @@
           <a:lstStyle>
             <a:lvl1pPr marL="0" indent="0">
               <a:buNone/>
-              <a:defRPr sz="1800" b="1"/>
+              <a:defRPr sz="3467" b="1"/>
             </a:lvl1pPr>
-            <a:lvl2pPr marL="342900" indent="0">
+            <a:lvl2pPr marL="660380" indent="0">
               <a:buNone/>
-              <a:defRPr sz="1500" b="1"/>
+              <a:defRPr sz="2889" b="1"/>
             </a:lvl2pPr>
-            <a:lvl3pPr marL="685800" indent="0">
+            <a:lvl3pPr marL="1320759" indent="0">
               <a:buNone/>
-              <a:defRPr sz="1350" b="1"/>
+              <a:defRPr sz="2600" b="1"/>
             </a:lvl3pPr>
-            <a:lvl4pPr marL="1028700" indent="0">
+            <a:lvl4pPr marL="1981139" indent="0">
               <a:buNone/>
-              <a:defRPr sz="1200" b="1"/>
+              <a:defRPr sz="2311" b="1"/>
             </a:lvl4pPr>
-            <a:lvl5pPr marL="1371600" indent="0">
+            <a:lvl5pPr marL="2641519" indent="0">
               <a:buNone/>
-              <a:defRPr sz="1200" b="1"/>
+              <a:defRPr sz="2311" b="1"/>
             </a:lvl5pPr>
-            <a:lvl6pPr marL="1714500" indent="0">
+            <a:lvl6pPr marL="3301898" indent="0">
               <a:buNone/>
-              <a:defRPr sz="1200" b="1"/>
+              <a:defRPr sz="2311" b="1"/>
             </a:lvl6pPr>
-            <a:lvl7pPr marL="2057400" indent="0">
+            <a:lvl7pPr marL="3962278" indent="0">
               <a:buNone/>
-              <a:defRPr sz="1200" b="1"/>
+              <a:defRPr sz="2311" b="1"/>
             </a:lvl7pPr>
-            <a:lvl8pPr marL="2400300" indent="0">
+            <a:lvl8pPr marL="4622658" indent="0">
               <a:buNone/>
-              <a:defRPr sz="1200" b="1"/>
+              <a:defRPr sz="2311" b="1"/>
             </a:lvl8pPr>
-            <a:lvl9pPr marL="2743200" indent="0">
+            <a:lvl9pPr marL="5283037" indent="0">
               <a:buNone/>
-              <a:defRPr sz="1200" b="1"/>
+              <a:defRPr sz="2311" b="1"/>
             </a:lvl9pPr>
           </a:lstStyle>
           <a:p>
@@ -1541,8 +1559,8 @@
         </p:nvSpPr>
         <p:spPr>
           <a:xfrm>
-            <a:off x="3471863" y="3618442"/>
-            <a:ext cx="2915543" cy="5322183"/>
+            <a:off x="6686551" y="3618442"/>
+            <a:ext cx="5615120" cy="5322183"/>
           </a:xfrm>
         </p:spPr>
         <p:txBody>
@@ -1603,7 +1621,7 @@
           <a:p>
             <a:fld id="{0E35EC25-0EF2-497B-8920-1E6BAD0A2F9F}" type="datetimeFigureOut">
               <a:rPr lang="ko-KR" altLang="en-US" smtClean="0"/>
-              <a:t>2026-01-29</a:t>
+              <a:t>2026-02-03</a:t>
             </a:fld>
             <a:endParaRPr lang="ko-KR" altLang="en-US"/>
           </a:p>
@@ -1654,7 +1672,7 @@
     </p:spTree>
     <p:extLst>
       <p:ext uri="{BB962C8B-B14F-4D97-AF65-F5344CB8AC3E}">
-        <p14:creationId xmlns:p14="http://schemas.microsoft.com/office/powerpoint/2010/main" val="430334322"/>
+        <p14:creationId xmlns:p14="http://schemas.microsoft.com/office/powerpoint/2010/main" val="3815034764"/>
       </p:ext>
     </p:extLst>
   </p:cSld>
@@ -1721,7 +1739,7 @@
           <a:p>
             <a:fld id="{0E35EC25-0EF2-497B-8920-1E6BAD0A2F9F}" type="datetimeFigureOut">
               <a:rPr lang="ko-KR" altLang="en-US" smtClean="0"/>
-              <a:t>2026-01-29</a:t>
+              <a:t>2026-02-03</a:t>
             </a:fld>
             <a:endParaRPr lang="ko-KR" altLang="en-US"/>
           </a:p>
@@ -1772,7 +1790,7 @@
     </p:spTree>
     <p:extLst>
       <p:ext uri="{BB962C8B-B14F-4D97-AF65-F5344CB8AC3E}">
-        <p14:creationId xmlns:p14="http://schemas.microsoft.com/office/powerpoint/2010/main" val="2408818347"/>
+        <p14:creationId xmlns:p14="http://schemas.microsoft.com/office/powerpoint/2010/main" val="4006890120"/>
       </p:ext>
     </p:extLst>
   </p:cSld>
@@ -1816,7 +1834,7 @@
           <a:p>
             <a:fld id="{0E35EC25-0EF2-497B-8920-1E6BAD0A2F9F}" type="datetimeFigureOut">
               <a:rPr lang="ko-KR" altLang="en-US" smtClean="0"/>
-              <a:t>2026-01-29</a:t>
+              <a:t>2026-02-03</a:t>
             </a:fld>
             <a:endParaRPr lang="ko-KR" altLang="en-US"/>
           </a:p>
@@ -1867,7 +1885,7 @@
     </p:spTree>
     <p:extLst>
       <p:ext uri="{BB962C8B-B14F-4D97-AF65-F5344CB8AC3E}">
-        <p14:creationId xmlns:p14="http://schemas.microsoft.com/office/powerpoint/2010/main" val="110773583"/>
+        <p14:creationId xmlns:p14="http://schemas.microsoft.com/office/powerpoint/2010/main" val="1274950625"/>
       </p:ext>
     </p:extLst>
   </p:cSld>
@@ -1906,15 +1924,15 @@
         </p:nvSpPr>
         <p:spPr>
           <a:xfrm>
-            <a:off x="472381" y="660400"/>
-            <a:ext cx="2211884" cy="2311400"/>
+            <a:off x="909770" y="660400"/>
+            <a:ext cx="4259924" cy="2311400"/>
           </a:xfrm>
         </p:spPr>
         <p:txBody>
           <a:bodyPr anchor="b"/>
           <a:lstStyle>
             <a:lvl1pPr>
-              <a:defRPr sz="2400"/>
+              <a:defRPr sz="4622"/>
             </a:lvl1pPr>
           </a:lstStyle>
           <a:p>
@@ -1938,39 +1956,39 @@
         </p:nvSpPr>
         <p:spPr>
           <a:xfrm>
-            <a:off x="2915543" y="1426283"/>
-            <a:ext cx="3471863" cy="7039681"/>
+            <a:off x="5615120" y="1426283"/>
+            <a:ext cx="6686550" cy="7039681"/>
           </a:xfrm>
         </p:spPr>
         <p:txBody>
           <a:bodyPr/>
           <a:lstStyle>
             <a:lvl1pPr>
-              <a:defRPr sz="2400"/>
+              <a:defRPr sz="4622"/>
             </a:lvl1pPr>
             <a:lvl2pPr>
-              <a:defRPr sz="2100"/>
+              <a:defRPr sz="4044"/>
             </a:lvl2pPr>
             <a:lvl3pPr>
-              <a:defRPr sz="1800"/>
+              <a:defRPr sz="3467"/>
             </a:lvl3pPr>
             <a:lvl4pPr>
-              <a:defRPr sz="1500"/>
+              <a:defRPr sz="2889"/>
             </a:lvl4pPr>
             <a:lvl5pPr>
-              <a:defRPr sz="1500"/>
+              <a:defRPr sz="2889"/>
             </a:lvl5pPr>
             <a:lvl6pPr>
-              <a:defRPr sz="1500"/>
+              <a:defRPr sz="2889"/>
             </a:lvl6pPr>
             <a:lvl7pPr>
-              <a:defRPr sz="1500"/>
+              <a:defRPr sz="2889"/>
             </a:lvl7pPr>
             <a:lvl8pPr>
-              <a:defRPr sz="1500"/>
+              <a:defRPr sz="2889"/>
             </a:lvl8pPr>
             <a:lvl9pPr>
-              <a:defRPr sz="1500"/>
+              <a:defRPr sz="2889"/>
             </a:lvl9pPr>
           </a:lstStyle>
           <a:p>
@@ -2023,8 +2041,8 @@
         </p:nvSpPr>
         <p:spPr>
           <a:xfrm>
-            <a:off x="472381" y="2971800"/>
-            <a:ext cx="2211884" cy="5505627"/>
+            <a:off x="909770" y="2971800"/>
+            <a:ext cx="4259924" cy="5505627"/>
           </a:xfrm>
         </p:spPr>
         <p:txBody>
@@ -2032,39 +2050,39 @@
           <a:lstStyle>
             <a:lvl1pPr marL="0" indent="0">
               <a:buNone/>
-              <a:defRPr sz="1200"/>
+              <a:defRPr sz="2311"/>
             </a:lvl1pPr>
-            <a:lvl2pPr marL="342900" indent="0">
+            <a:lvl2pPr marL="660380" indent="0">
               <a:buNone/>
-              <a:defRPr sz="1050"/>
+              <a:defRPr sz="2022"/>
             </a:lvl2pPr>
-            <a:lvl3pPr marL="685800" indent="0">
+            <a:lvl3pPr marL="1320759" indent="0">
               <a:buNone/>
-              <a:defRPr sz="900"/>
+              <a:defRPr sz="1733"/>
             </a:lvl3pPr>
-            <a:lvl4pPr marL="1028700" indent="0">
+            <a:lvl4pPr marL="1981139" indent="0">
               <a:buNone/>
-              <a:defRPr sz="750"/>
+              <a:defRPr sz="1444"/>
             </a:lvl4pPr>
-            <a:lvl5pPr marL="1371600" indent="0">
+            <a:lvl5pPr marL="2641519" indent="0">
               <a:buNone/>
-              <a:defRPr sz="750"/>
+              <a:defRPr sz="1444"/>
             </a:lvl5pPr>
-            <a:lvl6pPr marL="1714500" indent="0">
+            <a:lvl6pPr marL="3301898" indent="0">
               <a:buNone/>
-              <a:defRPr sz="750"/>
+              <a:defRPr sz="1444"/>
             </a:lvl6pPr>
-            <a:lvl7pPr marL="2057400" indent="0">
+            <a:lvl7pPr marL="3962278" indent="0">
               <a:buNone/>
-              <a:defRPr sz="750"/>
+              <a:defRPr sz="1444"/>
             </a:lvl7pPr>
-            <a:lvl8pPr marL="2400300" indent="0">
+            <a:lvl8pPr marL="4622658" indent="0">
               <a:buNone/>
-              <a:defRPr sz="750"/>
+              <a:defRPr sz="1444"/>
             </a:lvl8pPr>
-            <a:lvl9pPr marL="2743200" indent="0">
+            <a:lvl9pPr marL="5283037" indent="0">
               <a:buNone/>
-              <a:defRPr sz="750"/>
+              <a:defRPr sz="1444"/>
             </a:lvl9pPr>
           </a:lstStyle>
           <a:p>
@@ -2093,7 +2111,7 @@
           <a:p>
             <a:fld id="{0E35EC25-0EF2-497B-8920-1E6BAD0A2F9F}" type="datetimeFigureOut">
               <a:rPr lang="ko-KR" altLang="en-US" smtClean="0"/>
-              <a:t>2026-01-29</a:t>
+              <a:t>2026-02-03</a:t>
             </a:fld>
             <a:endParaRPr lang="ko-KR" altLang="en-US"/>
           </a:p>
@@ -2144,7 +2162,7 @@
     </p:spTree>
     <p:extLst>
       <p:ext uri="{BB962C8B-B14F-4D97-AF65-F5344CB8AC3E}">
-        <p14:creationId xmlns:p14="http://schemas.microsoft.com/office/powerpoint/2010/main" val="2787568510"/>
+        <p14:creationId xmlns:p14="http://schemas.microsoft.com/office/powerpoint/2010/main" val="31922334"/>
       </p:ext>
     </p:extLst>
   </p:cSld>
@@ -2183,15 +2201,15 @@
         </p:nvSpPr>
         <p:spPr>
           <a:xfrm>
-            <a:off x="472381" y="660400"/>
-            <a:ext cx="2211884" cy="2311400"/>
+            <a:off x="909770" y="660400"/>
+            <a:ext cx="4259924" cy="2311400"/>
           </a:xfrm>
         </p:spPr>
         <p:txBody>
           <a:bodyPr anchor="b"/>
           <a:lstStyle>
             <a:lvl1pPr>
-              <a:defRPr sz="2400"/>
+              <a:defRPr sz="4622"/>
             </a:lvl1pPr>
           </a:lstStyle>
           <a:p>
@@ -2215,8 +2233,8 @@
         </p:nvSpPr>
         <p:spPr>
           <a:xfrm>
-            <a:off x="2915543" y="1426283"/>
-            <a:ext cx="3471863" cy="7039681"/>
+            <a:off x="5615120" y="1426283"/>
+            <a:ext cx="6686550" cy="7039681"/>
           </a:xfrm>
         </p:spPr>
         <p:txBody>
@@ -2224,39 +2242,39 @@
           <a:lstStyle>
             <a:lvl1pPr marL="0" indent="0">
               <a:buNone/>
-              <a:defRPr sz="2400"/>
+              <a:defRPr sz="4622"/>
             </a:lvl1pPr>
-            <a:lvl2pPr marL="342900" indent="0">
+            <a:lvl2pPr marL="660380" indent="0">
               <a:buNone/>
-              <a:defRPr sz="2100"/>
+              <a:defRPr sz="4044"/>
             </a:lvl2pPr>
-            <a:lvl3pPr marL="685800" indent="0">
+            <a:lvl3pPr marL="1320759" indent="0">
               <a:buNone/>
-              <a:defRPr sz="1800"/>
+              <a:defRPr sz="3467"/>
             </a:lvl3pPr>
-            <a:lvl4pPr marL="1028700" indent="0">
+            <a:lvl4pPr marL="1981139" indent="0">
               <a:buNone/>
-              <a:defRPr sz="1500"/>
+              <a:defRPr sz="2889"/>
             </a:lvl4pPr>
-            <a:lvl5pPr marL="1371600" indent="0">
+            <a:lvl5pPr marL="2641519" indent="0">
               <a:buNone/>
-              <a:defRPr sz="1500"/>
+              <a:defRPr sz="2889"/>
             </a:lvl5pPr>
-            <a:lvl6pPr marL="1714500" indent="0">
+            <a:lvl6pPr marL="3301898" indent="0">
               <a:buNone/>
-              <a:defRPr sz="1500"/>
+              <a:defRPr sz="2889"/>
             </a:lvl6pPr>
-            <a:lvl7pPr marL="2057400" indent="0">
+            <a:lvl7pPr marL="3962278" indent="0">
               <a:buNone/>
-              <a:defRPr sz="1500"/>
+              <a:defRPr sz="2889"/>
             </a:lvl7pPr>
-            <a:lvl8pPr marL="2400300" indent="0">
+            <a:lvl8pPr marL="4622658" indent="0">
               <a:buNone/>
-              <a:defRPr sz="1500"/>
+              <a:defRPr sz="2889"/>
             </a:lvl8pPr>
-            <a:lvl9pPr marL="2743200" indent="0">
+            <a:lvl9pPr marL="5283037" indent="0">
               <a:buNone/>
-              <a:defRPr sz="1500"/>
+              <a:defRPr sz="2889"/>
             </a:lvl9pPr>
           </a:lstStyle>
           <a:p>
@@ -2280,8 +2298,8 @@
         </p:nvSpPr>
         <p:spPr>
           <a:xfrm>
-            <a:off x="472381" y="2971800"/>
-            <a:ext cx="2211884" cy="5505627"/>
+            <a:off x="909770" y="2971800"/>
+            <a:ext cx="4259924" cy="5505627"/>
           </a:xfrm>
         </p:spPr>
         <p:txBody>
@@ -2289,39 +2307,39 @@
           <a:lstStyle>
             <a:lvl1pPr marL="0" indent="0">
               <a:buNone/>
-              <a:defRPr sz="1200"/>
+              <a:defRPr sz="2311"/>
             </a:lvl1pPr>
-            <a:lvl2pPr marL="342900" indent="0">
+            <a:lvl2pPr marL="660380" indent="0">
               <a:buNone/>
-              <a:defRPr sz="1050"/>
+              <a:defRPr sz="2022"/>
             </a:lvl2pPr>
-            <a:lvl3pPr marL="685800" indent="0">
+            <a:lvl3pPr marL="1320759" indent="0">
               <a:buNone/>
-              <a:defRPr sz="900"/>
+              <a:defRPr sz="1733"/>
             </a:lvl3pPr>
-            <a:lvl4pPr marL="1028700" indent="0">
+            <a:lvl4pPr marL="1981139" indent="0">
               <a:buNone/>
-              <a:defRPr sz="750"/>
+              <a:defRPr sz="1444"/>
             </a:lvl4pPr>
-            <a:lvl5pPr marL="1371600" indent="0">
+            <a:lvl5pPr marL="2641519" indent="0">
               <a:buNone/>
-              <a:defRPr sz="750"/>
+              <a:defRPr sz="1444"/>
             </a:lvl5pPr>
-            <a:lvl6pPr marL="1714500" indent="0">
+            <a:lvl6pPr marL="3301898" indent="0">
               <a:buNone/>
-              <a:defRPr sz="750"/>
+              <a:defRPr sz="1444"/>
             </a:lvl6pPr>
-            <a:lvl7pPr marL="2057400" indent="0">
+            <a:lvl7pPr marL="3962278" indent="0">
               <a:buNone/>
-              <a:defRPr sz="750"/>
+              <a:defRPr sz="1444"/>
             </a:lvl7pPr>
-            <a:lvl8pPr marL="2400300" indent="0">
+            <a:lvl8pPr marL="4622658" indent="0">
               <a:buNone/>
-              <a:defRPr sz="750"/>
+              <a:defRPr sz="1444"/>
             </a:lvl8pPr>
-            <a:lvl9pPr marL="2743200" indent="0">
+            <a:lvl9pPr marL="5283037" indent="0">
               <a:buNone/>
-              <a:defRPr sz="750"/>
+              <a:defRPr sz="1444"/>
             </a:lvl9pPr>
           </a:lstStyle>
           <a:p>
@@ -2350,7 +2368,7 @@
           <a:p>
             <a:fld id="{0E35EC25-0EF2-497B-8920-1E6BAD0A2F9F}" type="datetimeFigureOut">
               <a:rPr lang="ko-KR" altLang="en-US" smtClean="0"/>
-              <a:t>2026-01-29</a:t>
+              <a:t>2026-02-03</a:t>
             </a:fld>
             <a:endParaRPr lang="ko-KR" altLang="en-US"/>
           </a:p>
@@ -2401,7 +2419,7 @@
     </p:spTree>
     <p:extLst>
       <p:ext uri="{BB962C8B-B14F-4D97-AF65-F5344CB8AC3E}">
-        <p14:creationId xmlns:p14="http://schemas.microsoft.com/office/powerpoint/2010/main" val="3475726357"/>
+        <p14:creationId xmlns:p14="http://schemas.microsoft.com/office/powerpoint/2010/main" val="2378310928"/>
       </p:ext>
     </p:extLst>
   </p:cSld>
@@ -2445,8 +2463,8 @@
         </p:nvSpPr>
         <p:spPr>
           <a:xfrm>
-            <a:off x="471488" y="527405"/>
-            <a:ext cx="5915025" cy="1914702"/>
+            <a:off x="908050" y="527405"/>
+            <a:ext cx="11391900" cy="1914702"/>
           </a:xfrm>
           <a:prstGeom prst="rect">
             <a:avLst/>
@@ -2478,8 +2496,8 @@
         </p:nvSpPr>
         <p:spPr>
           <a:xfrm>
-            <a:off x="471488" y="2637014"/>
-            <a:ext cx="5915025" cy="6285266"/>
+            <a:off x="908050" y="2637014"/>
+            <a:ext cx="11391900" cy="6285266"/>
           </a:xfrm>
           <a:prstGeom prst="rect">
             <a:avLst/>
@@ -2540,8 +2558,8 @@
         </p:nvSpPr>
         <p:spPr>
           <a:xfrm>
-            <a:off x="471488" y="9181397"/>
-            <a:ext cx="1543050" cy="527403"/>
+            <a:off x="908050" y="9181397"/>
+            <a:ext cx="2971800" cy="527403"/>
           </a:xfrm>
           <a:prstGeom prst="rect">
             <a:avLst/>
@@ -2551,7 +2569,7 @@
           <a:bodyPr vert="horz" lIns="91440" tIns="45720" rIns="91440" bIns="45720" rtlCol="0" anchor="ctr"/>
           <a:lstStyle>
             <a:lvl1pPr algn="l">
-              <a:defRPr sz="900">
+              <a:defRPr sz="1733">
                 <a:solidFill>
                   <a:schemeClr val="tx1">
                     <a:tint val="75000"/>
@@ -2563,7 +2581,7 @@
           <a:p>
             <a:fld id="{0E35EC25-0EF2-497B-8920-1E6BAD0A2F9F}" type="datetimeFigureOut">
               <a:rPr lang="ko-KR" altLang="en-US" smtClean="0"/>
-              <a:t>2026-01-29</a:t>
+              <a:t>2026-02-03</a:t>
             </a:fld>
             <a:endParaRPr lang="ko-KR" altLang="en-US"/>
           </a:p>
@@ -2581,8 +2599,8 @@
         </p:nvSpPr>
         <p:spPr>
           <a:xfrm>
-            <a:off x="2271713" y="9181397"/>
-            <a:ext cx="2314575" cy="527403"/>
+            <a:off x="4375150" y="9181397"/>
+            <a:ext cx="4457700" cy="527403"/>
           </a:xfrm>
           <a:prstGeom prst="rect">
             <a:avLst/>
@@ -2592,7 +2610,7 @@
           <a:bodyPr vert="horz" lIns="91440" tIns="45720" rIns="91440" bIns="45720" rtlCol="0" anchor="ctr"/>
           <a:lstStyle>
             <a:lvl1pPr algn="ctr">
-              <a:defRPr sz="900">
+              <a:defRPr sz="1733">
                 <a:solidFill>
                   <a:schemeClr val="tx1">
                     <a:tint val="75000"/>
@@ -2618,8 +2636,8 @@
         </p:nvSpPr>
         <p:spPr>
           <a:xfrm>
-            <a:off x="4843463" y="9181397"/>
-            <a:ext cx="1543050" cy="527403"/>
+            <a:off x="9328150" y="9181397"/>
+            <a:ext cx="2971800" cy="527403"/>
           </a:xfrm>
           <a:prstGeom prst="rect">
             <a:avLst/>
@@ -2629,7 +2647,7 @@
           <a:bodyPr vert="horz" lIns="91440" tIns="45720" rIns="91440" bIns="45720" rtlCol="0" anchor="ctr"/>
           <a:lstStyle>
             <a:lvl1pPr algn="r">
-              <a:defRPr sz="900">
+              <a:defRPr sz="1733">
                 <a:solidFill>
                   <a:schemeClr val="tx1">
                     <a:tint val="75000"/>
@@ -2650,27 +2668,27 @@
     </p:spTree>
     <p:extLst>
       <p:ext uri="{BB962C8B-B14F-4D97-AF65-F5344CB8AC3E}">
-        <p14:creationId xmlns:p14="http://schemas.microsoft.com/office/powerpoint/2010/main" val="3393308517"/>
+        <p14:creationId xmlns:p14="http://schemas.microsoft.com/office/powerpoint/2010/main" val="3282896465"/>
       </p:ext>
     </p:extLst>
   </p:cSld>
   <p:clrMap bg1="lt1" tx1="dk1" bg2="lt2" tx2="dk2" accent1="accent1" accent2="accent2" accent3="accent3" accent4="accent4" accent5="accent5" accent6="accent6" hlink="hlink" folHlink="folHlink"/>
   <p:sldLayoutIdLst>
-    <p:sldLayoutId id="2147483661" r:id="rId1"/>
-    <p:sldLayoutId id="2147483662" r:id="rId2"/>
-    <p:sldLayoutId id="2147483663" r:id="rId3"/>
-    <p:sldLayoutId id="2147483664" r:id="rId4"/>
-    <p:sldLayoutId id="2147483665" r:id="rId5"/>
-    <p:sldLayoutId id="2147483666" r:id="rId6"/>
-    <p:sldLayoutId id="2147483667" r:id="rId7"/>
-    <p:sldLayoutId id="2147483668" r:id="rId8"/>
-    <p:sldLayoutId id="2147483669" r:id="rId9"/>
-    <p:sldLayoutId id="2147483670" r:id="rId10"/>
-    <p:sldLayoutId id="2147483671" r:id="rId11"/>
+    <p:sldLayoutId id="2147483685" r:id="rId1"/>
+    <p:sldLayoutId id="2147483686" r:id="rId2"/>
+    <p:sldLayoutId id="2147483687" r:id="rId3"/>
+    <p:sldLayoutId id="2147483688" r:id="rId4"/>
+    <p:sldLayoutId id="2147483689" r:id="rId5"/>
+    <p:sldLayoutId id="2147483690" r:id="rId6"/>
+    <p:sldLayoutId id="2147483691" r:id="rId7"/>
+    <p:sldLayoutId id="2147483692" r:id="rId8"/>
+    <p:sldLayoutId id="2147483693" r:id="rId9"/>
+    <p:sldLayoutId id="2147483694" r:id="rId10"/>
+    <p:sldLayoutId id="2147483695" r:id="rId11"/>
   </p:sldLayoutIdLst>
   <p:txStyles>
     <p:titleStyle>
-      <a:lvl1pPr algn="l" defTabSz="685800" rtl="0" eaLnBrk="1" latinLnBrk="1" hangingPunct="1">
+      <a:lvl1pPr algn="l" defTabSz="1320759" rtl="0" eaLnBrk="1" latinLnBrk="1" hangingPunct="1">
         <a:lnSpc>
           <a:spcPct val="90000"/>
         </a:lnSpc>
@@ -2678,7 +2696,7 @@
           <a:spcPct val="0"/>
         </a:spcBef>
         <a:buNone/>
-        <a:defRPr sz="3300" kern="1200">
+        <a:defRPr sz="6355" kern="1200">
           <a:solidFill>
             <a:schemeClr val="tx1"/>
           </a:solidFill>
@@ -2689,16 +2707,16 @@
       </a:lvl1pPr>
     </p:titleStyle>
     <p:bodyStyle>
-      <a:lvl1pPr marL="171450" indent="-171450" algn="l" defTabSz="685800" rtl="0" eaLnBrk="1" latinLnBrk="1" hangingPunct="1">
+      <a:lvl1pPr marL="330190" indent="-330190" algn="l" defTabSz="1320759" rtl="0" eaLnBrk="1" latinLnBrk="1" hangingPunct="1">
         <a:lnSpc>
           <a:spcPct val="90000"/>
         </a:lnSpc>
         <a:spcBef>
-          <a:spcPts val="750"/>
+          <a:spcPts val="1444"/>
         </a:spcBef>
         <a:buFont typeface="Arial" panose="020B0604020202020204" pitchFamily="34" charset="0"/>
         <a:buChar char="•"/>
-        <a:defRPr sz="2100" kern="1200">
+        <a:defRPr sz="4044" kern="1200">
           <a:solidFill>
             <a:schemeClr val="tx1"/>
           </a:solidFill>
@@ -2707,16 +2725,16 @@
           <a:cs typeface="+mn-cs"/>
         </a:defRPr>
       </a:lvl1pPr>
-      <a:lvl2pPr marL="514350" indent="-171450" algn="l" defTabSz="685800" rtl="0" eaLnBrk="1" latinLnBrk="1" hangingPunct="1">
+      <a:lvl2pPr marL="990570" indent="-330190" algn="l" defTabSz="1320759" rtl="0" eaLnBrk="1" latinLnBrk="1" hangingPunct="1">
         <a:lnSpc>
           <a:spcPct val="90000"/>
         </a:lnSpc>
         <a:spcBef>
-          <a:spcPts val="375"/>
+          <a:spcPts val="722"/>
         </a:spcBef>
         <a:buFont typeface="Arial" panose="020B0604020202020204" pitchFamily="34" charset="0"/>
         <a:buChar char="•"/>
-        <a:defRPr sz="1800" kern="1200">
+        <a:defRPr sz="3467" kern="1200">
           <a:solidFill>
             <a:schemeClr val="tx1"/>
           </a:solidFill>
@@ -2725,16 +2743,16 @@
           <a:cs typeface="+mn-cs"/>
         </a:defRPr>
       </a:lvl2pPr>
-      <a:lvl3pPr marL="857250" indent="-171450" algn="l" defTabSz="685800" rtl="0" eaLnBrk="1" latinLnBrk="1" hangingPunct="1">
+      <a:lvl3pPr marL="1650949" indent="-330190" algn="l" defTabSz="1320759" rtl="0" eaLnBrk="1" latinLnBrk="1" hangingPunct="1">
         <a:lnSpc>
           <a:spcPct val="90000"/>
         </a:lnSpc>
         <a:spcBef>
-          <a:spcPts val="375"/>
+          <a:spcPts val="722"/>
         </a:spcBef>
         <a:buFont typeface="Arial" panose="020B0604020202020204" pitchFamily="34" charset="0"/>
         <a:buChar char="•"/>
-        <a:defRPr sz="1500" kern="1200">
+        <a:defRPr sz="2889" kern="1200">
           <a:solidFill>
             <a:schemeClr val="tx1"/>
           </a:solidFill>
@@ -2743,16 +2761,16 @@
           <a:cs typeface="+mn-cs"/>
         </a:defRPr>
       </a:lvl3pPr>
-      <a:lvl4pPr marL="1200150" indent="-171450" algn="l" defTabSz="685800" rtl="0" eaLnBrk="1" latinLnBrk="1" hangingPunct="1">
+      <a:lvl4pPr marL="2311329" indent="-330190" algn="l" defTabSz="1320759" rtl="0" eaLnBrk="1" latinLnBrk="1" hangingPunct="1">
         <a:lnSpc>
           <a:spcPct val="90000"/>
         </a:lnSpc>
         <a:spcBef>
-          <a:spcPts val="375"/>
+          <a:spcPts val="722"/>
         </a:spcBef>
         <a:buFont typeface="Arial" panose="020B0604020202020204" pitchFamily="34" charset="0"/>
         <a:buChar char="•"/>
-        <a:defRPr sz="1350" kern="1200">
+        <a:defRPr sz="2600" kern="1200">
           <a:solidFill>
             <a:schemeClr val="tx1"/>
           </a:solidFill>
@@ -2761,16 +2779,16 @@
           <a:cs typeface="+mn-cs"/>
         </a:defRPr>
       </a:lvl4pPr>
-      <a:lvl5pPr marL="1543050" indent="-171450" algn="l" defTabSz="685800" rtl="0" eaLnBrk="1" latinLnBrk="1" hangingPunct="1">
+      <a:lvl5pPr marL="2971709" indent="-330190" algn="l" defTabSz="1320759" rtl="0" eaLnBrk="1" latinLnBrk="1" hangingPunct="1">
         <a:lnSpc>
           <a:spcPct val="90000"/>
         </a:lnSpc>
         <a:spcBef>
-          <a:spcPts val="375"/>
+          <a:spcPts val="722"/>
         </a:spcBef>
         <a:buFont typeface="Arial" panose="020B0604020202020204" pitchFamily="34" charset="0"/>
         <a:buChar char="•"/>
-        <a:defRPr sz="1350" kern="1200">
+        <a:defRPr sz="2600" kern="1200">
           <a:solidFill>
             <a:schemeClr val="tx1"/>
           </a:solidFill>
@@ -2779,16 +2797,16 @@
           <a:cs typeface="+mn-cs"/>
         </a:defRPr>
       </a:lvl5pPr>
-      <a:lvl6pPr marL="1885950" indent="-171450" algn="l" defTabSz="685800" rtl="0" eaLnBrk="1" latinLnBrk="1" hangingPunct="1">
+      <a:lvl6pPr marL="3632088" indent="-330190" algn="l" defTabSz="1320759" rtl="0" eaLnBrk="1" latinLnBrk="1" hangingPunct="1">
         <a:lnSpc>
           <a:spcPct val="90000"/>
         </a:lnSpc>
         <a:spcBef>
-          <a:spcPts val="375"/>
+          <a:spcPts val="722"/>
         </a:spcBef>
         <a:buFont typeface="Arial" panose="020B0604020202020204" pitchFamily="34" charset="0"/>
         <a:buChar char="•"/>
-        <a:defRPr sz="1350" kern="1200">
+        <a:defRPr sz="2600" kern="1200">
           <a:solidFill>
             <a:schemeClr val="tx1"/>
           </a:solidFill>
@@ -2797,16 +2815,16 @@
           <a:cs typeface="+mn-cs"/>
         </a:defRPr>
       </a:lvl6pPr>
-      <a:lvl7pPr marL="2228850" indent="-171450" algn="l" defTabSz="685800" rtl="0" eaLnBrk="1" latinLnBrk="1" hangingPunct="1">
+      <a:lvl7pPr marL="4292468" indent="-330190" algn="l" defTabSz="1320759" rtl="0" eaLnBrk="1" latinLnBrk="1" hangingPunct="1">
         <a:lnSpc>
           <a:spcPct val="90000"/>
         </a:lnSpc>
         <a:spcBef>
-          <a:spcPts val="375"/>
+          <a:spcPts val="722"/>
         </a:spcBef>
         <a:buFont typeface="Arial" panose="020B0604020202020204" pitchFamily="34" charset="0"/>
         <a:buChar char="•"/>
-        <a:defRPr sz="1350" kern="1200">
+        <a:defRPr sz="2600" kern="1200">
           <a:solidFill>
             <a:schemeClr val="tx1"/>
           </a:solidFill>
@@ -2815,16 +2833,16 @@
           <a:cs typeface="+mn-cs"/>
         </a:defRPr>
       </a:lvl7pPr>
-      <a:lvl8pPr marL="2571750" indent="-171450" algn="l" defTabSz="685800" rtl="0" eaLnBrk="1" latinLnBrk="1" hangingPunct="1">
+      <a:lvl8pPr marL="4952848" indent="-330190" algn="l" defTabSz="1320759" rtl="0" eaLnBrk="1" latinLnBrk="1" hangingPunct="1">
         <a:lnSpc>
           <a:spcPct val="90000"/>
         </a:lnSpc>
         <a:spcBef>
-          <a:spcPts val="375"/>
+          <a:spcPts val="722"/>
         </a:spcBef>
         <a:buFont typeface="Arial" panose="020B0604020202020204" pitchFamily="34" charset="0"/>
         <a:buChar char="•"/>
-        <a:defRPr sz="1350" kern="1200">
+        <a:defRPr sz="2600" kern="1200">
           <a:solidFill>
             <a:schemeClr val="tx1"/>
           </a:solidFill>
@@ -2833,16 +2851,16 @@
           <a:cs typeface="+mn-cs"/>
         </a:defRPr>
       </a:lvl8pPr>
-      <a:lvl9pPr marL="2914650" indent="-171450" algn="l" defTabSz="685800" rtl="0" eaLnBrk="1" latinLnBrk="1" hangingPunct="1">
+      <a:lvl9pPr marL="5613227" indent="-330190" algn="l" defTabSz="1320759" rtl="0" eaLnBrk="1" latinLnBrk="1" hangingPunct="1">
         <a:lnSpc>
           <a:spcPct val="90000"/>
         </a:lnSpc>
         <a:spcBef>
-          <a:spcPts val="375"/>
+          <a:spcPts val="722"/>
         </a:spcBef>
         <a:buFont typeface="Arial" panose="020B0604020202020204" pitchFamily="34" charset="0"/>
         <a:buChar char="•"/>
-        <a:defRPr sz="1350" kern="1200">
+        <a:defRPr sz="2600" kern="1200">
           <a:solidFill>
             <a:schemeClr val="tx1"/>
           </a:solidFill>
@@ -2856,8 +2874,8 @@
       <a:defPPr>
         <a:defRPr lang="en-US"/>
       </a:defPPr>
-      <a:lvl1pPr marL="0" algn="l" defTabSz="685800" rtl="0" eaLnBrk="1" latinLnBrk="1" hangingPunct="1">
-        <a:defRPr sz="1350" kern="1200">
+      <a:lvl1pPr marL="0" algn="l" defTabSz="1320759" rtl="0" eaLnBrk="1" latinLnBrk="1" hangingPunct="1">
+        <a:defRPr sz="2600" kern="1200">
           <a:solidFill>
             <a:schemeClr val="tx1"/>
           </a:solidFill>
@@ -2866,8 +2884,8 @@
           <a:cs typeface="+mn-cs"/>
         </a:defRPr>
       </a:lvl1pPr>
-      <a:lvl2pPr marL="342900" algn="l" defTabSz="685800" rtl="0" eaLnBrk="1" latinLnBrk="1" hangingPunct="1">
-        <a:defRPr sz="1350" kern="1200">
+      <a:lvl2pPr marL="660380" algn="l" defTabSz="1320759" rtl="0" eaLnBrk="1" latinLnBrk="1" hangingPunct="1">
+        <a:defRPr sz="2600" kern="1200">
           <a:solidFill>
             <a:schemeClr val="tx1"/>
           </a:solidFill>
@@ -2876,8 +2894,8 @@
           <a:cs typeface="+mn-cs"/>
         </a:defRPr>
       </a:lvl2pPr>
-      <a:lvl3pPr marL="685800" algn="l" defTabSz="685800" rtl="0" eaLnBrk="1" latinLnBrk="1" hangingPunct="1">
-        <a:defRPr sz="1350" kern="1200">
+      <a:lvl3pPr marL="1320759" algn="l" defTabSz="1320759" rtl="0" eaLnBrk="1" latinLnBrk="1" hangingPunct="1">
+        <a:defRPr sz="2600" kern="1200">
           <a:solidFill>
             <a:schemeClr val="tx1"/>
           </a:solidFill>
@@ -2886,8 +2904,8 @@
           <a:cs typeface="+mn-cs"/>
         </a:defRPr>
       </a:lvl3pPr>
-      <a:lvl4pPr marL="1028700" algn="l" defTabSz="685800" rtl="0" eaLnBrk="1" latinLnBrk="1" hangingPunct="1">
-        <a:defRPr sz="1350" kern="1200">
+      <a:lvl4pPr marL="1981139" algn="l" defTabSz="1320759" rtl="0" eaLnBrk="1" latinLnBrk="1" hangingPunct="1">
+        <a:defRPr sz="2600" kern="1200">
           <a:solidFill>
             <a:schemeClr val="tx1"/>
           </a:solidFill>
@@ -2896,8 +2914,8 @@
           <a:cs typeface="+mn-cs"/>
         </a:defRPr>
       </a:lvl4pPr>
-      <a:lvl5pPr marL="1371600" algn="l" defTabSz="685800" rtl="0" eaLnBrk="1" latinLnBrk="1" hangingPunct="1">
-        <a:defRPr sz="1350" kern="1200">
+      <a:lvl5pPr marL="2641519" algn="l" defTabSz="1320759" rtl="0" eaLnBrk="1" latinLnBrk="1" hangingPunct="1">
+        <a:defRPr sz="2600" kern="1200">
           <a:solidFill>
             <a:schemeClr val="tx1"/>
           </a:solidFill>
@@ -2906,8 +2924,8 @@
           <a:cs typeface="+mn-cs"/>
         </a:defRPr>
       </a:lvl5pPr>
-      <a:lvl6pPr marL="1714500" algn="l" defTabSz="685800" rtl="0" eaLnBrk="1" latinLnBrk="1" hangingPunct="1">
-        <a:defRPr sz="1350" kern="1200">
+      <a:lvl6pPr marL="3301898" algn="l" defTabSz="1320759" rtl="0" eaLnBrk="1" latinLnBrk="1" hangingPunct="1">
+        <a:defRPr sz="2600" kern="1200">
           <a:solidFill>
             <a:schemeClr val="tx1"/>
           </a:solidFill>
@@ -2916,8 +2934,8 @@
           <a:cs typeface="+mn-cs"/>
         </a:defRPr>
       </a:lvl6pPr>
-      <a:lvl7pPr marL="2057400" algn="l" defTabSz="685800" rtl="0" eaLnBrk="1" latinLnBrk="1" hangingPunct="1">
-        <a:defRPr sz="1350" kern="1200">
+      <a:lvl7pPr marL="3962278" algn="l" defTabSz="1320759" rtl="0" eaLnBrk="1" latinLnBrk="1" hangingPunct="1">
+        <a:defRPr sz="2600" kern="1200">
           <a:solidFill>
             <a:schemeClr val="tx1"/>
           </a:solidFill>
@@ -2926,8 +2944,8 @@
           <a:cs typeface="+mn-cs"/>
         </a:defRPr>
       </a:lvl7pPr>
-      <a:lvl8pPr marL="2400300" algn="l" defTabSz="685800" rtl="0" eaLnBrk="1" latinLnBrk="1" hangingPunct="1">
-        <a:defRPr sz="1350" kern="1200">
+      <a:lvl8pPr marL="4622658" algn="l" defTabSz="1320759" rtl="0" eaLnBrk="1" latinLnBrk="1" hangingPunct="1">
+        <a:defRPr sz="2600" kern="1200">
           <a:solidFill>
             <a:schemeClr val="tx1"/>
           </a:solidFill>
@@ -2936,8 +2954,8 @@
           <a:cs typeface="+mn-cs"/>
         </a:defRPr>
       </a:lvl8pPr>
-      <a:lvl9pPr marL="2743200" algn="l" defTabSz="685800" rtl="0" eaLnBrk="1" latinLnBrk="1" hangingPunct="1">
-        <a:defRPr sz="1350" kern="1200">
+      <a:lvl9pPr marL="5283037" algn="l" defTabSz="1320759" rtl="0" eaLnBrk="1" latinLnBrk="1" hangingPunct="1">
+        <a:defRPr sz="2600" kern="1200">
           <a:solidFill>
             <a:schemeClr val="tx1"/>
           </a:solidFill>
@@ -2984,8 +3002,8 @@
         </p:nvSpPr>
         <p:spPr bwMode="auto">
           <a:xfrm>
-            <a:off x="0" y="0"/>
-            <a:ext cx="6858000" cy="457200"/>
+            <a:off x="4032174" y="1271094"/>
+            <a:ext cx="138568" cy="277001"/>
           </a:xfrm>
           <a:prstGeom prst="rect">
             <a:avLst/>
@@ -3025,7 +3043,7 @@
           </a:extLst>
         </p:spPr>
         <p:txBody>
-          <a:bodyPr vert="horz" wrap="none" lIns="91440" tIns="45720" rIns="91440" bIns="45720" numCol="1" anchor="ctr" anchorCtr="0" compatLnSpc="1">
+          <a:bodyPr vert="horz" wrap="none" lIns="68582" tIns="34291" rIns="68582" bIns="34291" numCol="1" anchor="ctr" anchorCtr="0" compatLnSpc="1">
             <a:prstTxWarp prst="textNoShape">
               <a:avLst/>
             </a:prstTxWarp>
@@ -3033,7 +3051,7 @@
           </a:bodyPr>
           <a:lstStyle/>
           <a:p>
-            <a:endParaRPr lang="ko-KR" altLang="en-US"/>
+            <a:endParaRPr lang="ko-KR" altLang="en-US" sz="1350"/>
           </a:p>
         </p:txBody>
       </p:sp>
@@ -3066,8 +3084,8 @@
         </p:blipFill>
         <p:spPr bwMode="auto">
           <a:xfrm>
-            <a:off x="205986" y="2888673"/>
-            <a:ext cx="6446028" cy="1152092"/>
+            <a:off x="4186667" y="3404708"/>
+            <a:ext cx="4834666" cy="864095"/>
           </a:xfrm>
           <a:prstGeom prst="rect">
             <a:avLst/>
@@ -3100,8 +3118,8 @@
         </p:nvSpPr>
         <p:spPr bwMode="auto">
           <a:xfrm>
-            <a:off x="0" y="0"/>
-            <a:ext cx="6858000" cy="457200"/>
+            <a:off x="4032174" y="1271094"/>
+            <a:ext cx="138568" cy="277001"/>
           </a:xfrm>
           <a:prstGeom prst="rect">
             <a:avLst/>
@@ -3141,7 +3159,7 @@
           </a:extLst>
         </p:spPr>
         <p:txBody>
-          <a:bodyPr vert="horz" wrap="none" lIns="91440" tIns="45720" rIns="91440" bIns="45720" numCol="1" anchor="ctr" anchorCtr="0" compatLnSpc="1">
+          <a:bodyPr vert="horz" wrap="none" lIns="68582" tIns="34291" rIns="68582" bIns="34291" numCol="1" anchor="ctr" anchorCtr="0" compatLnSpc="1">
             <a:prstTxWarp prst="textNoShape">
               <a:avLst/>
             </a:prstTxWarp>
@@ -3149,7 +3167,7 @@
           </a:bodyPr>
           <a:lstStyle/>
           <a:p>
-            <a:endParaRPr lang="ko-KR" altLang="en-US"/>
+            <a:endParaRPr lang="ko-KR" altLang="en-US" sz="1350"/>
           </a:p>
         </p:txBody>
       </p:sp>
@@ -3182,8 +3200,8 @@
         </p:blipFill>
         <p:spPr bwMode="auto">
           <a:xfrm>
-            <a:off x="5596948" y="9434946"/>
-            <a:ext cx="1054100" cy="292100"/>
+            <a:off x="8230010" y="8314560"/>
+            <a:ext cx="790599" cy="219082"/>
           </a:xfrm>
           <a:prstGeom prst="rect">
             <a:avLst/>
@@ -3214,8 +3232,8 @@
         </p:nvSpPr>
         <p:spPr>
           <a:xfrm>
-            <a:off x="3215121" y="8506691"/>
-            <a:ext cx="3435927" cy="738664"/>
+            <a:off x="6443587" y="7618349"/>
+            <a:ext cx="2577023" cy="577081"/>
           </a:xfrm>
           <a:prstGeom prst="rect">
             <a:avLst/>
@@ -3230,7 +3248,7 @@
           <a:p>
             <a:pPr algn="r"/>
             <a:r>
-              <a:rPr lang="ko-KR" altLang="en-US" sz="2400" b="1" dirty="0">
+              <a:rPr lang="ko-KR" altLang="en-US" b="1" dirty="0">
                 <a:ln w="0"/>
                 <a:gradFill>
                   <a:gsLst>
@@ -3257,7 +3275,7 @@
               </a:rPr>
               <a:t>코드하우스 현대정밀팀</a:t>
             </a:r>
-            <a:endParaRPr lang="en-US" altLang="ko-KR" sz="2400" b="1" dirty="0">
+            <a:endParaRPr lang="en-US" altLang="ko-KR" b="1" dirty="0">
               <a:ln w="0"/>
               <a:gradFill>
                 <a:gsLst>
@@ -3286,7 +3304,7 @@
           <a:p>
             <a:pPr algn="r"/>
             <a:r>
-              <a:rPr lang="ko-KR" altLang="en-US" dirty="0" err="1">
+              <a:rPr lang="ko-KR" altLang="en-US" sz="1350" dirty="0" err="1">
                 <a:ln w="0"/>
                 <a:solidFill>
                   <a:schemeClr val="accent1"/>
@@ -3302,7 +3320,7 @@
               <a:t>류민우</a:t>
             </a:r>
             <a:r>
-              <a:rPr lang="en-US" altLang="ko-KR" dirty="0">
+              <a:rPr lang="en-US" altLang="ko-KR" sz="1350" dirty="0">
                 <a:ln w="0"/>
                 <a:solidFill>
                   <a:schemeClr val="accent1"/>
@@ -3318,7 +3336,7 @@
               <a:t>, </a:t>
             </a:r>
             <a:r>
-              <a:rPr lang="ko-KR" altLang="en-US" dirty="0" err="1">
+              <a:rPr lang="ko-KR" altLang="en-US" sz="1350" dirty="0" err="1">
                 <a:ln w="0"/>
                 <a:solidFill>
                   <a:schemeClr val="accent1"/>
@@ -3334,7 +3352,7 @@
               <a:t>김억근</a:t>
             </a:r>
             <a:r>
-              <a:rPr lang="en-US" altLang="ko-KR" dirty="0">
+              <a:rPr lang="en-US" altLang="ko-KR" sz="1350" dirty="0">
                 <a:ln w="0"/>
                 <a:solidFill>
                   <a:schemeClr val="accent1"/>
@@ -3350,7 +3368,7 @@
               <a:t>, </a:t>
             </a:r>
             <a:r>
-              <a:rPr lang="ko-KR" altLang="en-US" dirty="0" err="1">
+              <a:rPr lang="ko-KR" altLang="en-US" sz="1350" dirty="0" err="1">
                 <a:ln w="0"/>
                 <a:solidFill>
                   <a:schemeClr val="accent1"/>
@@ -3365,7 +3383,7 @@
               </a:rPr>
               <a:t>홍석민</a:t>
             </a:r>
-            <a:endParaRPr lang="ko-KR" altLang="en-US" dirty="0">
+            <a:endParaRPr lang="ko-KR" altLang="en-US" sz="1350" dirty="0">
               <a:ln w="0"/>
               <a:solidFill>
                 <a:schemeClr val="accent1"/>
@@ -3385,6 +3403,3212 @@
     <p:extLst>
       <p:ext uri="{BB962C8B-B14F-4D97-AF65-F5344CB8AC3E}">
         <p14:creationId xmlns:p14="http://schemas.microsoft.com/office/powerpoint/2010/main" val="3437738814"/>
+      </p:ext>
+    </p:extLst>
+  </p:cSld>
+  <p:clrMapOvr>
+    <a:masterClrMapping/>
+  </p:clrMapOvr>
+</p:sld>
+</file>
+
+<file path=ppt/slides/slide10.xml><?xml version="1.0" encoding="utf-8"?>
+<p:sld xmlns:a="http://schemas.openxmlformats.org/drawingml/2006/main" xmlns:r="http://schemas.openxmlformats.org/officeDocument/2006/relationships" xmlns:p="http://schemas.openxmlformats.org/presentationml/2006/main">
+  <p:cSld>
+    <p:spTree>
+      <p:nvGrpSpPr>
+        <p:cNvPr id="1" name="">
+          <a:extLst>
+            <a:ext uri="{FF2B5EF4-FFF2-40B4-BE49-F238E27FC236}">
+              <a16:creationId xmlns:a16="http://schemas.microsoft.com/office/drawing/2014/main" id="{1129D0E1-BCD6-B4FD-FDE0-1023B677B764}"/>
+            </a:ext>
+          </a:extLst>
+        </p:cNvPr>
+        <p:cNvGrpSpPr/>
+        <p:nvPr/>
+      </p:nvGrpSpPr>
+      <p:grpSpPr>
+        <a:xfrm>
+          <a:off x="0" y="0"/>
+          <a:ext cx="0" cy="0"/>
+          <a:chOff x="0" y="0"/>
+          <a:chExt cx="0" cy="0"/>
+        </a:xfrm>
+      </p:grpSpPr>
+      <p:pic>
+        <p:nvPicPr>
+          <p:cNvPr id="13" name="그림 12" descr="텍스트, 스크린샷, 디스플레이, 소프트웨어이(가) 표시된 사진&#10;&#10;AI 생성 콘텐츠는 정확하지 않을 수 있습니다.">
+            <a:extLst>
+              <a:ext uri="{FF2B5EF4-FFF2-40B4-BE49-F238E27FC236}">
+                <a16:creationId xmlns:a16="http://schemas.microsoft.com/office/drawing/2014/main" id="{A044741E-08FC-4627-6159-35CF8B3B7F8D}"/>
+              </a:ext>
+            </a:extLst>
+          </p:cNvPr>
+          <p:cNvPicPr>
+            <a:picLocks noChangeAspect="1"/>
+          </p:cNvPicPr>
+          <p:nvPr/>
+        </p:nvPicPr>
+        <p:blipFill>
+          <a:blip r:embed="rId2"/>
+          <a:stretch>
+            <a:fillRect/>
+          </a:stretch>
+        </p:blipFill>
+        <p:spPr>
+          <a:xfrm>
+            <a:off x="848409" y="2900882"/>
+            <a:ext cx="7191557" cy="6815814"/>
+          </a:xfrm>
+          <a:prstGeom prst="rect">
+            <a:avLst/>
+          </a:prstGeom>
+        </p:spPr>
+      </p:pic>
+      <p:pic>
+        <p:nvPicPr>
+          <p:cNvPr id="3" name="그림 2" descr="텍스트, 스크린샷, 번호, 소프트웨어이(가) 표시된 사진&#10;&#10;AI 생성 콘텐츠는 정확하지 않을 수 있습니다.">
+            <a:extLst>
+              <a:ext uri="{FF2B5EF4-FFF2-40B4-BE49-F238E27FC236}">
+                <a16:creationId xmlns:a16="http://schemas.microsoft.com/office/drawing/2014/main" id="{FD1D9ABF-53D5-ABC0-C1EA-6BB73E0D6D6F}"/>
+              </a:ext>
+            </a:extLst>
+          </p:cNvPr>
+          <p:cNvPicPr>
+            <a:picLocks noChangeAspect="1"/>
+          </p:cNvPicPr>
+          <p:nvPr/>
+        </p:nvPicPr>
+        <p:blipFill>
+          <a:blip r:embed="rId3"/>
+          <a:stretch>
+            <a:fillRect/>
+          </a:stretch>
+        </p:blipFill>
+        <p:spPr>
+          <a:xfrm>
+            <a:off x="645781" y="-807816"/>
+            <a:ext cx="3896269" cy="3362794"/>
+          </a:xfrm>
+          <a:prstGeom prst="rect">
+            <a:avLst/>
+          </a:prstGeom>
+        </p:spPr>
+      </p:pic>
+      <p:sp>
+        <p:nvSpPr>
+          <p:cNvPr id="6" name="직사각형 5">
+            <a:extLst>
+              <a:ext uri="{FF2B5EF4-FFF2-40B4-BE49-F238E27FC236}">
+                <a16:creationId xmlns:a16="http://schemas.microsoft.com/office/drawing/2014/main" id="{CAB760D5-54FE-C890-56D7-F7C8BA9D0853}"/>
+              </a:ext>
+            </a:extLst>
+          </p:cNvPr>
+          <p:cNvSpPr/>
+          <p:nvPr/>
+        </p:nvSpPr>
+        <p:spPr>
+          <a:xfrm>
+            <a:off x="747095" y="-461912"/>
+            <a:ext cx="2242848" cy="1871892"/>
+          </a:xfrm>
+          <a:prstGeom prst="rect">
+            <a:avLst/>
+          </a:prstGeom>
+          <a:noFill/>
+          <a:ln w="38100">
+            <a:solidFill>
+              <a:srgbClr val="FF0000"/>
+            </a:solidFill>
+          </a:ln>
+        </p:spPr>
+        <p:style>
+          <a:lnRef idx="2">
+            <a:schemeClr val="accent1">
+              <a:shade val="15000"/>
+            </a:schemeClr>
+          </a:lnRef>
+          <a:fillRef idx="1">
+            <a:schemeClr val="accent1"/>
+          </a:fillRef>
+          <a:effectRef idx="0">
+            <a:schemeClr val="accent1"/>
+          </a:effectRef>
+          <a:fontRef idx="minor">
+            <a:schemeClr val="lt1"/>
+          </a:fontRef>
+        </p:style>
+        <p:txBody>
+          <a:bodyPr rtlCol="0" anchor="ctr"/>
+          <a:lstStyle/>
+          <a:p>
+            <a:pPr algn="ctr"/>
+            <a:endParaRPr lang="ko-KR" altLang="en-US" sz="1350"/>
+          </a:p>
+        </p:txBody>
+      </p:sp>
+      <p:sp>
+        <p:nvSpPr>
+          <p:cNvPr id="7" name="타원 6">
+            <a:extLst>
+              <a:ext uri="{FF2B5EF4-FFF2-40B4-BE49-F238E27FC236}">
+                <a16:creationId xmlns:a16="http://schemas.microsoft.com/office/drawing/2014/main" id="{1B4645A4-CDAF-DF63-1865-F5F16858B2D4}"/>
+              </a:ext>
+            </a:extLst>
+          </p:cNvPr>
+          <p:cNvSpPr/>
+          <p:nvPr/>
+        </p:nvSpPr>
+        <p:spPr>
+          <a:xfrm>
+            <a:off x="645781" y="-555433"/>
+            <a:ext cx="202628" cy="187042"/>
+          </a:xfrm>
+          <a:prstGeom prst="ellipse">
+            <a:avLst/>
+          </a:prstGeom>
+          <a:solidFill>
+            <a:schemeClr val="bg1"/>
+          </a:solidFill>
+          <a:ln w="38100">
+            <a:solidFill>
+              <a:srgbClr val="FF0000"/>
+            </a:solidFill>
+          </a:ln>
+        </p:spPr>
+        <p:style>
+          <a:lnRef idx="2">
+            <a:schemeClr val="accent1">
+              <a:shade val="15000"/>
+            </a:schemeClr>
+          </a:lnRef>
+          <a:fillRef idx="1">
+            <a:schemeClr val="accent1"/>
+          </a:fillRef>
+          <a:effectRef idx="0">
+            <a:schemeClr val="accent1"/>
+          </a:effectRef>
+          <a:fontRef idx="minor">
+            <a:schemeClr val="lt1"/>
+          </a:fontRef>
+        </p:style>
+        <p:txBody>
+          <a:bodyPr rtlCol="0" anchor="ctr"/>
+          <a:lstStyle/>
+          <a:p>
+            <a:pPr algn="ctr"/>
+            <a:r>
+              <a:rPr lang="en-US" altLang="ko-KR" sz="1350" dirty="0">
+                <a:solidFill>
+                  <a:schemeClr val="tx1"/>
+                </a:solidFill>
+              </a:rPr>
+              <a:t>1</a:t>
+            </a:r>
+            <a:endParaRPr lang="ko-KR" altLang="en-US" sz="1350" dirty="0">
+              <a:solidFill>
+                <a:schemeClr val="tx1"/>
+              </a:solidFill>
+            </a:endParaRPr>
+          </a:p>
+        </p:txBody>
+      </p:sp>
+      <p:sp>
+        <p:nvSpPr>
+          <p:cNvPr id="8" name="직사각형 7">
+            <a:extLst>
+              <a:ext uri="{FF2B5EF4-FFF2-40B4-BE49-F238E27FC236}">
+                <a16:creationId xmlns:a16="http://schemas.microsoft.com/office/drawing/2014/main" id="{E6649769-FD37-48B7-83FC-C4EBD035F303}"/>
+              </a:ext>
+            </a:extLst>
+          </p:cNvPr>
+          <p:cNvSpPr/>
+          <p:nvPr/>
+        </p:nvSpPr>
+        <p:spPr>
+          <a:xfrm>
+            <a:off x="848409" y="2900882"/>
+            <a:ext cx="3172048" cy="2498432"/>
+          </a:xfrm>
+          <a:prstGeom prst="rect">
+            <a:avLst/>
+          </a:prstGeom>
+          <a:noFill/>
+          <a:ln w="38100">
+            <a:solidFill>
+              <a:srgbClr val="FF0000"/>
+            </a:solidFill>
+          </a:ln>
+        </p:spPr>
+        <p:style>
+          <a:lnRef idx="2">
+            <a:schemeClr val="accent1">
+              <a:shade val="15000"/>
+            </a:schemeClr>
+          </a:lnRef>
+          <a:fillRef idx="1">
+            <a:schemeClr val="accent1"/>
+          </a:fillRef>
+          <a:effectRef idx="0">
+            <a:schemeClr val="accent1"/>
+          </a:effectRef>
+          <a:fontRef idx="minor">
+            <a:schemeClr val="lt1"/>
+          </a:fontRef>
+        </p:style>
+        <p:txBody>
+          <a:bodyPr rtlCol="0" anchor="ctr"/>
+          <a:lstStyle/>
+          <a:p>
+            <a:pPr algn="ctr"/>
+            <a:endParaRPr lang="ko-KR" altLang="en-US" sz="1350"/>
+          </a:p>
+        </p:txBody>
+      </p:sp>
+      <p:sp>
+        <p:nvSpPr>
+          <p:cNvPr id="9" name="타원 8">
+            <a:extLst>
+              <a:ext uri="{FF2B5EF4-FFF2-40B4-BE49-F238E27FC236}">
+                <a16:creationId xmlns:a16="http://schemas.microsoft.com/office/drawing/2014/main" id="{26EFC217-BAA8-9E36-A04C-6FF4454F9CCE}"/>
+              </a:ext>
+            </a:extLst>
+          </p:cNvPr>
+          <p:cNvSpPr/>
+          <p:nvPr/>
+        </p:nvSpPr>
+        <p:spPr>
+          <a:xfrm>
+            <a:off x="152582" y="2554978"/>
+            <a:ext cx="202628" cy="187042"/>
+          </a:xfrm>
+          <a:prstGeom prst="ellipse">
+            <a:avLst/>
+          </a:prstGeom>
+          <a:solidFill>
+            <a:schemeClr val="bg1"/>
+          </a:solidFill>
+          <a:ln w="38100">
+            <a:solidFill>
+              <a:srgbClr val="FF0000"/>
+            </a:solidFill>
+          </a:ln>
+        </p:spPr>
+        <p:style>
+          <a:lnRef idx="2">
+            <a:schemeClr val="accent1">
+              <a:shade val="15000"/>
+            </a:schemeClr>
+          </a:lnRef>
+          <a:fillRef idx="1">
+            <a:schemeClr val="accent1"/>
+          </a:fillRef>
+          <a:effectRef idx="0">
+            <a:schemeClr val="accent1"/>
+          </a:effectRef>
+          <a:fontRef idx="minor">
+            <a:schemeClr val="lt1"/>
+          </a:fontRef>
+        </p:style>
+        <p:txBody>
+          <a:bodyPr rtlCol="0" anchor="ctr"/>
+          <a:lstStyle/>
+          <a:p>
+            <a:pPr algn="ctr"/>
+            <a:r>
+              <a:rPr lang="en-US" altLang="ko-KR" sz="1350" dirty="0">
+                <a:solidFill>
+                  <a:schemeClr val="tx1"/>
+                </a:solidFill>
+              </a:rPr>
+              <a:t>2</a:t>
+            </a:r>
+            <a:endParaRPr lang="ko-KR" altLang="en-US" sz="1350" dirty="0">
+              <a:solidFill>
+                <a:schemeClr val="tx1"/>
+              </a:solidFill>
+            </a:endParaRPr>
+          </a:p>
+        </p:txBody>
+      </p:sp>
+      <p:pic>
+        <p:nvPicPr>
+          <p:cNvPr id="5" name="그림 4" descr="텍스트, 스크린샷, 폰트, 번호이(가) 표시된 사진&#10;&#10;AI 생성 콘텐츠는 정확하지 않을 수 있습니다.">
+            <a:extLst>
+              <a:ext uri="{FF2B5EF4-FFF2-40B4-BE49-F238E27FC236}">
+                <a16:creationId xmlns:a16="http://schemas.microsoft.com/office/drawing/2014/main" id="{9E737F1C-7E9A-5AE6-B654-C4672B79FC0C}"/>
+              </a:ext>
+            </a:extLst>
+          </p:cNvPr>
+          <p:cNvPicPr>
+            <a:picLocks noChangeAspect="1"/>
+          </p:cNvPicPr>
+          <p:nvPr/>
+        </p:nvPicPr>
+        <p:blipFill>
+          <a:blip r:embed="rId4"/>
+          <a:stretch>
+            <a:fillRect/>
+          </a:stretch>
+        </p:blipFill>
+        <p:spPr>
+          <a:xfrm>
+            <a:off x="5148409" y="-751390"/>
+            <a:ext cx="4391638" cy="3086531"/>
+          </a:xfrm>
+          <a:prstGeom prst="rect">
+            <a:avLst/>
+          </a:prstGeom>
+        </p:spPr>
+      </p:pic>
+      <p:sp>
+        <p:nvSpPr>
+          <p:cNvPr id="10" name="직사각형 9">
+            <a:extLst>
+              <a:ext uri="{FF2B5EF4-FFF2-40B4-BE49-F238E27FC236}">
+                <a16:creationId xmlns:a16="http://schemas.microsoft.com/office/drawing/2014/main" id="{D91B68F8-5CB3-E82E-3E73-D5F1059836F0}"/>
+              </a:ext>
+            </a:extLst>
+          </p:cNvPr>
+          <p:cNvSpPr/>
+          <p:nvPr/>
+        </p:nvSpPr>
+        <p:spPr>
+          <a:xfrm>
+            <a:off x="10146406" y="-714295"/>
+            <a:ext cx="2242848" cy="1871892"/>
+          </a:xfrm>
+          <a:prstGeom prst="rect">
+            <a:avLst/>
+          </a:prstGeom>
+          <a:noFill/>
+          <a:ln w="38100">
+            <a:solidFill>
+              <a:srgbClr val="FF0000"/>
+            </a:solidFill>
+          </a:ln>
+        </p:spPr>
+        <p:style>
+          <a:lnRef idx="2">
+            <a:schemeClr val="accent1">
+              <a:shade val="15000"/>
+            </a:schemeClr>
+          </a:lnRef>
+          <a:fillRef idx="1">
+            <a:schemeClr val="accent1"/>
+          </a:fillRef>
+          <a:effectRef idx="0">
+            <a:schemeClr val="accent1"/>
+          </a:effectRef>
+          <a:fontRef idx="minor">
+            <a:schemeClr val="lt1"/>
+          </a:fontRef>
+        </p:style>
+        <p:txBody>
+          <a:bodyPr rtlCol="0" anchor="ctr"/>
+          <a:lstStyle/>
+          <a:p>
+            <a:pPr algn="ctr"/>
+            <a:endParaRPr lang="ko-KR" altLang="en-US" sz="1350"/>
+          </a:p>
+        </p:txBody>
+      </p:sp>
+      <p:sp>
+        <p:nvSpPr>
+          <p:cNvPr id="11" name="타원 10">
+            <a:extLst>
+              <a:ext uri="{FF2B5EF4-FFF2-40B4-BE49-F238E27FC236}">
+                <a16:creationId xmlns:a16="http://schemas.microsoft.com/office/drawing/2014/main" id="{B79830C3-D30E-F4CE-0096-4FEBD92816D5}"/>
+              </a:ext>
+            </a:extLst>
+          </p:cNvPr>
+          <p:cNvSpPr/>
+          <p:nvPr/>
+        </p:nvSpPr>
+        <p:spPr>
+          <a:xfrm>
+            <a:off x="10045092" y="-807816"/>
+            <a:ext cx="202628" cy="187042"/>
+          </a:xfrm>
+          <a:prstGeom prst="ellipse">
+            <a:avLst/>
+          </a:prstGeom>
+          <a:solidFill>
+            <a:schemeClr val="bg1"/>
+          </a:solidFill>
+          <a:ln w="38100">
+            <a:solidFill>
+              <a:srgbClr val="FF0000"/>
+            </a:solidFill>
+          </a:ln>
+        </p:spPr>
+        <p:style>
+          <a:lnRef idx="2">
+            <a:schemeClr val="accent1">
+              <a:shade val="15000"/>
+            </a:schemeClr>
+          </a:lnRef>
+          <a:fillRef idx="1">
+            <a:schemeClr val="accent1"/>
+          </a:fillRef>
+          <a:effectRef idx="0">
+            <a:schemeClr val="accent1"/>
+          </a:effectRef>
+          <a:fontRef idx="minor">
+            <a:schemeClr val="lt1"/>
+          </a:fontRef>
+        </p:style>
+        <p:txBody>
+          <a:bodyPr rtlCol="0" anchor="ctr"/>
+          <a:lstStyle/>
+          <a:p>
+            <a:pPr algn="ctr"/>
+            <a:r>
+              <a:rPr lang="en-US" altLang="ko-KR" sz="1350" dirty="0">
+                <a:solidFill>
+                  <a:schemeClr val="tx1"/>
+                </a:solidFill>
+              </a:rPr>
+              <a:t>1</a:t>
+            </a:r>
+            <a:endParaRPr lang="ko-KR" altLang="en-US" sz="1350" dirty="0">
+              <a:solidFill>
+                <a:schemeClr val="tx1"/>
+              </a:solidFill>
+            </a:endParaRPr>
+          </a:p>
+        </p:txBody>
+      </p:sp>
+    </p:spTree>
+    <p:extLst>
+      <p:ext uri="{BB962C8B-B14F-4D97-AF65-F5344CB8AC3E}">
+        <p14:creationId xmlns:p14="http://schemas.microsoft.com/office/powerpoint/2010/main" val="56941262"/>
+      </p:ext>
+    </p:extLst>
+  </p:cSld>
+  <p:clrMapOvr>
+    <a:masterClrMapping/>
+  </p:clrMapOvr>
+</p:sld>
+</file>
+
+<file path=ppt/slides/slide11.xml><?xml version="1.0" encoding="utf-8"?>
+<p:sld xmlns:a="http://schemas.openxmlformats.org/drawingml/2006/main" xmlns:r="http://schemas.openxmlformats.org/officeDocument/2006/relationships" xmlns:p="http://schemas.openxmlformats.org/presentationml/2006/main">
+  <p:cSld>
+    <p:spTree>
+      <p:nvGrpSpPr>
+        <p:cNvPr id="1" name="">
+          <a:extLst>
+            <a:ext uri="{FF2B5EF4-FFF2-40B4-BE49-F238E27FC236}">
+              <a16:creationId xmlns:a16="http://schemas.microsoft.com/office/drawing/2014/main" id="{228D8BCF-C46A-87AD-D897-3091DA7D948B}"/>
+            </a:ext>
+          </a:extLst>
+        </p:cNvPr>
+        <p:cNvGrpSpPr/>
+        <p:nvPr/>
+      </p:nvGrpSpPr>
+      <p:grpSpPr>
+        <a:xfrm>
+          <a:off x="0" y="0"/>
+          <a:ext cx="0" cy="0"/>
+          <a:chOff x="0" y="0"/>
+          <a:chExt cx="0" cy="0"/>
+        </a:xfrm>
+      </p:grpSpPr>
+      <p:pic>
+        <p:nvPicPr>
+          <p:cNvPr id="3" name="그림 2" descr="텍스트, 스크린샷, 번호, 소프트웨어이(가) 표시된 사진&#10;&#10;AI 생성 콘텐츠는 정확하지 않을 수 있습니다.">
+            <a:extLst>
+              <a:ext uri="{FF2B5EF4-FFF2-40B4-BE49-F238E27FC236}">
+                <a16:creationId xmlns:a16="http://schemas.microsoft.com/office/drawing/2014/main" id="{64E5B245-4669-E21D-B9F2-D1048659C8F1}"/>
+              </a:ext>
+            </a:extLst>
+          </p:cNvPr>
+          <p:cNvPicPr>
+            <a:picLocks noChangeAspect="1"/>
+          </p:cNvPicPr>
+          <p:nvPr/>
+        </p:nvPicPr>
+        <p:blipFill>
+          <a:blip r:embed="rId2"/>
+          <a:stretch>
+            <a:fillRect/>
+          </a:stretch>
+        </p:blipFill>
+        <p:spPr>
+          <a:xfrm>
+            <a:off x="123371" y="664227"/>
+            <a:ext cx="12961257" cy="8577546"/>
+          </a:xfrm>
+          <a:prstGeom prst="rect">
+            <a:avLst/>
+          </a:prstGeom>
+        </p:spPr>
+      </p:pic>
+      <p:sp>
+        <p:nvSpPr>
+          <p:cNvPr id="6" name="직사각형 5">
+            <a:extLst>
+              <a:ext uri="{FF2B5EF4-FFF2-40B4-BE49-F238E27FC236}">
+                <a16:creationId xmlns:a16="http://schemas.microsoft.com/office/drawing/2014/main" id="{488D4F73-D4D6-FF8F-172A-24AAA2D9B9F0}"/>
+              </a:ext>
+            </a:extLst>
+          </p:cNvPr>
+          <p:cNvSpPr/>
+          <p:nvPr/>
+        </p:nvSpPr>
+        <p:spPr>
+          <a:xfrm>
+            <a:off x="123370" y="1527002"/>
+            <a:ext cx="5885543" cy="536304"/>
+          </a:xfrm>
+          <a:prstGeom prst="rect">
+            <a:avLst/>
+          </a:prstGeom>
+          <a:noFill/>
+          <a:ln w="38100">
+            <a:solidFill>
+              <a:srgbClr val="FF0000"/>
+            </a:solidFill>
+          </a:ln>
+        </p:spPr>
+        <p:style>
+          <a:lnRef idx="2">
+            <a:schemeClr val="accent1">
+              <a:shade val="15000"/>
+            </a:schemeClr>
+          </a:lnRef>
+          <a:fillRef idx="1">
+            <a:schemeClr val="accent1"/>
+          </a:fillRef>
+          <a:effectRef idx="0">
+            <a:schemeClr val="accent1"/>
+          </a:effectRef>
+          <a:fontRef idx="minor">
+            <a:schemeClr val="lt1"/>
+          </a:fontRef>
+        </p:style>
+        <p:txBody>
+          <a:bodyPr rtlCol="0" anchor="ctr"/>
+          <a:lstStyle/>
+          <a:p>
+            <a:pPr algn="ctr"/>
+            <a:endParaRPr lang="ko-KR" altLang="en-US" sz="1350"/>
+          </a:p>
+        </p:txBody>
+      </p:sp>
+      <p:sp>
+        <p:nvSpPr>
+          <p:cNvPr id="7" name="타원 6">
+            <a:extLst>
+              <a:ext uri="{FF2B5EF4-FFF2-40B4-BE49-F238E27FC236}">
+                <a16:creationId xmlns:a16="http://schemas.microsoft.com/office/drawing/2014/main" id="{ABCBBCA9-D95D-C96D-4240-985B00A76AE8}"/>
+              </a:ext>
+            </a:extLst>
+          </p:cNvPr>
+          <p:cNvSpPr/>
+          <p:nvPr/>
+        </p:nvSpPr>
+        <p:spPr>
+          <a:xfrm>
+            <a:off x="22057" y="1433481"/>
+            <a:ext cx="202628" cy="187042"/>
+          </a:xfrm>
+          <a:prstGeom prst="ellipse">
+            <a:avLst/>
+          </a:prstGeom>
+          <a:solidFill>
+            <a:schemeClr val="bg1"/>
+          </a:solidFill>
+          <a:ln w="38100">
+            <a:solidFill>
+              <a:srgbClr val="FF0000"/>
+            </a:solidFill>
+          </a:ln>
+        </p:spPr>
+        <p:style>
+          <a:lnRef idx="2">
+            <a:schemeClr val="accent1">
+              <a:shade val="15000"/>
+            </a:schemeClr>
+          </a:lnRef>
+          <a:fillRef idx="1">
+            <a:schemeClr val="accent1"/>
+          </a:fillRef>
+          <a:effectRef idx="0">
+            <a:schemeClr val="accent1"/>
+          </a:effectRef>
+          <a:fontRef idx="minor">
+            <a:schemeClr val="lt1"/>
+          </a:fontRef>
+        </p:style>
+        <p:txBody>
+          <a:bodyPr rtlCol="0" anchor="ctr"/>
+          <a:lstStyle/>
+          <a:p>
+            <a:pPr algn="ctr"/>
+            <a:r>
+              <a:rPr lang="en-US" altLang="ko-KR" sz="1350" dirty="0">
+                <a:solidFill>
+                  <a:schemeClr val="tx1"/>
+                </a:solidFill>
+              </a:rPr>
+              <a:t>1</a:t>
+            </a:r>
+            <a:endParaRPr lang="ko-KR" altLang="en-US" sz="1350" dirty="0">
+              <a:solidFill>
+                <a:schemeClr val="tx1"/>
+              </a:solidFill>
+            </a:endParaRPr>
+          </a:p>
+        </p:txBody>
+      </p:sp>
+      <p:sp>
+        <p:nvSpPr>
+          <p:cNvPr id="8" name="직사각형 7">
+            <a:extLst>
+              <a:ext uri="{FF2B5EF4-FFF2-40B4-BE49-F238E27FC236}">
+                <a16:creationId xmlns:a16="http://schemas.microsoft.com/office/drawing/2014/main" id="{BFF87436-A2E8-DD45-FE0F-4E0C2DFE5CC4}"/>
+              </a:ext>
+            </a:extLst>
+          </p:cNvPr>
+          <p:cNvSpPr/>
+          <p:nvPr/>
+        </p:nvSpPr>
+        <p:spPr>
+          <a:xfrm>
+            <a:off x="101313" y="2063306"/>
+            <a:ext cx="12961257" cy="6166294"/>
+          </a:xfrm>
+          <a:prstGeom prst="rect">
+            <a:avLst/>
+          </a:prstGeom>
+          <a:noFill/>
+          <a:ln w="38100">
+            <a:solidFill>
+              <a:srgbClr val="FF0000"/>
+            </a:solidFill>
+          </a:ln>
+        </p:spPr>
+        <p:style>
+          <a:lnRef idx="2">
+            <a:schemeClr val="accent1">
+              <a:shade val="15000"/>
+            </a:schemeClr>
+          </a:lnRef>
+          <a:fillRef idx="1">
+            <a:schemeClr val="accent1"/>
+          </a:fillRef>
+          <a:effectRef idx="0">
+            <a:schemeClr val="accent1"/>
+          </a:effectRef>
+          <a:fontRef idx="minor">
+            <a:schemeClr val="lt1"/>
+          </a:fontRef>
+        </p:style>
+        <p:txBody>
+          <a:bodyPr rtlCol="0" anchor="ctr"/>
+          <a:lstStyle/>
+          <a:p>
+            <a:pPr algn="ctr"/>
+            <a:endParaRPr lang="ko-KR" altLang="en-US" sz="1350"/>
+          </a:p>
+        </p:txBody>
+      </p:sp>
+      <p:sp>
+        <p:nvSpPr>
+          <p:cNvPr id="9" name="타원 8">
+            <a:extLst>
+              <a:ext uri="{FF2B5EF4-FFF2-40B4-BE49-F238E27FC236}">
+                <a16:creationId xmlns:a16="http://schemas.microsoft.com/office/drawing/2014/main" id="{1AF2D909-257D-0467-835D-C5CC84586669}"/>
+              </a:ext>
+            </a:extLst>
+          </p:cNvPr>
+          <p:cNvSpPr/>
+          <p:nvPr/>
+        </p:nvSpPr>
+        <p:spPr>
+          <a:xfrm>
+            <a:off x="0" y="1969785"/>
+            <a:ext cx="202628" cy="187042"/>
+          </a:xfrm>
+          <a:prstGeom prst="ellipse">
+            <a:avLst/>
+          </a:prstGeom>
+          <a:solidFill>
+            <a:schemeClr val="bg1"/>
+          </a:solidFill>
+          <a:ln w="38100">
+            <a:solidFill>
+              <a:srgbClr val="FF0000"/>
+            </a:solidFill>
+          </a:ln>
+        </p:spPr>
+        <p:style>
+          <a:lnRef idx="2">
+            <a:schemeClr val="accent1">
+              <a:shade val="15000"/>
+            </a:schemeClr>
+          </a:lnRef>
+          <a:fillRef idx="1">
+            <a:schemeClr val="accent1"/>
+          </a:fillRef>
+          <a:effectRef idx="0">
+            <a:schemeClr val="accent1"/>
+          </a:effectRef>
+          <a:fontRef idx="minor">
+            <a:schemeClr val="lt1"/>
+          </a:fontRef>
+        </p:style>
+        <p:txBody>
+          <a:bodyPr rtlCol="0" anchor="ctr"/>
+          <a:lstStyle/>
+          <a:p>
+            <a:pPr algn="ctr"/>
+            <a:r>
+              <a:rPr lang="en-US" altLang="ko-KR" sz="1350" dirty="0">
+                <a:solidFill>
+                  <a:schemeClr val="tx1"/>
+                </a:solidFill>
+              </a:rPr>
+              <a:t>2</a:t>
+            </a:r>
+            <a:endParaRPr lang="ko-KR" altLang="en-US" sz="1350" dirty="0">
+              <a:solidFill>
+                <a:schemeClr val="tx1"/>
+              </a:solidFill>
+            </a:endParaRPr>
+          </a:p>
+        </p:txBody>
+      </p:sp>
+      <p:sp>
+        <p:nvSpPr>
+          <p:cNvPr id="4" name="직사각형 3">
+            <a:extLst>
+              <a:ext uri="{FF2B5EF4-FFF2-40B4-BE49-F238E27FC236}">
+                <a16:creationId xmlns:a16="http://schemas.microsoft.com/office/drawing/2014/main" id="{643FA4E4-49D9-9117-78EB-6F3F825100B8}"/>
+              </a:ext>
+            </a:extLst>
+          </p:cNvPr>
+          <p:cNvSpPr/>
+          <p:nvPr/>
+        </p:nvSpPr>
+        <p:spPr>
+          <a:xfrm>
+            <a:off x="3178627" y="8656849"/>
+            <a:ext cx="6734630" cy="536304"/>
+          </a:xfrm>
+          <a:prstGeom prst="rect">
+            <a:avLst/>
+          </a:prstGeom>
+          <a:noFill/>
+          <a:ln w="38100">
+            <a:solidFill>
+              <a:srgbClr val="FF0000"/>
+            </a:solidFill>
+          </a:ln>
+        </p:spPr>
+        <p:style>
+          <a:lnRef idx="2">
+            <a:schemeClr val="accent1">
+              <a:shade val="15000"/>
+            </a:schemeClr>
+          </a:lnRef>
+          <a:fillRef idx="1">
+            <a:schemeClr val="accent1"/>
+          </a:fillRef>
+          <a:effectRef idx="0">
+            <a:schemeClr val="accent1"/>
+          </a:effectRef>
+          <a:fontRef idx="minor">
+            <a:schemeClr val="lt1"/>
+          </a:fontRef>
+        </p:style>
+        <p:txBody>
+          <a:bodyPr rtlCol="0" anchor="ctr"/>
+          <a:lstStyle/>
+          <a:p>
+            <a:pPr algn="ctr"/>
+            <a:endParaRPr lang="ko-KR" altLang="en-US" sz="1350"/>
+          </a:p>
+        </p:txBody>
+      </p:sp>
+      <p:sp>
+        <p:nvSpPr>
+          <p:cNvPr id="5" name="타원 4">
+            <a:extLst>
+              <a:ext uri="{FF2B5EF4-FFF2-40B4-BE49-F238E27FC236}">
+                <a16:creationId xmlns:a16="http://schemas.microsoft.com/office/drawing/2014/main" id="{8C85FDB4-E758-4603-9C48-25AAFD34AC63}"/>
+              </a:ext>
+            </a:extLst>
+          </p:cNvPr>
+          <p:cNvSpPr/>
+          <p:nvPr/>
+        </p:nvSpPr>
+        <p:spPr>
+          <a:xfrm>
+            <a:off x="3077314" y="8563328"/>
+            <a:ext cx="202628" cy="187042"/>
+          </a:xfrm>
+          <a:prstGeom prst="ellipse">
+            <a:avLst/>
+          </a:prstGeom>
+          <a:solidFill>
+            <a:schemeClr val="bg1"/>
+          </a:solidFill>
+          <a:ln w="38100">
+            <a:solidFill>
+              <a:srgbClr val="FF0000"/>
+            </a:solidFill>
+          </a:ln>
+        </p:spPr>
+        <p:style>
+          <a:lnRef idx="2">
+            <a:schemeClr val="accent1">
+              <a:shade val="15000"/>
+            </a:schemeClr>
+          </a:lnRef>
+          <a:fillRef idx="1">
+            <a:schemeClr val="accent1"/>
+          </a:fillRef>
+          <a:effectRef idx="0">
+            <a:schemeClr val="accent1"/>
+          </a:effectRef>
+          <a:fontRef idx="minor">
+            <a:schemeClr val="lt1"/>
+          </a:fontRef>
+        </p:style>
+        <p:txBody>
+          <a:bodyPr rtlCol="0" anchor="ctr"/>
+          <a:lstStyle/>
+          <a:p>
+            <a:pPr algn="ctr"/>
+            <a:r>
+              <a:rPr lang="en-US" altLang="ko-KR" sz="1350" dirty="0">
+                <a:solidFill>
+                  <a:schemeClr val="tx1"/>
+                </a:solidFill>
+              </a:rPr>
+              <a:t>4</a:t>
+            </a:r>
+            <a:endParaRPr lang="ko-KR" altLang="en-US" sz="1350" dirty="0">
+              <a:solidFill>
+                <a:schemeClr val="tx1"/>
+              </a:solidFill>
+            </a:endParaRPr>
+          </a:p>
+        </p:txBody>
+      </p:sp>
+      <p:sp>
+        <p:nvSpPr>
+          <p:cNvPr id="10" name="직사각형 9">
+            <a:extLst>
+              <a:ext uri="{FF2B5EF4-FFF2-40B4-BE49-F238E27FC236}">
+                <a16:creationId xmlns:a16="http://schemas.microsoft.com/office/drawing/2014/main" id="{84AB25C9-F3A3-2A8E-43AD-D8B993C03558}"/>
+              </a:ext>
+            </a:extLst>
+          </p:cNvPr>
+          <p:cNvSpPr/>
+          <p:nvPr/>
+        </p:nvSpPr>
+        <p:spPr>
+          <a:xfrm>
+            <a:off x="12148457" y="2250348"/>
+            <a:ext cx="769258" cy="5790566"/>
+          </a:xfrm>
+          <a:prstGeom prst="rect">
+            <a:avLst/>
+          </a:prstGeom>
+          <a:noFill/>
+          <a:ln w="38100">
+            <a:solidFill>
+              <a:srgbClr val="FF0000"/>
+            </a:solidFill>
+          </a:ln>
+        </p:spPr>
+        <p:style>
+          <a:lnRef idx="2">
+            <a:schemeClr val="accent1">
+              <a:shade val="15000"/>
+            </a:schemeClr>
+          </a:lnRef>
+          <a:fillRef idx="1">
+            <a:schemeClr val="accent1"/>
+          </a:fillRef>
+          <a:effectRef idx="0">
+            <a:schemeClr val="accent1"/>
+          </a:effectRef>
+          <a:fontRef idx="minor">
+            <a:schemeClr val="lt1"/>
+          </a:fontRef>
+        </p:style>
+        <p:txBody>
+          <a:bodyPr rtlCol="0" anchor="ctr"/>
+          <a:lstStyle/>
+          <a:p>
+            <a:pPr algn="ctr"/>
+            <a:endParaRPr lang="ko-KR" altLang="en-US" sz="1350"/>
+          </a:p>
+        </p:txBody>
+      </p:sp>
+      <p:sp>
+        <p:nvSpPr>
+          <p:cNvPr id="11" name="타원 10">
+            <a:extLst>
+              <a:ext uri="{FF2B5EF4-FFF2-40B4-BE49-F238E27FC236}">
+                <a16:creationId xmlns:a16="http://schemas.microsoft.com/office/drawing/2014/main" id="{4992D799-EF33-B308-9D0C-78F6F9936222}"/>
+              </a:ext>
+            </a:extLst>
+          </p:cNvPr>
+          <p:cNvSpPr/>
+          <p:nvPr/>
+        </p:nvSpPr>
+        <p:spPr>
+          <a:xfrm>
+            <a:off x="12047143" y="2156827"/>
+            <a:ext cx="202628" cy="187042"/>
+          </a:xfrm>
+          <a:prstGeom prst="ellipse">
+            <a:avLst/>
+          </a:prstGeom>
+          <a:solidFill>
+            <a:schemeClr val="bg1"/>
+          </a:solidFill>
+          <a:ln w="38100">
+            <a:solidFill>
+              <a:srgbClr val="FF0000"/>
+            </a:solidFill>
+          </a:ln>
+        </p:spPr>
+        <p:style>
+          <a:lnRef idx="2">
+            <a:schemeClr val="accent1">
+              <a:shade val="15000"/>
+            </a:schemeClr>
+          </a:lnRef>
+          <a:fillRef idx="1">
+            <a:schemeClr val="accent1"/>
+          </a:fillRef>
+          <a:effectRef idx="0">
+            <a:schemeClr val="accent1"/>
+          </a:effectRef>
+          <a:fontRef idx="minor">
+            <a:schemeClr val="lt1"/>
+          </a:fontRef>
+        </p:style>
+        <p:txBody>
+          <a:bodyPr rtlCol="0" anchor="ctr"/>
+          <a:lstStyle/>
+          <a:p>
+            <a:pPr algn="ctr"/>
+            <a:r>
+              <a:rPr lang="en-US" altLang="ko-KR" sz="1350" dirty="0">
+                <a:solidFill>
+                  <a:schemeClr val="tx1"/>
+                </a:solidFill>
+              </a:rPr>
+              <a:t>3</a:t>
+            </a:r>
+            <a:endParaRPr lang="ko-KR" altLang="en-US" sz="1350" dirty="0">
+              <a:solidFill>
+                <a:schemeClr val="tx1"/>
+              </a:solidFill>
+            </a:endParaRPr>
+          </a:p>
+        </p:txBody>
+      </p:sp>
+    </p:spTree>
+    <p:extLst>
+      <p:ext uri="{BB962C8B-B14F-4D97-AF65-F5344CB8AC3E}">
+        <p14:creationId xmlns:p14="http://schemas.microsoft.com/office/powerpoint/2010/main" val="2571192193"/>
+      </p:ext>
+    </p:extLst>
+  </p:cSld>
+  <p:clrMapOvr>
+    <a:masterClrMapping/>
+  </p:clrMapOvr>
+</p:sld>
+</file>
+
+<file path=ppt/slides/slide12.xml><?xml version="1.0" encoding="utf-8"?>
+<p:sld xmlns:a="http://schemas.openxmlformats.org/drawingml/2006/main" xmlns:r="http://schemas.openxmlformats.org/officeDocument/2006/relationships" xmlns:p="http://schemas.openxmlformats.org/presentationml/2006/main">
+  <p:cSld>
+    <p:spTree>
+      <p:nvGrpSpPr>
+        <p:cNvPr id="1" name="">
+          <a:extLst>
+            <a:ext uri="{FF2B5EF4-FFF2-40B4-BE49-F238E27FC236}">
+              <a16:creationId xmlns:a16="http://schemas.microsoft.com/office/drawing/2014/main" id="{CA55CDF8-63AE-142D-D24E-AE09FDACC82E}"/>
+            </a:ext>
+          </a:extLst>
+        </p:cNvPr>
+        <p:cNvGrpSpPr/>
+        <p:nvPr/>
+      </p:nvGrpSpPr>
+      <p:grpSpPr>
+        <a:xfrm>
+          <a:off x="0" y="0"/>
+          <a:ext cx="0" cy="0"/>
+          <a:chOff x="0" y="0"/>
+          <a:chExt cx="0" cy="0"/>
+        </a:xfrm>
+      </p:grpSpPr>
+      <p:pic>
+        <p:nvPicPr>
+          <p:cNvPr id="3" name="그림 2" descr="텍스트, 스크린샷, 번호, 라인이(가) 표시된 사진&#10;&#10;AI 생성 콘텐츠는 정확하지 않을 수 있습니다.">
+            <a:extLst>
+              <a:ext uri="{FF2B5EF4-FFF2-40B4-BE49-F238E27FC236}">
+                <a16:creationId xmlns:a16="http://schemas.microsoft.com/office/drawing/2014/main" id="{C397DB25-B82C-E6AE-FC80-2AF6C35BC221}"/>
+              </a:ext>
+            </a:extLst>
+          </p:cNvPr>
+          <p:cNvPicPr>
+            <a:picLocks noChangeAspect="1"/>
+          </p:cNvPicPr>
+          <p:nvPr/>
+        </p:nvPicPr>
+        <p:blipFill>
+          <a:blip r:embed="rId2"/>
+          <a:stretch>
+            <a:fillRect/>
+          </a:stretch>
+        </p:blipFill>
+        <p:spPr>
+          <a:xfrm>
+            <a:off x="370566" y="1415143"/>
+            <a:ext cx="12466867" cy="6751356"/>
+          </a:xfrm>
+          <a:prstGeom prst="rect">
+            <a:avLst/>
+          </a:prstGeom>
+        </p:spPr>
+      </p:pic>
+      <p:sp>
+        <p:nvSpPr>
+          <p:cNvPr id="6" name="직사각형 5">
+            <a:extLst>
+              <a:ext uri="{FF2B5EF4-FFF2-40B4-BE49-F238E27FC236}">
+                <a16:creationId xmlns:a16="http://schemas.microsoft.com/office/drawing/2014/main" id="{EDB8D19D-41E2-297C-4F1E-152713339187}"/>
+              </a:ext>
+            </a:extLst>
+          </p:cNvPr>
+          <p:cNvSpPr/>
+          <p:nvPr/>
+        </p:nvSpPr>
+        <p:spPr>
+          <a:xfrm>
+            <a:off x="370566" y="2252652"/>
+            <a:ext cx="12466866" cy="1280293"/>
+          </a:xfrm>
+          <a:prstGeom prst="rect">
+            <a:avLst/>
+          </a:prstGeom>
+          <a:noFill/>
+          <a:ln w="38100">
+            <a:solidFill>
+              <a:srgbClr val="FF0000"/>
+            </a:solidFill>
+          </a:ln>
+        </p:spPr>
+        <p:style>
+          <a:lnRef idx="2">
+            <a:schemeClr val="accent1">
+              <a:shade val="15000"/>
+            </a:schemeClr>
+          </a:lnRef>
+          <a:fillRef idx="1">
+            <a:schemeClr val="accent1"/>
+          </a:fillRef>
+          <a:effectRef idx="0">
+            <a:schemeClr val="accent1"/>
+          </a:effectRef>
+          <a:fontRef idx="minor">
+            <a:schemeClr val="lt1"/>
+          </a:fontRef>
+        </p:style>
+        <p:txBody>
+          <a:bodyPr rtlCol="0" anchor="ctr"/>
+          <a:lstStyle/>
+          <a:p>
+            <a:pPr algn="ctr"/>
+            <a:endParaRPr lang="ko-KR" altLang="en-US" sz="1350"/>
+          </a:p>
+        </p:txBody>
+      </p:sp>
+      <p:sp>
+        <p:nvSpPr>
+          <p:cNvPr id="7" name="타원 6">
+            <a:extLst>
+              <a:ext uri="{FF2B5EF4-FFF2-40B4-BE49-F238E27FC236}">
+                <a16:creationId xmlns:a16="http://schemas.microsoft.com/office/drawing/2014/main" id="{73E6C339-F251-F0B6-4D54-73C7B96A3D0B}"/>
+              </a:ext>
+            </a:extLst>
+          </p:cNvPr>
+          <p:cNvSpPr/>
+          <p:nvPr/>
+        </p:nvSpPr>
+        <p:spPr>
+          <a:xfrm>
+            <a:off x="269252" y="2159132"/>
+            <a:ext cx="202628" cy="187042"/>
+          </a:xfrm>
+          <a:prstGeom prst="ellipse">
+            <a:avLst/>
+          </a:prstGeom>
+          <a:solidFill>
+            <a:schemeClr val="bg1"/>
+          </a:solidFill>
+          <a:ln w="38100">
+            <a:solidFill>
+              <a:srgbClr val="FF0000"/>
+            </a:solidFill>
+          </a:ln>
+        </p:spPr>
+        <p:style>
+          <a:lnRef idx="2">
+            <a:schemeClr val="accent1">
+              <a:shade val="15000"/>
+            </a:schemeClr>
+          </a:lnRef>
+          <a:fillRef idx="1">
+            <a:schemeClr val="accent1"/>
+          </a:fillRef>
+          <a:effectRef idx="0">
+            <a:schemeClr val="accent1"/>
+          </a:effectRef>
+          <a:fontRef idx="minor">
+            <a:schemeClr val="lt1"/>
+          </a:fontRef>
+        </p:style>
+        <p:txBody>
+          <a:bodyPr rtlCol="0" anchor="ctr"/>
+          <a:lstStyle/>
+          <a:p>
+            <a:pPr algn="ctr"/>
+            <a:r>
+              <a:rPr lang="en-US" altLang="ko-KR" sz="1350" dirty="0">
+                <a:solidFill>
+                  <a:schemeClr val="tx1"/>
+                </a:solidFill>
+              </a:rPr>
+              <a:t>1</a:t>
+            </a:r>
+            <a:endParaRPr lang="ko-KR" altLang="en-US" sz="1350" dirty="0">
+              <a:solidFill>
+                <a:schemeClr val="tx1"/>
+              </a:solidFill>
+            </a:endParaRPr>
+          </a:p>
+        </p:txBody>
+      </p:sp>
+      <p:sp>
+        <p:nvSpPr>
+          <p:cNvPr id="8" name="직사각형 7">
+            <a:extLst>
+              <a:ext uri="{FF2B5EF4-FFF2-40B4-BE49-F238E27FC236}">
+                <a16:creationId xmlns:a16="http://schemas.microsoft.com/office/drawing/2014/main" id="{BE83FC33-0D8F-58AB-42A7-EFB959F5A659}"/>
+              </a:ext>
+            </a:extLst>
+          </p:cNvPr>
+          <p:cNvSpPr/>
+          <p:nvPr/>
+        </p:nvSpPr>
+        <p:spPr>
+          <a:xfrm>
+            <a:off x="370565" y="3626467"/>
+            <a:ext cx="12466867" cy="4633552"/>
+          </a:xfrm>
+          <a:prstGeom prst="rect">
+            <a:avLst/>
+          </a:prstGeom>
+          <a:noFill/>
+          <a:ln w="38100">
+            <a:solidFill>
+              <a:srgbClr val="FF0000"/>
+            </a:solidFill>
+          </a:ln>
+        </p:spPr>
+        <p:style>
+          <a:lnRef idx="2">
+            <a:schemeClr val="accent1">
+              <a:shade val="15000"/>
+            </a:schemeClr>
+          </a:lnRef>
+          <a:fillRef idx="1">
+            <a:schemeClr val="accent1"/>
+          </a:fillRef>
+          <a:effectRef idx="0">
+            <a:schemeClr val="accent1"/>
+          </a:effectRef>
+          <a:fontRef idx="minor">
+            <a:schemeClr val="lt1"/>
+          </a:fontRef>
+        </p:style>
+        <p:txBody>
+          <a:bodyPr rtlCol="0" anchor="ctr"/>
+          <a:lstStyle/>
+          <a:p>
+            <a:pPr algn="ctr"/>
+            <a:endParaRPr lang="ko-KR" altLang="en-US" sz="1350"/>
+          </a:p>
+        </p:txBody>
+      </p:sp>
+      <p:sp>
+        <p:nvSpPr>
+          <p:cNvPr id="9" name="타원 8">
+            <a:extLst>
+              <a:ext uri="{FF2B5EF4-FFF2-40B4-BE49-F238E27FC236}">
+                <a16:creationId xmlns:a16="http://schemas.microsoft.com/office/drawing/2014/main" id="{4C9C5D2B-9D55-593B-9C1A-5C7556783F42}"/>
+              </a:ext>
+            </a:extLst>
+          </p:cNvPr>
+          <p:cNvSpPr/>
+          <p:nvPr/>
+        </p:nvSpPr>
+        <p:spPr>
+          <a:xfrm>
+            <a:off x="269252" y="3532946"/>
+            <a:ext cx="214738" cy="187042"/>
+          </a:xfrm>
+          <a:prstGeom prst="ellipse">
+            <a:avLst/>
+          </a:prstGeom>
+          <a:solidFill>
+            <a:schemeClr val="bg1"/>
+          </a:solidFill>
+          <a:ln w="38100">
+            <a:solidFill>
+              <a:srgbClr val="FF0000"/>
+            </a:solidFill>
+          </a:ln>
+        </p:spPr>
+        <p:style>
+          <a:lnRef idx="2">
+            <a:schemeClr val="accent1">
+              <a:shade val="15000"/>
+            </a:schemeClr>
+          </a:lnRef>
+          <a:fillRef idx="1">
+            <a:schemeClr val="accent1"/>
+          </a:fillRef>
+          <a:effectRef idx="0">
+            <a:schemeClr val="accent1"/>
+          </a:effectRef>
+          <a:fontRef idx="minor">
+            <a:schemeClr val="lt1"/>
+          </a:fontRef>
+        </p:style>
+        <p:txBody>
+          <a:bodyPr rtlCol="0" anchor="ctr"/>
+          <a:lstStyle/>
+          <a:p>
+            <a:pPr algn="ctr"/>
+            <a:r>
+              <a:rPr lang="en-US" altLang="ko-KR" sz="1350" dirty="0">
+                <a:solidFill>
+                  <a:schemeClr val="tx1"/>
+                </a:solidFill>
+              </a:rPr>
+              <a:t>2</a:t>
+            </a:r>
+            <a:endParaRPr lang="ko-KR" altLang="en-US" sz="1350" dirty="0">
+              <a:solidFill>
+                <a:schemeClr val="tx1"/>
+              </a:solidFill>
+            </a:endParaRPr>
+          </a:p>
+        </p:txBody>
+      </p:sp>
+      <p:sp>
+        <p:nvSpPr>
+          <p:cNvPr id="4" name="직사각형 3">
+            <a:extLst>
+              <a:ext uri="{FF2B5EF4-FFF2-40B4-BE49-F238E27FC236}">
+                <a16:creationId xmlns:a16="http://schemas.microsoft.com/office/drawing/2014/main" id="{05C3BC34-A3E6-8A38-E9F6-A6B65D5ACA96}"/>
+              </a:ext>
+            </a:extLst>
+          </p:cNvPr>
+          <p:cNvSpPr/>
+          <p:nvPr/>
+        </p:nvSpPr>
+        <p:spPr>
+          <a:xfrm>
+            <a:off x="11350623" y="1739501"/>
+            <a:ext cx="1486810" cy="419629"/>
+          </a:xfrm>
+          <a:prstGeom prst="rect">
+            <a:avLst/>
+          </a:prstGeom>
+          <a:noFill/>
+          <a:ln w="38100">
+            <a:solidFill>
+              <a:srgbClr val="FF0000"/>
+            </a:solidFill>
+          </a:ln>
+        </p:spPr>
+        <p:style>
+          <a:lnRef idx="2">
+            <a:schemeClr val="accent1">
+              <a:shade val="15000"/>
+            </a:schemeClr>
+          </a:lnRef>
+          <a:fillRef idx="1">
+            <a:schemeClr val="accent1"/>
+          </a:fillRef>
+          <a:effectRef idx="0">
+            <a:schemeClr val="accent1"/>
+          </a:effectRef>
+          <a:fontRef idx="minor">
+            <a:schemeClr val="lt1"/>
+          </a:fontRef>
+        </p:style>
+        <p:txBody>
+          <a:bodyPr rtlCol="0" anchor="ctr"/>
+          <a:lstStyle/>
+          <a:p>
+            <a:pPr algn="ctr"/>
+            <a:endParaRPr lang="ko-KR" altLang="en-US" sz="1350"/>
+          </a:p>
+        </p:txBody>
+      </p:sp>
+      <p:sp>
+        <p:nvSpPr>
+          <p:cNvPr id="5" name="타원 4">
+            <a:extLst>
+              <a:ext uri="{FF2B5EF4-FFF2-40B4-BE49-F238E27FC236}">
+                <a16:creationId xmlns:a16="http://schemas.microsoft.com/office/drawing/2014/main" id="{54E2884B-6CF4-70B1-3153-55A95ED81730}"/>
+              </a:ext>
+            </a:extLst>
+          </p:cNvPr>
+          <p:cNvSpPr/>
+          <p:nvPr/>
+        </p:nvSpPr>
+        <p:spPr>
+          <a:xfrm>
+            <a:off x="11249309" y="1645979"/>
+            <a:ext cx="202628" cy="187042"/>
+          </a:xfrm>
+          <a:prstGeom prst="ellipse">
+            <a:avLst/>
+          </a:prstGeom>
+          <a:solidFill>
+            <a:schemeClr val="bg1"/>
+          </a:solidFill>
+          <a:ln w="38100">
+            <a:solidFill>
+              <a:srgbClr val="FF0000"/>
+            </a:solidFill>
+          </a:ln>
+        </p:spPr>
+        <p:style>
+          <a:lnRef idx="2">
+            <a:schemeClr val="accent1">
+              <a:shade val="15000"/>
+            </a:schemeClr>
+          </a:lnRef>
+          <a:fillRef idx="1">
+            <a:schemeClr val="accent1"/>
+          </a:fillRef>
+          <a:effectRef idx="0">
+            <a:schemeClr val="accent1"/>
+          </a:effectRef>
+          <a:fontRef idx="minor">
+            <a:schemeClr val="lt1"/>
+          </a:fontRef>
+        </p:style>
+        <p:txBody>
+          <a:bodyPr rtlCol="0" anchor="ctr"/>
+          <a:lstStyle/>
+          <a:p>
+            <a:pPr algn="ctr"/>
+            <a:r>
+              <a:rPr lang="en-US" altLang="ko-KR" sz="1350" dirty="0">
+                <a:solidFill>
+                  <a:schemeClr val="tx1"/>
+                </a:solidFill>
+              </a:rPr>
+              <a:t>3</a:t>
+            </a:r>
+            <a:endParaRPr lang="ko-KR" altLang="en-US" sz="1350" dirty="0">
+              <a:solidFill>
+                <a:schemeClr val="tx1"/>
+              </a:solidFill>
+            </a:endParaRPr>
+          </a:p>
+        </p:txBody>
+      </p:sp>
+    </p:spTree>
+    <p:extLst>
+      <p:ext uri="{BB962C8B-B14F-4D97-AF65-F5344CB8AC3E}">
+        <p14:creationId xmlns:p14="http://schemas.microsoft.com/office/powerpoint/2010/main" val="2323868541"/>
+      </p:ext>
+    </p:extLst>
+  </p:cSld>
+  <p:clrMapOvr>
+    <a:masterClrMapping/>
+  </p:clrMapOvr>
+</p:sld>
+</file>
+
+<file path=ppt/slides/slide13.xml><?xml version="1.0" encoding="utf-8"?>
+<p:sld xmlns:a="http://schemas.openxmlformats.org/drawingml/2006/main" xmlns:r="http://schemas.openxmlformats.org/officeDocument/2006/relationships" xmlns:p="http://schemas.openxmlformats.org/presentationml/2006/main">
+  <p:cSld>
+    <p:spTree>
+      <p:nvGrpSpPr>
+        <p:cNvPr id="1" name="">
+          <a:extLst>
+            <a:ext uri="{FF2B5EF4-FFF2-40B4-BE49-F238E27FC236}">
+              <a16:creationId xmlns:a16="http://schemas.microsoft.com/office/drawing/2014/main" id="{32990682-62B1-3CD3-6C4F-0D7AE411A769}"/>
+            </a:ext>
+          </a:extLst>
+        </p:cNvPr>
+        <p:cNvGrpSpPr/>
+        <p:nvPr/>
+      </p:nvGrpSpPr>
+      <p:grpSpPr>
+        <a:xfrm>
+          <a:off x="0" y="0"/>
+          <a:ext cx="0" cy="0"/>
+          <a:chOff x="0" y="0"/>
+          <a:chExt cx="0" cy="0"/>
+        </a:xfrm>
+      </p:grpSpPr>
+      <p:pic>
+        <p:nvPicPr>
+          <p:cNvPr id="3" name="그림 2" descr="텍스트, 스크린샷, 번호, 폰트이(가) 표시된 사진&#10;&#10;AI 생성 콘텐츠는 정확하지 않을 수 있습니다.">
+            <a:extLst>
+              <a:ext uri="{FF2B5EF4-FFF2-40B4-BE49-F238E27FC236}">
+                <a16:creationId xmlns:a16="http://schemas.microsoft.com/office/drawing/2014/main" id="{CA6838A1-6E8C-D275-F2F6-F6F89D27B97D}"/>
+              </a:ext>
+            </a:extLst>
+          </p:cNvPr>
+          <p:cNvPicPr>
+            <a:picLocks noChangeAspect="1"/>
+          </p:cNvPicPr>
+          <p:nvPr/>
+        </p:nvPicPr>
+        <p:blipFill>
+          <a:blip r:embed="rId2"/>
+          <a:stretch>
+            <a:fillRect/>
+          </a:stretch>
+        </p:blipFill>
+        <p:spPr>
+          <a:xfrm>
+            <a:off x="1211266" y="1360277"/>
+            <a:ext cx="9297698" cy="3505689"/>
+          </a:xfrm>
+          <a:prstGeom prst="rect">
+            <a:avLst/>
+          </a:prstGeom>
+        </p:spPr>
+      </p:pic>
+      <p:sp>
+        <p:nvSpPr>
+          <p:cNvPr id="6" name="직사각형 5">
+            <a:extLst>
+              <a:ext uri="{FF2B5EF4-FFF2-40B4-BE49-F238E27FC236}">
+                <a16:creationId xmlns:a16="http://schemas.microsoft.com/office/drawing/2014/main" id="{BACECE47-2CCC-7B70-54AA-A0F7A25FECA9}"/>
+              </a:ext>
+            </a:extLst>
+          </p:cNvPr>
+          <p:cNvSpPr/>
+          <p:nvPr/>
+        </p:nvSpPr>
+        <p:spPr>
+          <a:xfrm>
+            <a:off x="7112000" y="2172061"/>
+            <a:ext cx="3294743" cy="2574109"/>
+          </a:xfrm>
+          <a:prstGeom prst="rect">
+            <a:avLst/>
+          </a:prstGeom>
+          <a:noFill/>
+          <a:ln w="38100">
+            <a:solidFill>
+              <a:srgbClr val="FF0000"/>
+            </a:solidFill>
+          </a:ln>
+        </p:spPr>
+        <p:style>
+          <a:lnRef idx="2">
+            <a:schemeClr val="accent1">
+              <a:shade val="15000"/>
+            </a:schemeClr>
+          </a:lnRef>
+          <a:fillRef idx="1">
+            <a:schemeClr val="accent1"/>
+          </a:fillRef>
+          <a:effectRef idx="0">
+            <a:schemeClr val="accent1"/>
+          </a:effectRef>
+          <a:fontRef idx="minor">
+            <a:schemeClr val="lt1"/>
+          </a:fontRef>
+        </p:style>
+        <p:txBody>
+          <a:bodyPr rtlCol="0" anchor="ctr"/>
+          <a:lstStyle/>
+          <a:p>
+            <a:pPr algn="ctr"/>
+            <a:endParaRPr lang="ko-KR" altLang="en-US" sz="1350"/>
+          </a:p>
+        </p:txBody>
+      </p:sp>
+      <p:sp>
+        <p:nvSpPr>
+          <p:cNvPr id="7" name="타원 6">
+            <a:extLst>
+              <a:ext uri="{FF2B5EF4-FFF2-40B4-BE49-F238E27FC236}">
+                <a16:creationId xmlns:a16="http://schemas.microsoft.com/office/drawing/2014/main" id="{DF7C8F95-13BC-AF6F-3557-71632A55FB8B}"/>
+              </a:ext>
+            </a:extLst>
+          </p:cNvPr>
+          <p:cNvSpPr/>
+          <p:nvPr/>
+        </p:nvSpPr>
+        <p:spPr>
+          <a:xfrm>
+            <a:off x="487100" y="481970"/>
+            <a:ext cx="202628" cy="187042"/>
+          </a:xfrm>
+          <a:prstGeom prst="ellipse">
+            <a:avLst/>
+          </a:prstGeom>
+          <a:solidFill>
+            <a:schemeClr val="bg1"/>
+          </a:solidFill>
+          <a:ln w="38100">
+            <a:solidFill>
+              <a:srgbClr val="FF0000"/>
+            </a:solidFill>
+          </a:ln>
+        </p:spPr>
+        <p:style>
+          <a:lnRef idx="2">
+            <a:schemeClr val="accent1">
+              <a:shade val="15000"/>
+            </a:schemeClr>
+          </a:lnRef>
+          <a:fillRef idx="1">
+            <a:schemeClr val="accent1"/>
+          </a:fillRef>
+          <a:effectRef idx="0">
+            <a:schemeClr val="accent1"/>
+          </a:effectRef>
+          <a:fontRef idx="minor">
+            <a:schemeClr val="lt1"/>
+          </a:fontRef>
+        </p:style>
+        <p:txBody>
+          <a:bodyPr rtlCol="0" anchor="ctr"/>
+          <a:lstStyle/>
+          <a:p>
+            <a:pPr algn="ctr"/>
+            <a:r>
+              <a:rPr lang="en-US" altLang="ko-KR" sz="1350" dirty="0">
+                <a:solidFill>
+                  <a:schemeClr val="tx1"/>
+                </a:solidFill>
+              </a:rPr>
+              <a:t>1</a:t>
+            </a:r>
+            <a:endParaRPr lang="ko-KR" altLang="en-US" sz="1350" dirty="0">
+              <a:solidFill>
+                <a:schemeClr val="tx1"/>
+              </a:solidFill>
+            </a:endParaRPr>
+          </a:p>
+        </p:txBody>
+      </p:sp>
+      <p:sp>
+        <p:nvSpPr>
+          <p:cNvPr id="8" name="직사각형 7">
+            <a:extLst>
+              <a:ext uri="{FF2B5EF4-FFF2-40B4-BE49-F238E27FC236}">
+                <a16:creationId xmlns:a16="http://schemas.microsoft.com/office/drawing/2014/main" id="{FBBAC696-CE28-1199-499B-7D2712BFA9B7}"/>
+              </a:ext>
+            </a:extLst>
+          </p:cNvPr>
+          <p:cNvSpPr/>
+          <p:nvPr/>
+        </p:nvSpPr>
+        <p:spPr>
+          <a:xfrm>
+            <a:off x="747095" y="6937008"/>
+            <a:ext cx="11763815" cy="5471256"/>
+          </a:xfrm>
+          <a:prstGeom prst="rect">
+            <a:avLst/>
+          </a:prstGeom>
+          <a:noFill/>
+          <a:ln w="38100">
+            <a:solidFill>
+              <a:srgbClr val="FF0000"/>
+            </a:solidFill>
+          </a:ln>
+        </p:spPr>
+        <p:style>
+          <a:lnRef idx="2">
+            <a:schemeClr val="accent1">
+              <a:shade val="15000"/>
+            </a:schemeClr>
+          </a:lnRef>
+          <a:fillRef idx="1">
+            <a:schemeClr val="accent1"/>
+          </a:fillRef>
+          <a:effectRef idx="0">
+            <a:schemeClr val="accent1"/>
+          </a:effectRef>
+          <a:fontRef idx="minor">
+            <a:schemeClr val="lt1"/>
+          </a:fontRef>
+        </p:style>
+        <p:txBody>
+          <a:bodyPr rtlCol="0" anchor="ctr"/>
+          <a:lstStyle/>
+          <a:p>
+            <a:pPr algn="ctr"/>
+            <a:endParaRPr lang="ko-KR" altLang="en-US" sz="1350"/>
+          </a:p>
+        </p:txBody>
+      </p:sp>
+      <p:sp>
+        <p:nvSpPr>
+          <p:cNvPr id="9" name="타원 8">
+            <a:extLst>
+              <a:ext uri="{FF2B5EF4-FFF2-40B4-BE49-F238E27FC236}">
+                <a16:creationId xmlns:a16="http://schemas.microsoft.com/office/drawing/2014/main" id="{E7904739-59F9-AAE1-10C5-8D46A31B2539}"/>
+              </a:ext>
+            </a:extLst>
+          </p:cNvPr>
+          <p:cNvSpPr/>
+          <p:nvPr/>
+        </p:nvSpPr>
+        <p:spPr>
+          <a:xfrm>
+            <a:off x="689728" y="6843487"/>
+            <a:ext cx="202628" cy="187042"/>
+          </a:xfrm>
+          <a:prstGeom prst="ellipse">
+            <a:avLst/>
+          </a:prstGeom>
+          <a:solidFill>
+            <a:schemeClr val="bg1"/>
+          </a:solidFill>
+          <a:ln w="38100">
+            <a:solidFill>
+              <a:srgbClr val="FF0000"/>
+            </a:solidFill>
+          </a:ln>
+        </p:spPr>
+        <p:style>
+          <a:lnRef idx="2">
+            <a:schemeClr val="accent1">
+              <a:shade val="15000"/>
+            </a:schemeClr>
+          </a:lnRef>
+          <a:fillRef idx="1">
+            <a:schemeClr val="accent1"/>
+          </a:fillRef>
+          <a:effectRef idx="0">
+            <a:schemeClr val="accent1"/>
+          </a:effectRef>
+          <a:fontRef idx="minor">
+            <a:schemeClr val="lt1"/>
+          </a:fontRef>
+        </p:style>
+        <p:txBody>
+          <a:bodyPr rtlCol="0" anchor="ctr"/>
+          <a:lstStyle/>
+          <a:p>
+            <a:pPr algn="ctr"/>
+            <a:r>
+              <a:rPr lang="en-US" altLang="ko-KR" sz="1350" dirty="0">
+                <a:solidFill>
+                  <a:schemeClr val="tx1"/>
+                </a:solidFill>
+              </a:rPr>
+              <a:t>2</a:t>
+            </a:r>
+            <a:endParaRPr lang="ko-KR" altLang="en-US" sz="1350" dirty="0">
+              <a:solidFill>
+                <a:schemeClr val="tx1"/>
+              </a:solidFill>
+            </a:endParaRPr>
+          </a:p>
+        </p:txBody>
+      </p:sp>
+    </p:spTree>
+    <p:extLst>
+      <p:ext uri="{BB962C8B-B14F-4D97-AF65-F5344CB8AC3E}">
+        <p14:creationId xmlns:p14="http://schemas.microsoft.com/office/powerpoint/2010/main" val="2434522840"/>
+      </p:ext>
+    </p:extLst>
+  </p:cSld>
+  <p:clrMapOvr>
+    <a:masterClrMapping/>
+  </p:clrMapOvr>
+</p:sld>
+</file>
+
+<file path=ppt/slides/slide14.xml><?xml version="1.0" encoding="utf-8"?>
+<p:sld xmlns:a="http://schemas.openxmlformats.org/drawingml/2006/main" xmlns:r="http://schemas.openxmlformats.org/officeDocument/2006/relationships" xmlns:p="http://schemas.openxmlformats.org/presentationml/2006/main">
+  <p:cSld>
+    <p:spTree>
+      <p:nvGrpSpPr>
+        <p:cNvPr id="1" name="">
+          <a:extLst>
+            <a:ext uri="{FF2B5EF4-FFF2-40B4-BE49-F238E27FC236}">
+              <a16:creationId xmlns:a16="http://schemas.microsoft.com/office/drawing/2014/main" id="{AD23DB55-A165-E45B-647E-03A6B6B40A6F}"/>
+            </a:ext>
+          </a:extLst>
+        </p:cNvPr>
+        <p:cNvGrpSpPr/>
+        <p:nvPr/>
+      </p:nvGrpSpPr>
+      <p:grpSpPr>
+        <a:xfrm>
+          <a:off x="0" y="0"/>
+          <a:ext cx="0" cy="0"/>
+          <a:chOff x="0" y="0"/>
+          <a:chExt cx="0" cy="0"/>
+        </a:xfrm>
+      </p:grpSpPr>
+      <p:pic>
+        <p:nvPicPr>
+          <p:cNvPr id="13" name="그림 12" descr="텍스트, 스크린샷, 소프트웨어, 번호이(가) 표시된 사진&#10;&#10;AI 생성 콘텐츠는 정확하지 않을 수 있습니다.">
+            <a:extLst>
+              <a:ext uri="{FF2B5EF4-FFF2-40B4-BE49-F238E27FC236}">
+                <a16:creationId xmlns:a16="http://schemas.microsoft.com/office/drawing/2014/main" id="{ABC76063-8C18-5F20-5CDB-F44BA1F2C204}"/>
+              </a:ext>
+            </a:extLst>
+          </p:cNvPr>
+          <p:cNvPicPr>
+            <a:picLocks noChangeAspect="1"/>
+          </p:cNvPicPr>
+          <p:nvPr/>
+        </p:nvPicPr>
+        <p:blipFill>
+          <a:blip r:embed="rId2"/>
+          <a:stretch>
+            <a:fillRect/>
+          </a:stretch>
+        </p:blipFill>
+        <p:spPr>
+          <a:xfrm>
+            <a:off x="1180576" y="921343"/>
+            <a:ext cx="10374173" cy="8745170"/>
+          </a:xfrm>
+          <a:prstGeom prst="rect">
+            <a:avLst/>
+          </a:prstGeom>
+        </p:spPr>
+      </p:pic>
+      <p:sp>
+        <p:nvSpPr>
+          <p:cNvPr id="6" name="직사각형 5">
+            <a:extLst>
+              <a:ext uri="{FF2B5EF4-FFF2-40B4-BE49-F238E27FC236}">
+                <a16:creationId xmlns:a16="http://schemas.microsoft.com/office/drawing/2014/main" id="{37B75B12-FEFF-3997-4D54-A8A6C824488A}"/>
+              </a:ext>
+            </a:extLst>
+          </p:cNvPr>
+          <p:cNvSpPr/>
+          <p:nvPr/>
+        </p:nvSpPr>
+        <p:spPr>
+          <a:xfrm>
+            <a:off x="1196751" y="2012405"/>
+            <a:ext cx="2939819" cy="600166"/>
+          </a:xfrm>
+          <a:prstGeom prst="rect">
+            <a:avLst/>
+          </a:prstGeom>
+          <a:noFill/>
+          <a:ln w="38100">
+            <a:solidFill>
+              <a:srgbClr val="FF0000"/>
+            </a:solidFill>
+          </a:ln>
+        </p:spPr>
+        <p:style>
+          <a:lnRef idx="2">
+            <a:schemeClr val="accent1">
+              <a:shade val="15000"/>
+            </a:schemeClr>
+          </a:lnRef>
+          <a:fillRef idx="1">
+            <a:schemeClr val="accent1"/>
+          </a:fillRef>
+          <a:effectRef idx="0">
+            <a:schemeClr val="accent1"/>
+          </a:effectRef>
+          <a:fontRef idx="minor">
+            <a:schemeClr val="lt1"/>
+          </a:fontRef>
+        </p:style>
+        <p:txBody>
+          <a:bodyPr rtlCol="0" anchor="ctr"/>
+          <a:lstStyle/>
+          <a:p>
+            <a:pPr algn="ctr"/>
+            <a:endParaRPr lang="ko-KR" altLang="en-US" sz="1350"/>
+          </a:p>
+        </p:txBody>
+      </p:sp>
+      <p:sp>
+        <p:nvSpPr>
+          <p:cNvPr id="7" name="타원 6">
+            <a:extLst>
+              <a:ext uri="{FF2B5EF4-FFF2-40B4-BE49-F238E27FC236}">
+                <a16:creationId xmlns:a16="http://schemas.microsoft.com/office/drawing/2014/main" id="{6DF2E476-284E-E6D6-0F4B-F4AC29955330}"/>
+              </a:ext>
+            </a:extLst>
+          </p:cNvPr>
+          <p:cNvSpPr/>
+          <p:nvPr/>
+        </p:nvSpPr>
+        <p:spPr>
+          <a:xfrm>
+            <a:off x="1095438" y="1918884"/>
+            <a:ext cx="202628" cy="187042"/>
+          </a:xfrm>
+          <a:prstGeom prst="ellipse">
+            <a:avLst/>
+          </a:prstGeom>
+          <a:solidFill>
+            <a:schemeClr val="bg1"/>
+          </a:solidFill>
+          <a:ln w="38100">
+            <a:solidFill>
+              <a:srgbClr val="FF0000"/>
+            </a:solidFill>
+          </a:ln>
+        </p:spPr>
+        <p:style>
+          <a:lnRef idx="2">
+            <a:schemeClr val="accent1">
+              <a:shade val="15000"/>
+            </a:schemeClr>
+          </a:lnRef>
+          <a:fillRef idx="1">
+            <a:schemeClr val="accent1"/>
+          </a:fillRef>
+          <a:effectRef idx="0">
+            <a:schemeClr val="accent1"/>
+          </a:effectRef>
+          <a:fontRef idx="minor">
+            <a:schemeClr val="lt1"/>
+          </a:fontRef>
+        </p:style>
+        <p:txBody>
+          <a:bodyPr rtlCol="0" anchor="ctr"/>
+          <a:lstStyle/>
+          <a:p>
+            <a:pPr algn="ctr"/>
+            <a:r>
+              <a:rPr lang="en-US" altLang="ko-KR" sz="1350" dirty="0">
+                <a:solidFill>
+                  <a:schemeClr val="tx1"/>
+                </a:solidFill>
+              </a:rPr>
+              <a:t>1</a:t>
+            </a:r>
+            <a:endParaRPr lang="ko-KR" altLang="en-US" sz="1350" dirty="0">
+              <a:solidFill>
+                <a:schemeClr val="tx1"/>
+              </a:solidFill>
+            </a:endParaRPr>
+          </a:p>
+        </p:txBody>
+      </p:sp>
+      <p:sp>
+        <p:nvSpPr>
+          <p:cNvPr id="8" name="직사각형 7">
+            <a:extLst>
+              <a:ext uri="{FF2B5EF4-FFF2-40B4-BE49-F238E27FC236}">
+                <a16:creationId xmlns:a16="http://schemas.microsoft.com/office/drawing/2014/main" id="{072EEBBF-B9F4-ABBC-2CCD-8E37D66C3F71}"/>
+              </a:ext>
+            </a:extLst>
+          </p:cNvPr>
+          <p:cNvSpPr/>
+          <p:nvPr/>
+        </p:nvSpPr>
+        <p:spPr>
+          <a:xfrm>
+            <a:off x="1196752" y="2612570"/>
+            <a:ext cx="10240506" cy="7053943"/>
+          </a:xfrm>
+          <a:prstGeom prst="rect">
+            <a:avLst/>
+          </a:prstGeom>
+          <a:noFill/>
+          <a:ln w="38100">
+            <a:solidFill>
+              <a:srgbClr val="FF0000"/>
+            </a:solidFill>
+          </a:ln>
+        </p:spPr>
+        <p:style>
+          <a:lnRef idx="2">
+            <a:schemeClr val="accent1">
+              <a:shade val="15000"/>
+            </a:schemeClr>
+          </a:lnRef>
+          <a:fillRef idx="1">
+            <a:schemeClr val="accent1"/>
+          </a:fillRef>
+          <a:effectRef idx="0">
+            <a:schemeClr val="accent1"/>
+          </a:effectRef>
+          <a:fontRef idx="minor">
+            <a:schemeClr val="lt1"/>
+          </a:fontRef>
+        </p:style>
+        <p:txBody>
+          <a:bodyPr rtlCol="0" anchor="ctr"/>
+          <a:lstStyle/>
+          <a:p>
+            <a:pPr algn="ctr"/>
+            <a:endParaRPr lang="ko-KR" altLang="en-US" sz="1350"/>
+          </a:p>
+        </p:txBody>
+      </p:sp>
+      <p:sp>
+        <p:nvSpPr>
+          <p:cNvPr id="9" name="타원 8">
+            <a:extLst>
+              <a:ext uri="{FF2B5EF4-FFF2-40B4-BE49-F238E27FC236}">
+                <a16:creationId xmlns:a16="http://schemas.microsoft.com/office/drawing/2014/main" id="{B23A2143-B86D-F17A-1411-28165FBCC99D}"/>
+              </a:ext>
+            </a:extLst>
+          </p:cNvPr>
+          <p:cNvSpPr/>
+          <p:nvPr/>
+        </p:nvSpPr>
+        <p:spPr>
+          <a:xfrm>
+            <a:off x="1095438" y="2519050"/>
+            <a:ext cx="202628" cy="187042"/>
+          </a:xfrm>
+          <a:prstGeom prst="ellipse">
+            <a:avLst/>
+          </a:prstGeom>
+          <a:solidFill>
+            <a:schemeClr val="bg1"/>
+          </a:solidFill>
+          <a:ln w="38100">
+            <a:solidFill>
+              <a:srgbClr val="FF0000"/>
+            </a:solidFill>
+          </a:ln>
+        </p:spPr>
+        <p:style>
+          <a:lnRef idx="2">
+            <a:schemeClr val="accent1">
+              <a:shade val="15000"/>
+            </a:schemeClr>
+          </a:lnRef>
+          <a:fillRef idx="1">
+            <a:schemeClr val="accent1"/>
+          </a:fillRef>
+          <a:effectRef idx="0">
+            <a:schemeClr val="accent1"/>
+          </a:effectRef>
+          <a:fontRef idx="minor">
+            <a:schemeClr val="lt1"/>
+          </a:fontRef>
+        </p:style>
+        <p:txBody>
+          <a:bodyPr rtlCol="0" anchor="ctr"/>
+          <a:lstStyle/>
+          <a:p>
+            <a:pPr algn="ctr"/>
+            <a:r>
+              <a:rPr lang="en-US" altLang="ko-KR" sz="1350" dirty="0">
+                <a:solidFill>
+                  <a:schemeClr val="tx1"/>
+                </a:solidFill>
+              </a:rPr>
+              <a:t>3</a:t>
+            </a:r>
+            <a:endParaRPr lang="ko-KR" altLang="en-US" sz="1350" dirty="0">
+              <a:solidFill>
+                <a:schemeClr val="tx1"/>
+              </a:solidFill>
+            </a:endParaRPr>
+          </a:p>
+        </p:txBody>
+      </p:sp>
+      <p:sp>
+        <p:nvSpPr>
+          <p:cNvPr id="4" name="직사각형 3">
+            <a:extLst>
+              <a:ext uri="{FF2B5EF4-FFF2-40B4-BE49-F238E27FC236}">
+                <a16:creationId xmlns:a16="http://schemas.microsoft.com/office/drawing/2014/main" id="{86E49D78-BBF3-9A28-D601-C3DBF9C41D56}"/>
+              </a:ext>
+            </a:extLst>
+          </p:cNvPr>
+          <p:cNvSpPr/>
+          <p:nvPr/>
+        </p:nvSpPr>
+        <p:spPr>
+          <a:xfrm>
+            <a:off x="1608497" y="3070018"/>
+            <a:ext cx="1337904" cy="600166"/>
+          </a:xfrm>
+          <a:prstGeom prst="rect">
+            <a:avLst/>
+          </a:prstGeom>
+          <a:noFill/>
+          <a:ln w="38100">
+            <a:solidFill>
+              <a:srgbClr val="FF0000"/>
+            </a:solidFill>
+          </a:ln>
+        </p:spPr>
+        <p:style>
+          <a:lnRef idx="2">
+            <a:schemeClr val="accent1">
+              <a:shade val="15000"/>
+            </a:schemeClr>
+          </a:lnRef>
+          <a:fillRef idx="1">
+            <a:schemeClr val="accent1"/>
+          </a:fillRef>
+          <a:effectRef idx="0">
+            <a:schemeClr val="accent1"/>
+          </a:effectRef>
+          <a:fontRef idx="minor">
+            <a:schemeClr val="lt1"/>
+          </a:fontRef>
+        </p:style>
+        <p:txBody>
+          <a:bodyPr rtlCol="0" anchor="ctr"/>
+          <a:lstStyle/>
+          <a:p>
+            <a:pPr algn="ctr"/>
+            <a:endParaRPr lang="ko-KR" altLang="en-US" sz="1350"/>
+          </a:p>
+        </p:txBody>
+      </p:sp>
+      <p:sp>
+        <p:nvSpPr>
+          <p:cNvPr id="5" name="타원 4">
+            <a:extLst>
+              <a:ext uri="{FF2B5EF4-FFF2-40B4-BE49-F238E27FC236}">
+                <a16:creationId xmlns:a16="http://schemas.microsoft.com/office/drawing/2014/main" id="{B063F777-F4BD-630B-57CB-44B717C7BEB0}"/>
+              </a:ext>
+            </a:extLst>
+          </p:cNvPr>
+          <p:cNvSpPr/>
+          <p:nvPr/>
+        </p:nvSpPr>
+        <p:spPr>
+          <a:xfrm>
+            <a:off x="1507183" y="2976497"/>
+            <a:ext cx="202628" cy="187042"/>
+          </a:xfrm>
+          <a:prstGeom prst="ellipse">
+            <a:avLst/>
+          </a:prstGeom>
+          <a:solidFill>
+            <a:schemeClr val="bg1"/>
+          </a:solidFill>
+          <a:ln w="38100">
+            <a:solidFill>
+              <a:srgbClr val="FF0000"/>
+            </a:solidFill>
+          </a:ln>
+        </p:spPr>
+        <p:style>
+          <a:lnRef idx="2">
+            <a:schemeClr val="accent1">
+              <a:shade val="15000"/>
+            </a:schemeClr>
+          </a:lnRef>
+          <a:fillRef idx="1">
+            <a:schemeClr val="accent1"/>
+          </a:fillRef>
+          <a:effectRef idx="0">
+            <a:schemeClr val="accent1"/>
+          </a:effectRef>
+          <a:fontRef idx="minor">
+            <a:schemeClr val="lt1"/>
+          </a:fontRef>
+        </p:style>
+        <p:txBody>
+          <a:bodyPr rtlCol="0" anchor="ctr"/>
+          <a:lstStyle/>
+          <a:p>
+            <a:pPr algn="ctr"/>
+            <a:r>
+              <a:rPr lang="en-US" altLang="ko-KR" sz="1350" dirty="0">
+                <a:solidFill>
+                  <a:schemeClr val="tx1"/>
+                </a:solidFill>
+              </a:rPr>
+              <a:t>2</a:t>
+            </a:r>
+            <a:endParaRPr lang="ko-KR" altLang="en-US" sz="1350" dirty="0">
+              <a:solidFill>
+                <a:schemeClr val="tx1"/>
+              </a:solidFill>
+            </a:endParaRPr>
+          </a:p>
+        </p:txBody>
+      </p:sp>
+      <p:sp>
+        <p:nvSpPr>
+          <p:cNvPr id="10" name="직사각형 9">
+            <a:extLst>
+              <a:ext uri="{FF2B5EF4-FFF2-40B4-BE49-F238E27FC236}">
+                <a16:creationId xmlns:a16="http://schemas.microsoft.com/office/drawing/2014/main" id="{39267C57-57A3-7E2D-0924-799897763343}"/>
+              </a:ext>
+            </a:extLst>
+          </p:cNvPr>
+          <p:cNvSpPr/>
+          <p:nvPr/>
+        </p:nvSpPr>
+        <p:spPr>
+          <a:xfrm>
+            <a:off x="10129595" y="1412239"/>
+            <a:ext cx="1469910" cy="600166"/>
+          </a:xfrm>
+          <a:prstGeom prst="rect">
+            <a:avLst/>
+          </a:prstGeom>
+          <a:noFill/>
+          <a:ln w="38100">
+            <a:solidFill>
+              <a:srgbClr val="FF0000"/>
+            </a:solidFill>
+          </a:ln>
+        </p:spPr>
+        <p:style>
+          <a:lnRef idx="2">
+            <a:schemeClr val="accent1">
+              <a:shade val="15000"/>
+            </a:schemeClr>
+          </a:lnRef>
+          <a:fillRef idx="1">
+            <a:schemeClr val="accent1"/>
+          </a:fillRef>
+          <a:effectRef idx="0">
+            <a:schemeClr val="accent1"/>
+          </a:effectRef>
+          <a:fontRef idx="minor">
+            <a:schemeClr val="lt1"/>
+          </a:fontRef>
+        </p:style>
+        <p:txBody>
+          <a:bodyPr rtlCol="0" anchor="ctr"/>
+          <a:lstStyle/>
+          <a:p>
+            <a:pPr algn="ctr"/>
+            <a:endParaRPr lang="ko-KR" altLang="en-US" sz="1350"/>
+          </a:p>
+        </p:txBody>
+      </p:sp>
+      <p:sp>
+        <p:nvSpPr>
+          <p:cNvPr id="11" name="타원 10">
+            <a:extLst>
+              <a:ext uri="{FF2B5EF4-FFF2-40B4-BE49-F238E27FC236}">
+                <a16:creationId xmlns:a16="http://schemas.microsoft.com/office/drawing/2014/main" id="{CEE30FD9-D803-2A91-B286-A7C2038F6057}"/>
+              </a:ext>
+            </a:extLst>
+          </p:cNvPr>
+          <p:cNvSpPr/>
+          <p:nvPr/>
+        </p:nvSpPr>
+        <p:spPr>
+          <a:xfrm>
+            <a:off x="10028281" y="1318718"/>
+            <a:ext cx="202628" cy="187042"/>
+          </a:xfrm>
+          <a:prstGeom prst="ellipse">
+            <a:avLst/>
+          </a:prstGeom>
+          <a:solidFill>
+            <a:schemeClr val="bg1"/>
+          </a:solidFill>
+          <a:ln w="38100">
+            <a:solidFill>
+              <a:srgbClr val="FF0000"/>
+            </a:solidFill>
+          </a:ln>
+        </p:spPr>
+        <p:style>
+          <a:lnRef idx="2">
+            <a:schemeClr val="accent1">
+              <a:shade val="15000"/>
+            </a:schemeClr>
+          </a:lnRef>
+          <a:fillRef idx="1">
+            <a:schemeClr val="accent1"/>
+          </a:fillRef>
+          <a:effectRef idx="0">
+            <a:schemeClr val="accent1"/>
+          </a:effectRef>
+          <a:fontRef idx="minor">
+            <a:schemeClr val="lt1"/>
+          </a:fontRef>
+        </p:style>
+        <p:txBody>
+          <a:bodyPr rtlCol="0" anchor="ctr"/>
+          <a:lstStyle/>
+          <a:p>
+            <a:pPr algn="ctr"/>
+            <a:r>
+              <a:rPr lang="en-US" altLang="ko-KR" sz="1350" dirty="0">
+                <a:solidFill>
+                  <a:schemeClr val="tx1"/>
+                </a:solidFill>
+              </a:rPr>
+              <a:t>5</a:t>
+            </a:r>
+            <a:endParaRPr lang="ko-KR" altLang="en-US" sz="1350" dirty="0">
+              <a:solidFill>
+                <a:schemeClr val="tx1"/>
+              </a:solidFill>
+            </a:endParaRPr>
+          </a:p>
+        </p:txBody>
+      </p:sp>
+      <p:sp>
+        <p:nvSpPr>
+          <p:cNvPr id="2" name="직사각형 1">
+            <a:extLst>
+              <a:ext uri="{FF2B5EF4-FFF2-40B4-BE49-F238E27FC236}">
+                <a16:creationId xmlns:a16="http://schemas.microsoft.com/office/drawing/2014/main" id="{3D3DAC40-732F-96E8-4259-54FCD20BB2D7}"/>
+              </a:ext>
+            </a:extLst>
+          </p:cNvPr>
+          <p:cNvSpPr/>
+          <p:nvPr/>
+        </p:nvSpPr>
+        <p:spPr>
+          <a:xfrm>
+            <a:off x="7035261" y="3370101"/>
+            <a:ext cx="1856947" cy="600166"/>
+          </a:xfrm>
+          <a:prstGeom prst="rect">
+            <a:avLst/>
+          </a:prstGeom>
+          <a:noFill/>
+          <a:ln w="38100">
+            <a:solidFill>
+              <a:srgbClr val="FF0000"/>
+            </a:solidFill>
+          </a:ln>
+        </p:spPr>
+        <p:style>
+          <a:lnRef idx="2">
+            <a:schemeClr val="accent1">
+              <a:shade val="15000"/>
+            </a:schemeClr>
+          </a:lnRef>
+          <a:fillRef idx="1">
+            <a:schemeClr val="accent1"/>
+          </a:fillRef>
+          <a:effectRef idx="0">
+            <a:schemeClr val="accent1"/>
+          </a:effectRef>
+          <a:fontRef idx="minor">
+            <a:schemeClr val="lt1"/>
+          </a:fontRef>
+        </p:style>
+        <p:txBody>
+          <a:bodyPr rtlCol="0" anchor="ctr"/>
+          <a:lstStyle/>
+          <a:p>
+            <a:pPr algn="ctr"/>
+            <a:endParaRPr lang="ko-KR" altLang="en-US" sz="1350"/>
+          </a:p>
+        </p:txBody>
+      </p:sp>
+      <p:sp>
+        <p:nvSpPr>
+          <p:cNvPr id="3" name="타원 2">
+            <a:extLst>
+              <a:ext uri="{FF2B5EF4-FFF2-40B4-BE49-F238E27FC236}">
+                <a16:creationId xmlns:a16="http://schemas.microsoft.com/office/drawing/2014/main" id="{410A636A-FCB4-6A98-2501-BB559070705D}"/>
+              </a:ext>
+            </a:extLst>
+          </p:cNvPr>
+          <p:cNvSpPr/>
+          <p:nvPr/>
+        </p:nvSpPr>
+        <p:spPr>
+          <a:xfrm>
+            <a:off x="6933948" y="3276580"/>
+            <a:ext cx="202628" cy="187042"/>
+          </a:xfrm>
+          <a:prstGeom prst="ellipse">
+            <a:avLst/>
+          </a:prstGeom>
+          <a:solidFill>
+            <a:schemeClr val="bg1"/>
+          </a:solidFill>
+          <a:ln w="38100">
+            <a:solidFill>
+              <a:srgbClr val="FF0000"/>
+            </a:solidFill>
+          </a:ln>
+        </p:spPr>
+        <p:style>
+          <a:lnRef idx="2">
+            <a:schemeClr val="accent1">
+              <a:shade val="15000"/>
+            </a:schemeClr>
+          </a:lnRef>
+          <a:fillRef idx="1">
+            <a:schemeClr val="accent1"/>
+          </a:fillRef>
+          <a:effectRef idx="0">
+            <a:schemeClr val="accent1"/>
+          </a:effectRef>
+          <a:fontRef idx="minor">
+            <a:schemeClr val="lt1"/>
+          </a:fontRef>
+        </p:style>
+        <p:txBody>
+          <a:bodyPr rtlCol="0" anchor="ctr"/>
+          <a:lstStyle/>
+          <a:p>
+            <a:pPr algn="ctr"/>
+            <a:r>
+              <a:rPr lang="en-US" altLang="ko-KR" sz="1350" dirty="0">
+                <a:solidFill>
+                  <a:schemeClr val="tx1"/>
+                </a:solidFill>
+              </a:rPr>
+              <a:t>4</a:t>
+            </a:r>
+            <a:endParaRPr lang="ko-KR" altLang="en-US" sz="1350" dirty="0">
+              <a:solidFill>
+                <a:schemeClr val="tx1"/>
+              </a:solidFill>
+            </a:endParaRPr>
+          </a:p>
+        </p:txBody>
+      </p:sp>
+    </p:spTree>
+    <p:extLst>
+      <p:ext uri="{BB962C8B-B14F-4D97-AF65-F5344CB8AC3E}">
+        <p14:creationId xmlns:p14="http://schemas.microsoft.com/office/powerpoint/2010/main" val="1028760437"/>
+      </p:ext>
+    </p:extLst>
+  </p:cSld>
+  <p:clrMapOvr>
+    <a:masterClrMapping/>
+  </p:clrMapOvr>
+</p:sld>
+</file>
+
+<file path=ppt/slides/slide15.xml><?xml version="1.0" encoding="utf-8"?>
+<p:sld xmlns:a="http://schemas.openxmlformats.org/drawingml/2006/main" xmlns:r="http://schemas.openxmlformats.org/officeDocument/2006/relationships" xmlns:p="http://schemas.openxmlformats.org/presentationml/2006/main">
+  <p:cSld>
+    <p:spTree>
+      <p:nvGrpSpPr>
+        <p:cNvPr id="1" name="">
+          <a:extLst>
+            <a:ext uri="{FF2B5EF4-FFF2-40B4-BE49-F238E27FC236}">
+              <a16:creationId xmlns:a16="http://schemas.microsoft.com/office/drawing/2014/main" id="{F91AD2FF-1D83-544A-D56F-972165AAA718}"/>
+            </a:ext>
+          </a:extLst>
+        </p:cNvPr>
+        <p:cNvGrpSpPr/>
+        <p:nvPr/>
+      </p:nvGrpSpPr>
+      <p:grpSpPr>
+        <a:xfrm>
+          <a:off x="0" y="0"/>
+          <a:ext cx="0" cy="0"/>
+          <a:chOff x="0" y="0"/>
+          <a:chExt cx="0" cy="0"/>
+        </a:xfrm>
+      </p:grpSpPr>
+      <p:pic>
+        <p:nvPicPr>
+          <p:cNvPr id="3" name="그림 2" descr="텍스트, 스크린샷, 소프트웨어, 컴퓨터 아이콘이(가) 표시된 사진&#10;&#10;AI 생성 콘텐츠는 정확하지 않을 수 있습니다.">
+            <a:extLst>
+              <a:ext uri="{FF2B5EF4-FFF2-40B4-BE49-F238E27FC236}">
+                <a16:creationId xmlns:a16="http://schemas.microsoft.com/office/drawing/2014/main" id="{BAF0B11F-3098-33ED-ADF8-315F1EFBDABA}"/>
+              </a:ext>
+            </a:extLst>
+          </p:cNvPr>
+          <p:cNvPicPr>
+            <a:picLocks noChangeAspect="1"/>
+          </p:cNvPicPr>
+          <p:nvPr/>
+        </p:nvPicPr>
+        <p:blipFill>
+          <a:blip r:embed="rId2"/>
+          <a:stretch>
+            <a:fillRect/>
+          </a:stretch>
+        </p:blipFill>
+        <p:spPr>
+          <a:xfrm>
+            <a:off x="1627582" y="1098752"/>
+            <a:ext cx="7792537" cy="7973538"/>
+          </a:xfrm>
+          <a:prstGeom prst="rect">
+            <a:avLst/>
+          </a:prstGeom>
+        </p:spPr>
+      </p:pic>
+      <p:sp>
+        <p:nvSpPr>
+          <p:cNvPr id="6" name="직사각형 5">
+            <a:extLst>
+              <a:ext uri="{FF2B5EF4-FFF2-40B4-BE49-F238E27FC236}">
+                <a16:creationId xmlns:a16="http://schemas.microsoft.com/office/drawing/2014/main" id="{EC976FFF-D900-6D0A-A7BB-B0ABB6FDDD3B}"/>
+              </a:ext>
+            </a:extLst>
+          </p:cNvPr>
+          <p:cNvSpPr/>
+          <p:nvPr/>
+        </p:nvSpPr>
+        <p:spPr>
+          <a:xfrm>
+            <a:off x="1728896" y="1901864"/>
+            <a:ext cx="1760974" cy="536304"/>
+          </a:xfrm>
+          <a:prstGeom prst="rect">
+            <a:avLst/>
+          </a:prstGeom>
+          <a:noFill/>
+          <a:ln w="38100">
+            <a:solidFill>
+              <a:srgbClr val="FF0000"/>
+            </a:solidFill>
+          </a:ln>
+        </p:spPr>
+        <p:style>
+          <a:lnRef idx="2">
+            <a:schemeClr val="accent1">
+              <a:shade val="15000"/>
+            </a:schemeClr>
+          </a:lnRef>
+          <a:fillRef idx="1">
+            <a:schemeClr val="accent1"/>
+          </a:fillRef>
+          <a:effectRef idx="0">
+            <a:schemeClr val="accent1"/>
+          </a:effectRef>
+          <a:fontRef idx="minor">
+            <a:schemeClr val="lt1"/>
+          </a:fontRef>
+        </p:style>
+        <p:txBody>
+          <a:bodyPr rtlCol="0" anchor="ctr"/>
+          <a:lstStyle/>
+          <a:p>
+            <a:pPr algn="ctr"/>
+            <a:endParaRPr lang="ko-KR" altLang="en-US" sz="1350"/>
+          </a:p>
+        </p:txBody>
+      </p:sp>
+      <p:sp>
+        <p:nvSpPr>
+          <p:cNvPr id="7" name="타원 6">
+            <a:extLst>
+              <a:ext uri="{FF2B5EF4-FFF2-40B4-BE49-F238E27FC236}">
+                <a16:creationId xmlns:a16="http://schemas.microsoft.com/office/drawing/2014/main" id="{12B09025-C8A2-D4BA-E9CA-4ECAC1CC75E7}"/>
+              </a:ext>
+            </a:extLst>
+          </p:cNvPr>
+          <p:cNvSpPr/>
+          <p:nvPr/>
+        </p:nvSpPr>
+        <p:spPr>
+          <a:xfrm>
+            <a:off x="1627582" y="1808343"/>
+            <a:ext cx="202628" cy="187042"/>
+          </a:xfrm>
+          <a:prstGeom prst="ellipse">
+            <a:avLst/>
+          </a:prstGeom>
+          <a:solidFill>
+            <a:schemeClr val="bg1"/>
+          </a:solidFill>
+          <a:ln w="38100">
+            <a:solidFill>
+              <a:srgbClr val="FF0000"/>
+            </a:solidFill>
+          </a:ln>
+        </p:spPr>
+        <p:style>
+          <a:lnRef idx="2">
+            <a:schemeClr val="accent1">
+              <a:shade val="15000"/>
+            </a:schemeClr>
+          </a:lnRef>
+          <a:fillRef idx="1">
+            <a:schemeClr val="accent1"/>
+          </a:fillRef>
+          <a:effectRef idx="0">
+            <a:schemeClr val="accent1"/>
+          </a:effectRef>
+          <a:fontRef idx="minor">
+            <a:schemeClr val="lt1"/>
+          </a:fontRef>
+        </p:style>
+        <p:txBody>
+          <a:bodyPr rtlCol="0" anchor="ctr"/>
+          <a:lstStyle/>
+          <a:p>
+            <a:pPr algn="ctr"/>
+            <a:r>
+              <a:rPr lang="en-US" altLang="ko-KR" sz="1350" dirty="0">
+                <a:solidFill>
+                  <a:schemeClr val="tx1"/>
+                </a:solidFill>
+              </a:rPr>
+              <a:t>1</a:t>
+            </a:r>
+            <a:endParaRPr lang="ko-KR" altLang="en-US" sz="1350" dirty="0">
+              <a:solidFill>
+                <a:schemeClr val="tx1"/>
+              </a:solidFill>
+            </a:endParaRPr>
+          </a:p>
+        </p:txBody>
+      </p:sp>
+      <p:sp>
+        <p:nvSpPr>
+          <p:cNvPr id="8" name="직사각형 7">
+            <a:extLst>
+              <a:ext uri="{FF2B5EF4-FFF2-40B4-BE49-F238E27FC236}">
+                <a16:creationId xmlns:a16="http://schemas.microsoft.com/office/drawing/2014/main" id="{7412DA3F-7349-E2EC-E828-64B0DBBD70A3}"/>
+              </a:ext>
+            </a:extLst>
+          </p:cNvPr>
+          <p:cNvSpPr/>
+          <p:nvPr/>
+        </p:nvSpPr>
+        <p:spPr>
+          <a:xfrm>
+            <a:off x="1728896" y="2625210"/>
+            <a:ext cx="2379278" cy="1893781"/>
+          </a:xfrm>
+          <a:prstGeom prst="rect">
+            <a:avLst/>
+          </a:prstGeom>
+          <a:noFill/>
+          <a:ln w="38100">
+            <a:solidFill>
+              <a:srgbClr val="FF0000"/>
+            </a:solidFill>
+          </a:ln>
+        </p:spPr>
+        <p:style>
+          <a:lnRef idx="2">
+            <a:schemeClr val="accent1">
+              <a:shade val="15000"/>
+            </a:schemeClr>
+          </a:lnRef>
+          <a:fillRef idx="1">
+            <a:schemeClr val="accent1"/>
+          </a:fillRef>
+          <a:effectRef idx="0">
+            <a:schemeClr val="accent1"/>
+          </a:effectRef>
+          <a:fontRef idx="minor">
+            <a:schemeClr val="lt1"/>
+          </a:fontRef>
+        </p:style>
+        <p:txBody>
+          <a:bodyPr rtlCol="0" anchor="ctr"/>
+          <a:lstStyle/>
+          <a:p>
+            <a:pPr algn="ctr"/>
+            <a:endParaRPr lang="ko-KR" altLang="en-US" sz="1350"/>
+          </a:p>
+        </p:txBody>
+      </p:sp>
+      <p:sp>
+        <p:nvSpPr>
+          <p:cNvPr id="9" name="타원 8">
+            <a:extLst>
+              <a:ext uri="{FF2B5EF4-FFF2-40B4-BE49-F238E27FC236}">
+                <a16:creationId xmlns:a16="http://schemas.microsoft.com/office/drawing/2014/main" id="{A7852466-51E4-6C61-7687-42A62B98403D}"/>
+              </a:ext>
+            </a:extLst>
+          </p:cNvPr>
+          <p:cNvSpPr/>
+          <p:nvPr/>
+        </p:nvSpPr>
+        <p:spPr>
+          <a:xfrm>
+            <a:off x="1627582" y="2531689"/>
+            <a:ext cx="202628" cy="187042"/>
+          </a:xfrm>
+          <a:prstGeom prst="ellipse">
+            <a:avLst/>
+          </a:prstGeom>
+          <a:solidFill>
+            <a:schemeClr val="bg1"/>
+          </a:solidFill>
+          <a:ln w="38100">
+            <a:solidFill>
+              <a:srgbClr val="FF0000"/>
+            </a:solidFill>
+          </a:ln>
+        </p:spPr>
+        <p:style>
+          <a:lnRef idx="2">
+            <a:schemeClr val="accent1">
+              <a:shade val="15000"/>
+            </a:schemeClr>
+          </a:lnRef>
+          <a:fillRef idx="1">
+            <a:schemeClr val="accent1"/>
+          </a:fillRef>
+          <a:effectRef idx="0">
+            <a:schemeClr val="accent1"/>
+          </a:effectRef>
+          <a:fontRef idx="minor">
+            <a:schemeClr val="lt1"/>
+          </a:fontRef>
+        </p:style>
+        <p:txBody>
+          <a:bodyPr rtlCol="0" anchor="ctr"/>
+          <a:lstStyle/>
+          <a:p>
+            <a:pPr algn="ctr"/>
+            <a:r>
+              <a:rPr lang="en-US" altLang="ko-KR" sz="1350" dirty="0">
+                <a:solidFill>
+                  <a:schemeClr val="tx1"/>
+                </a:solidFill>
+              </a:rPr>
+              <a:t>2</a:t>
+            </a:r>
+            <a:endParaRPr lang="ko-KR" altLang="en-US" sz="1350" dirty="0">
+              <a:solidFill>
+                <a:schemeClr val="tx1"/>
+              </a:solidFill>
+            </a:endParaRPr>
+          </a:p>
+        </p:txBody>
+      </p:sp>
+      <p:sp>
+        <p:nvSpPr>
+          <p:cNvPr id="4" name="직사각형 3">
+            <a:extLst>
+              <a:ext uri="{FF2B5EF4-FFF2-40B4-BE49-F238E27FC236}">
+                <a16:creationId xmlns:a16="http://schemas.microsoft.com/office/drawing/2014/main" id="{585A64B6-73C3-7B86-8A7D-F2860FFF6D29}"/>
+              </a:ext>
+            </a:extLst>
+          </p:cNvPr>
+          <p:cNvSpPr/>
+          <p:nvPr/>
+        </p:nvSpPr>
+        <p:spPr>
+          <a:xfrm>
+            <a:off x="1728896" y="4518991"/>
+            <a:ext cx="2379278" cy="2266122"/>
+          </a:xfrm>
+          <a:prstGeom prst="rect">
+            <a:avLst/>
+          </a:prstGeom>
+          <a:noFill/>
+          <a:ln w="38100">
+            <a:solidFill>
+              <a:srgbClr val="FF0000"/>
+            </a:solidFill>
+          </a:ln>
+        </p:spPr>
+        <p:style>
+          <a:lnRef idx="2">
+            <a:schemeClr val="accent1">
+              <a:shade val="15000"/>
+            </a:schemeClr>
+          </a:lnRef>
+          <a:fillRef idx="1">
+            <a:schemeClr val="accent1"/>
+          </a:fillRef>
+          <a:effectRef idx="0">
+            <a:schemeClr val="accent1"/>
+          </a:effectRef>
+          <a:fontRef idx="minor">
+            <a:schemeClr val="lt1"/>
+          </a:fontRef>
+        </p:style>
+        <p:txBody>
+          <a:bodyPr rtlCol="0" anchor="ctr"/>
+          <a:lstStyle/>
+          <a:p>
+            <a:pPr algn="ctr"/>
+            <a:endParaRPr lang="ko-KR" altLang="en-US" sz="1350"/>
+          </a:p>
+        </p:txBody>
+      </p:sp>
+      <p:sp>
+        <p:nvSpPr>
+          <p:cNvPr id="5" name="타원 4">
+            <a:extLst>
+              <a:ext uri="{FF2B5EF4-FFF2-40B4-BE49-F238E27FC236}">
+                <a16:creationId xmlns:a16="http://schemas.microsoft.com/office/drawing/2014/main" id="{5F506CDA-0D37-D069-0A4D-58F2F3A5521B}"/>
+              </a:ext>
+            </a:extLst>
+          </p:cNvPr>
+          <p:cNvSpPr/>
+          <p:nvPr/>
+        </p:nvSpPr>
+        <p:spPr>
+          <a:xfrm>
+            <a:off x="1627582" y="4425470"/>
+            <a:ext cx="202628" cy="187042"/>
+          </a:xfrm>
+          <a:prstGeom prst="ellipse">
+            <a:avLst/>
+          </a:prstGeom>
+          <a:solidFill>
+            <a:schemeClr val="bg1"/>
+          </a:solidFill>
+          <a:ln w="38100">
+            <a:solidFill>
+              <a:srgbClr val="FF0000"/>
+            </a:solidFill>
+          </a:ln>
+        </p:spPr>
+        <p:style>
+          <a:lnRef idx="2">
+            <a:schemeClr val="accent1">
+              <a:shade val="15000"/>
+            </a:schemeClr>
+          </a:lnRef>
+          <a:fillRef idx="1">
+            <a:schemeClr val="accent1"/>
+          </a:fillRef>
+          <a:effectRef idx="0">
+            <a:schemeClr val="accent1"/>
+          </a:effectRef>
+          <a:fontRef idx="minor">
+            <a:schemeClr val="lt1"/>
+          </a:fontRef>
+        </p:style>
+        <p:txBody>
+          <a:bodyPr rtlCol="0" anchor="ctr"/>
+          <a:lstStyle/>
+          <a:p>
+            <a:pPr algn="ctr"/>
+            <a:r>
+              <a:rPr lang="en-US" altLang="ko-KR" sz="1350" dirty="0">
+                <a:solidFill>
+                  <a:schemeClr val="tx1"/>
+                </a:solidFill>
+              </a:rPr>
+              <a:t>3</a:t>
+            </a:r>
+            <a:endParaRPr lang="ko-KR" altLang="en-US" sz="1350" dirty="0">
+              <a:solidFill>
+                <a:schemeClr val="tx1"/>
+              </a:solidFill>
+            </a:endParaRPr>
+          </a:p>
+        </p:txBody>
+      </p:sp>
+      <p:sp>
+        <p:nvSpPr>
+          <p:cNvPr id="10" name="직사각형 9">
+            <a:extLst>
+              <a:ext uri="{FF2B5EF4-FFF2-40B4-BE49-F238E27FC236}">
+                <a16:creationId xmlns:a16="http://schemas.microsoft.com/office/drawing/2014/main" id="{AED66532-A06C-32B3-FD56-EC3CAC00B71B}"/>
+              </a:ext>
+            </a:extLst>
+          </p:cNvPr>
+          <p:cNvSpPr/>
+          <p:nvPr/>
+        </p:nvSpPr>
+        <p:spPr>
+          <a:xfrm>
+            <a:off x="4310802" y="2531689"/>
+            <a:ext cx="4965720" cy="5432868"/>
+          </a:xfrm>
+          <a:prstGeom prst="rect">
+            <a:avLst/>
+          </a:prstGeom>
+          <a:noFill/>
+          <a:ln w="38100">
+            <a:solidFill>
+              <a:srgbClr val="FF0000"/>
+            </a:solidFill>
+          </a:ln>
+        </p:spPr>
+        <p:style>
+          <a:lnRef idx="2">
+            <a:schemeClr val="accent1">
+              <a:shade val="15000"/>
+            </a:schemeClr>
+          </a:lnRef>
+          <a:fillRef idx="1">
+            <a:schemeClr val="accent1"/>
+          </a:fillRef>
+          <a:effectRef idx="0">
+            <a:schemeClr val="accent1"/>
+          </a:effectRef>
+          <a:fontRef idx="minor">
+            <a:schemeClr val="lt1"/>
+          </a:fontRef>
+        </p:style>
+        <p:txBody>
+          <a:bodyPr rtlCol="0" anchor="ctr"/>
+          <a:lstStyle/>
+          <a:p>
+            <a:pPr algn="ctr"/>
+            <a:endParaRPr lang="ko-KR" altLang="en-US" sz="1350"/>
+          </a:p>
+        </p:txBody>
+      </p:sp>
+      <p:sp>
+        <p:nvSpPr>
+          <p:cNvPr id="11" name="타원 10">
+            <a:extLst>
+              <a:ext uri="{FF2B5EF4-FFF2-40B4-BE49-F238E27FC236}">
+                <a16:creationId xmlns:a16="http://schemas.microsoft.com/office/drawing/2014/main" id="{E80B35AA-55B5-2ED7-0FF0-D6A3B742543A}"/>
+              </a:ext>
+            </a:extLst>
+          </p:cNvPr>
+          <p:cNvSpPr/>
+          <p:nvPr/>
+        </p:nvSpPr>
+        <p:spPr>
+          <a:xfrm>
+            <a:off x="4209488" y="2438168"/>
+            <a:ext cx="202628" cy="187042"/>
+          </a:xfrm>
+          <a:prstGeom prst="ellipse">
+            <a:avLst/>
+          </a:prstGeom>
+          <a:solidFill>
+            <a:schemeClr val="bg1"/>
+          </a:solidFill>
+          <a:ln w="38100">
+            <a:solidFill>
+              <a:srgbClr val="FF0000"/>
+            </a:solidFill>
+          </a:ln>
+        </p:spPr>
+        <p:style>
+          <a:lnRef idx="2">
+            <a:schemeClr val="accent1">
+              <a:shade val="15000"/>
+            </a:schemeClr>
+          </a:lnRef>
+          <a:fillRef idx="1">
+            <a:schemeClr val="accent1"/>
+          </a:fillRef>
+          <a:effectRef idx="0">
+            <a:schemeClr val="accent1"/>
+          </a:effectRef>
+          <a:fontRef idx="minor">
+            <a:schemeClr val="lt1"/>
+          </a:fontRef>
+        </p:style>
+        <p:txBody>
+          <a:bodyPr rtlCol="0" anchor="ctr"/>
+          <a:lstStyle/>
+          <a:p>
+            <a:pPr algn="ctr"/>
+            <a:r>
+              <a:rPr lang="en-US" altLang="ko-KR" sz="1350" dirty="0">
+                <a:solidFill>
+                  <a:schemeClr val="tx1"/>
+                </a:solidFill>
+              </a:rPr>
+              <a:t>4</a:t>
+            </a:r>
+            <a:endParaRPr lang="ko-KR" altLang="en-US" sz="1350" dirty="0">
+              <a:solidFill>
+                <a:schemeClr val="tx1"/>
+              </a:solidFill>
+            </a:endParaRPr>
+          </a:p>
+        </p:txBody>
+      </p:sp>
+    </p:spTree>
+    <p:extLst>
+      <p:ext uri="{BB962C8B-B14F-4D97-AF65-F5344CB8AC3E}">
+        <p14:creationId xmlns:p14="http://schemas.microsoft.com/office/powerpoint/2010/main" val="1251345752"/>
+      </p:ext>
+    </p:extLst>
+  </p:cSld>
+  <p:clrMapOvr>
+    <a:masterClrMapping/>
+  </p:clrMapOvr>
+</p:sld>
+</file>
+
+<file path=ppt/slides/slide16.xml><?xml version="1.0" encoding="utf-8"?>
+<p:sld xmlns:a="http://schemas.openxmlformats.org/drawingml/2006/main" xmlns:r="http://schemas.openxmlformats.org/officeDocument/2006/relationships" xmlns:p="http://schemas.openxmlformats.org/presentationml/2006/main">
+  <p:cSld>
+    <p:spTree>
+      <p:nvGrpSpPr>
+        <p:cNvPr id="1" name="">
+          <a:extLst>
+            <a:ext uri="{FF2B5EF4-FFF2-40B4-BE49-F238E27FC236}">
+              <a16:creationId xmlns:a16="http://schemas.microsoft.com/office/drawing/2014/main" id="{DABBF2F2-8786-066C-AE55-2066AE9BE912}"/>
+            </a:ext>
+          </a:extLst>
+        </p:cNvPr>
+        <p:cNvGrpSpPr/>
+        <p:nvPr/>
+      </p:nvGrpSpPr>
+      <p:grpSpPr>
+        <a:xfrm>
+          <a:off x="0" y="0"/>
+          <a:ext cx="0" cy="0"/>
+          <a:chOff x="0" y="0"/>
+          <a:chExt cx="0" cy="0"/>
+        </a:xfrm>
+      </p:grpSpPr>
+      <p:sp>
+        <p:nvSpPr>
+          <p:cNvPr id="6" name="직사각형 5">
+            <a:extLst>
+              <a:ext uri="{FF2B5EF4-FFF2-40B4-BE49-F238E27FC236}">
+                <a16:creationId xmlns:a16="http://schemas.microsoft.com/office/drawing/2014/main" id="{C3E39CA1-697E-E8C3-2753-2F23411ED71F}"/>
+              </a:ext>
+            </a:extLst>
+          </p:cNvPr>
+          <p:cNvSpPr/>
+          <p:nvPr/>
+        </p:nvSpPr>
+        <p:spPr>
+          <a:xfrm>
+            <a:off x="747095" y="2389776"/>
+            <a:ext cx="1760974" cy="536304"/>
+          </a:xfrm>
+          <a:prstGeom prst="rect">
+            <a:avLst/>
+          </a:prstGeom>
+          <a:noFill/>
+          <a:ln w="38100">
+            <a:solidFill>
+              <a:srgbClr val="FF0000"/>
+            </a:solidFill>
+          </a:ln>
+        </p:spPr>
+        <p:style>
+          <a:lnRef idx="2">
+            <a:schemeClr val="accent1">
+              <a:shade val="15000"/>
+            </a:schemeClr>
+          </a:lnRef>
+          <a:fillRef idx="1">
+            <a:schemeClr val="accent1"/>
+          </a:fillRef>
+          <a:effectRef idx="0">
+            <a:schemeClr val="accent1"/>
+          </a:effectRef>
+          <a:fontRef idx="minor">
+            <a:schemeClr val="lt1"/>
+          </a:fontRef>
+        </p:style>
+        <p:txBody>
+          <a:bodyPr rtlCol="0" anchor="ctr"/>
+          <a:lstStyle/>
+          <a:p>
+            <a:pPr algn="ctr"/>
+            <a:endParaRPr lang="ko-KR" altLang="en-US" sz="1350"/>
+          </a:p>
+        </p:txBody>
+      </p:sp>
+      <p:sp>
+        <p:nvSpPr>
+          <p:cNvPr id="7" name="타원 6">
+            <a:extLst>
+              <a:ext uri="{FF2B5EF4-FFF2-40B4-BE49-F238E27FC236}">
+                <a16:creationId xmlns:a16="http://schemas.microsoft.com/office/drawing/2014/main" id="{36BCF3BE-2AA7-68B1-4E9E-F915F48407EB}"/>
+              </a:ext>
+            </a:extLst>
+          </p:cNvPr>
+          <p:cNvSpPr/>
+          <p:nvPr/>
+        </p:nvSpPr>
+        <p:spPr>
+          <a:xfrm>
+            <a:off x="645781" y="2296255"/>
+            <a:ext cx="202628" cy="187042"/>
+          </a:xfrm>
+          <a:prstGeom prst="ellipse">
+            <a:avLst/>
+          </a:prstGeom>
+          <a:solidFill>
+            <a:schemeClr val="bg1"/>
+          </a:solidFill>
+          <a:ln w="38100">
+            <a:solidFill>
+              <a:srgbClr val="FF0000"/>
+            </a:solidFill>
+          </a:ln>
+        </p:spPr>
+        <p:style>
+          <a:lnRef idx="2">
+            <a:schemeClr val="accent1">
+              <a:shade val="15000"/>
+            </a:schemeClr>
+          </a:lnRef>
+          <a:fillRef idx="1">
+            <a:schemeClr val="accent1"/>
+          </a:fillRef>
+          <a:effectRef idx="0">
+            <a:schemeClr val="accent1"/>
+          </a:effectRef>
+          <a:fontRef idx="minor">
+            <a:schemeClr val="lt1"/>
+          </a:fontRef>
+        </p:style>
+        <p:txBody>
+          <a:bodyPr rtlCol="0" anchor="ctr"/>
+          <a:lstStyle/>
+          <a:p>
+            <a:pPr algn="ctr"/>
+            <a:r>
+              <a:rPr lang="en-US" altLang="ko-KR" sz="1350" dirty="0">
+                <a:solidFill>
+                  <a:schemeClr val="tx1"/>
+                </a:solidFill>
+              </a:rPr>
+              <a:t>1</a:t>
+            </a:r>
+            <a:endParaRPr lang="ko-KR" altLang="en-US" sz="1350" dirty="0">
+              <a:solidFill>
+                <a:schemeClr val="tx1"/>
+              </a:solidFill>
+            </a:endParaRPr>
+          </a:p>
+        </p:txBody>
+      </p:sp>
+      <p:sp>
+        <p:nvSpPr>
+          <p:cNvPr id="8" name="직사각형 7">
+            <a:extLst>
+              <a:ext uri="{FF2B5EF4-FFF2-40B4-BE49-F238E27FC236}">
+                <a16:creationId xmlns:a16="http://schemas.microsoft.com/office/drawing/2014/main" id="{09D12855-F99A-AEF1-4D80-B783BA92920B}"/>
+              </a:ext>
+            </a:extLst>
+          </p:cNvPr>
+          <p:cNvSpPr/>
+          <p:nvPr/>
+        </p:nvSpPr>
+        <p:spPr>
+          <a:xfrm>
+            <a:off x="747094" y="3019601"/>
+            <a:ext cx="11763815" cy="5471256"/>
+          </a:xfrm>
+          <a:prstGeom prst="rect">
+            <a:avLst/>
+          </a:prstGeom>
+          <a:noFill/>
+          <a:ln w="38100">
+            <a:solidFill>
+              <a:srgbClr val="FF0000"/>
+            </a:solidFill>
+          </a:ln>
+        </p:spPr>
+        <p:style>
+          <a:lnRef idx="2">
+            <a:schemeClr val="accent1">
+              <a:shade val="15000"/>
+            </a:schemeClr>
+          </a:lnRef>
+          <a:fillRef idx="1">
+            <a:schemeClr val="accent1"/>
+          </a:fillRef>
+          <a:effectRef idx="0">
+            <a:schemeClr val="accent1"/>
+          </a:effectRef>
+          <a:fontRef idx="minor">
+            <a:schemeClr val="lt1"/>
+          </a:fontRef>
+        </p:style>
+        <p:txBody>
+          <a:bodyPr rtlCol="0" anchor="ctr"/>
+          <a:lstStyle/>
+          <a:p>
+            <a:pPr algn="ctr"/>
+            <a:endParaRPr lang="ko-KR" altLang="en-US" sz="1350"/>
+          </a:p>
+        </p:txBody>
+      </p:sp>
+      <p:sp>
+        <p:nvSpPr>
+          <p:cNvPr id="9" name="타원 8">
+            <a:extLst>
+              <a:ext uri="{FF2B5EF4-FFF2-40B4-BE49-F238E27FC236}">
+                <a16:creationId xmlns:a16="http://schemas.microsoft.com/office/drawing/2014/main" id="{CC687F2A-7465-F8A8-4674-A33C24E36119}"/>
+              </a:ext>
+            </a:extLst>
+          </p:cNvPr>
+          <p:cNvSpPr/>
+          <p:nvPr/>
+        </p:nvSpPr>
+        <p:spPr>
+          <a:xfrm>
+            <a:off x="645781" y="2926080"/>
+            <a:ext cx="202628" cy="187042"/>
+          </a:xfrm>
+          <a:prstGeom prst="ellipse">
+            <a:avLst/>
+          </a:prstGeom>
+          <a:solidFill>
+            <a:schemeClr val="bg1"/>
+          </a:solidFill>
+          <a:ln w="38100">
+            <a:solidFill>
+              <a:srgbClr val="FF0000"/>
+            </a:solidFill>
+          </a:ln>
+        </p:spPr>
+        <p:style>
+          <a:lnRef idx="2">
+            <a:schemeClr val="accent1">
+              <a:shade val="15000"/>
+            </a:schemeClr>
+          </a:lnRef>
+          <a:fillRef idx="1">
+            <a:schemeClr val="accent1"/>
+          </a:fillRef>
+          <a:effectRef idx="0">
+            <a:schemeClr val="accent1"/>
+          </a:effectRef>
+          <a:fontRef idx="minor">
+            <a:schemeClr val="lt1"/>
+          </a:fontRef>
+        </p:style>
+        <p:txBody>
+          <a:bodyPr rtlCol="0" anchor="ctr"/>
+          <a:lstStyle/>
+          <a:p>
+            <a:pPr algn="ctr"/>
+            <a:r>
+              <a:rPr lang="en-US" altLang="ko-KR" sz="1350" dirty="0">
+                <a:solidFill>
+                  <a:schemeClr val="tx1"/>
+                </a:solidFill>
+              </a:rPr>
+              <a:t>2</a:t>
+            </a:r>
+            <a:endParaRPr lang="ko-KR" altLang="en-US" sz="1350" dirty="0">
+              <a:solidFill>
+                <a:schemeClr val="tx1"/>
+              </a:solidFill>
+            </a:endParaRPr>
+          </a:p>
+        </p:txBody>
+      </p:sp>
+    </p:spTree>
+    <p:extLst>
+      <p:ext uri="{BB962C8B-B14F-4D97-AF65-F5344CB8AC3E}">
+        <p14:creationId xmlns:p14="http://schemas.microsoft.com/office/powerpoint/2010/main" val="3351327628"/>
       </p:ext>
     </p:extLst>
   </p:cSld>
@@ -3433,8 +6657,8 @@
         </p:blipFill>
         <p:spPr>
           <a:xfrm>
-            <a:off x="501499" y="2543051"/>
-            <a:ext cx="5855001" cy="4819898"/>
+            <a:off x="4408309" y="3145484"/>
+            <a:ext cx="4391383" cy="3615032"/>
           </a:xfrm>
           <a:prstGeom prst="rect">
             <a:avLst/>
@@ -3455,8 +6679,8 @@
         </p:nvSpPr>
         <p:spPr>
           <a:xfrm>
-            <a:off x="1523999" y="4329545"/>
-            <a:ext cx="3913910" cy="1191491"/>
+            <a:off x="5175206" y="4485396"/>
+            <a:ext cx="2935521" cy="893645"/>
           </a:xfrm>
           <a:prstGeom prst="rect">
             <a:avLst/>
@@ -3489,7 +6713,7 @@
           <a:lstStyle/>
           <a:p>
             <a:pPr algn="ctr"/>
-            <a:endParaRPr lang="ko-KR" altLang="en-US"/>
+            <a:endParaRPr lang="ko-KR" altLang="en-US" sz="1350"/>
           </a:p>
         </p:txBody>
       </p:sp>
@@ -3507,8 +6731,8 @@
         </p:nvSpPr>
         <p:spPr>
           <a:xfrm>
-            <a:off x="1388917" y="4204854"/>
-            <a:ext cx="270163" cy="249382"/>
+            <a:off x="5073893" y="4391874"/>
+            <a:ext cx="202628" cy="187042"/>
           </a:xfrm>
           <a:prstGeom prst="ellipse">
             <a:avLst/>
@@ -3544,14 +6768,14 @@
           <a:p>
             <a:pPr algn="ctr"/>
             <a:r>
-              <a:rPr lang="en-US" altLang="ko-KR" dirty="0">
+              <a:rPr lang="en-US" altLang="ko-KR" sz="1350" dirty="0">
                 <a:solidFill>
                   <a:schemeClr val="tx1"/>
                 </a:solidFill>
               </a:rPr>
               <a:t>1</a:t>
             </a:r>
-            <a:endParaRPr lang="ko-KR" altLang="en-US" dirty="0">
+            <a:endParaRPr lang="ko-KR" altLang="en-US" sz="1350" dirty="0">
               <a:solidFill>
                 <a:schemeClr val="tx1"/>
               </a:solidFill>
@@ -3612,8 +6836,8 @@
         </p:blipFill>
         <p:spPr>
           <a:xfrm>
-            <a:off x="180109" y="2140527"/>
-            <a:ext cx="6497782" cy="5268456"/>
+            <a:off x="4167259" y="2843582"/>
+            <a:ext cx="4873483" cy="3951461"/>
           </a:xfrm>
           <a:prstGeom prst="rect">
             <a:avLst/>
@@ -3634,8 +6858,8 @@
         </p:nvSpPr>
         <p:spPr>
           <a:xfrm>
-            <a:off x="315191" y="4662056"/>
-            <a:ext cx="3730336" cy="893618"/>
+            <a:off x="4268573" y="4734785"/>
+            <a:ext cx="2797836" cy="670234"/>
           </a:xfrm>
           <a:prstGeom prst="rect">
             <a:avLst/>
@@ -3668,7 +6892,7 @@
           <a:lstStyle/>
           <a:p>
             <a:pPr algn="ctr"/>
-            <a:endParaRPr lang="ko-KR" altLang="en-US"/>
+            <a:endParaRPr lang="ko-KR" altLang="en-US" sz="1350"/>
           </a:p>
         </p:txBody>
       </p:sp>
@@ -3686,8 +6910,8 @@
         </p:nvSpPr>
         <p:spPr>
           <a:xfrm>
-            <a:off x="180109" y="4537364"/>
-            <a:ext cx="270163" cy="249382"/>
+            <a:off x="4167260" y="4641264"/>
+            <a:ext cx="202628" cy="187042"/>
           </a:xfrm>
           <a:prstGeom prst="ellipse">
             <a:avLst/>
@@ -3723,14 +6947,14 @@
           <a:p>
             <a:pPr algn="ctr"/>
             <a:r>
-              <a:rPr lang="en-US" altLang="ko-KR" dirty="0">
+              <a:rPr lang="en-US" altLang="ko-KR" sz="1350" dirty="0">
                 <a:solidFill>
                   <a:schemeClr val="tx1"/>
                 </a:solidFill>
               </a:rPr>
               <a:t>1</a:t>
             </a:r>
-            <a:endParaRPr lang="ko-KR" altLang="en-US" dirty="0">
+            <a:endParaRPr lang="ko-KR" altLang="en-US" sz="1350" dirty="0">
               <a:solidFill>
                 <a:schemeClr val="tx1"/>
               </a:solidFill>
@@ -3752,8 +6976,8 @@
         </p:nvSpPr>
         <p:spPr>
           <a:xfrm>
-            <a:off x="4045527" y="4662056"/>
-            <a:ext cx="1219200" cy="893618"/>
+            <a:off x="7066409" y="4734785"/>
+            <a:ext cx="914427" cy="670234"/>
           </a:xfrm>
           <a:prstGeom prst="rect">
             <a:avLst/>
@@ -3786,7 +7010,7 @@
           <a:lstStyle/>
           <a:p>
             <a:pPr algn="ctr"/>
-            <a:endParaRPr lang="ko-KR" altLang="en-US"/>
+            <a:endParaRPr lang="ko-KR" altLang="en-US" sz="1350"/>
           </a:p>
         </p:txBody>
       </p:sp>
@@ -3804,8 +7028,8 @@
         </p:nvSpPr>
         <p:spPr>
           <a:xfrm>
-            <a:off x="3910445" y="4537364"/>
-            <a:ext cx="270163" cy="249382"/>
+            <a:off x="6965096" y="4641264"/>
+            <a:ext cx="202628" cy="187042"/>
           </a:xfrm>
           <a:prstGeom prst="ellipse">
             <a:avLst/>
@@ -3841,14 +7065,14 @@
           <a:p>
             <a:pPr algn="ctr"/>
             <a:r>
-              <a:rPr lang="en-US" altLang="ko-KR" dirty="0">
+              <a:rPr lang="en-US" altLang="ko-KR" sz="1350" dirty="0">
                 <a:solidFill>
                   <a:schemeClr val="tx1"/>
                 </a:solidFill>
               </a:rPr>
               <a:t>2</a:t>
             </a:r>
-            <a:endParaRPr lang="ko-KR" altLang="en-US" dirty="0">
+            <a:endParaRPr lang="ko-KR" altLang="en-US" sz="1350" dirty="0">
               <a:solidFill>
                 <a:schemeClr val="tx1"/>
               </a:solidFill>
@@ -3870,8 +7094,8 @@
         </p:nvSpPr>
         <p:spPr>
           <a:xfrm>
-            <a:off x="5294168" y="4662056"/>
-            <a:ext cx="1219200" cy="893618"/>
+            <a:off x="8002918" y="4734785"/>
+            <a:ext cx="914427" cy="670234"/>
           </a:xfrm>
           <a:prstGeom prst="rect">
             <a:avLst/>
@@ -3904,7 +7128,7 @@
           <a:lstStyle/>
           <a:p>
             <a:pPr algn="ctr"/>
-            <a:endParaRPr lang="ko-KR" altLang="en-US"/>
+            <a:endParaRPr lang="ko-KR" altLang="en-US" sz="1350"/>
           </a:p>
         </p:txBody>
       </p:sp>
@@ -3922,8 +7146,8 @@
         </p:nvSpPr>
         <p:spPr>
           <a:xfrm>
-            <a:off x="5159086" y="4537364"/>
-            <a:ext cx="270163" cy="249382"/>
+            <a:off x="7901605" y="4641264"/>
+            <a:ext cx="202628" cy="187042"/>
           </a:xfrm>
           <a:prstGeom prst="ellipse">
             <a:avLst/>
@@ -3959,14 +7183,14 @@
           <a:p>
             <a:pPr algn="ctr"/>
             <a:r>
-              <a:rPr lang="en-US" altLang="ko-KR" dirty="0">
+              <a:rPr lang="en-US" altLang="ko-KR" sz="1350" dirty="0">
                 <a:solidFill>
                   <a:schemeClr val="tx1"/>
                 </a:solidFill>
               </a:rPr>
               <a:t>3</a:t>
             </a:r>
-            <a:endParaRPr lang="ko-KR" altLang="en-US" dirty="0">
+            <a:endParaRPr lang="ko-KR" altLang="en-US" sz="1350" dirty="0">
               <a:solidFill>
                 <a:schemeClr val="tx1"/>
               </a:solidFill>
@@ -3987,10 +7211,2868 @@
 </p:sld>
 </file>
 
+<file path=ppt/slides/slide4.xml><?xml version="1.0" encoding="utf-8"?>
+<p:sld xmlns:a="http://schemas.openxmlformats.org/drawingml/2006/main" xmlns:r="http://schemas.openxmlformats.org/officeDocument/2006/relationships" xmlns:p="http://schemas.openxmlformats.org/presentationml/2006/main">
+  <p:cSld>
+    <p:spTree>
+      <p:nvGrpSpPr>
+        <p:cNvPr id="1" name=""/>
+        <p:cNvGrpSpPr/>
+        <p:nvPr/>
+      </p:nvGrpSpPr>
+      <p:grpSpPr>
+        <a:xfrm>
+          <a:off x="0" y="0"/>
+          <a:ext cx="0" cy="0"/>
+          <a:chOff x="0" y="0"/>
+          <a:chExt cx="0" cy="0"/>
+        </a:xfrm>
+      </p:grpSpPr>
+      <p:pic>
+        <p:nvPicPr>
+          <p:cNvPr id="5" name="그림 4" descr="텍스트, 스크린샷, 문서, 폰트이(가) 표시된 사진&#10;&#10;AI 생성 콘텐츠는 정확하지 않을 수 있습니다.">
+            <a:extLst>
+              <a:ext uri="{FF2B5EF4-FFF2-40B4-BE49-F238E27FC236}">
+                <a16:creationId xmlns:a16="http://schemas.microsoft.com/office/drawing/2014/main" id="{EE4A2A09-B7BF-3266-520A-32FCBFDC1092}"/>
+              </a:ext>
+            </a:extLst>
+          </p:cNvPr>
+          <p:cNvPicPr>
+            <a:picLocks noChangeAspect="1"/>
+          </p:cNvPicPr>
+          <p:nvPr/>
+        </p:nvPicPr>
+        <p:blipFill>
+          <a:blip r:embed="rId2"/>
+          <a:stretch>
+            <a:fillRect/>
+          </a:stretch>
+        </p:blipFill>
+        <p:spPr>
+          <a:xfrm>
+            <a:off x="4439380" y="1644883"/>
+            <a:ext cx="1107469" cy="6616235"/>
+          </a:xfrm>
+          <a:prstGeom prst="rect">
+            <a:avLst/>
+          </a:prstGeom>
+        </p:spPr>
+      </p:pic>
+      <p:sp>
+        <p:nvSpPr>
+          <p:cNvPr id="6" name="직사각형 5">
+            <a:extLst>
+              <a:ext uri="{FF2B5EF4-FFF2-40B4-BE49-F238E27FC236}">
+                <a16:creationId xmlns:a16="http://schemas.microsoft.com/office/drawing/2014/main" id="{8A697A3F-8522-DFA8-4C53-186A7311AB37}"/>
+              </a:ext>
+            </a:extLst>
+          </p:cNvPr>
+          <p:cNvSpPr/>
+          <p:nvPr/>
+        </p:nvSpPr>
+        <p:spPr>
+          <a:xfrm>
+            <a:off x="4439380" y="2056448"/>
+            <a:ext cx="1107469" cy="2325036"/>
+          </a:xfrm>
+          <a:prstGeom prst="rect">
+            <a:avLst/>
+          </a:prstGeom>
+          <a:noFill/>
+          <a:ln w="38100">
+            <a:solidFill>
+              <a:srgbClr val="FF0000"/>
+            </a:solidFill>
+          </a:ln>
+        </p:spPr>
+        <p:style>
+          <a:lnRef idx="2">
+            <a:schemeClr val="accent1">
+              <a:shade val="15000"/>
+            </a:schemeClr>
+          </a:lnRef>
+          <a:fillRef idx="1">
+            <a:schemeClr val="accent1"/>
+          </a:fillRef>
+          <a:effectRef idx="0">
+            <a:schemeClr val="accent1"/>
+          </a:effectRef>
+          <a:fontRef idx="minor">
+            <a:schemeClr val="lt1"/>
+          </a:fontRef>
+        </p:style>
+        <p:txBody>
+          <a:bodyPr rtlCol="0" anchor="ctr"/>
+          <a:lstStyle/>
+          <a:p>
+            <a:pPr algn="ctr"/>
+            <a:endParaRPr lang="ko-KR" altLang="en-US" sz="1350"/>
+          </a:p>
+        </p:txBody>
+      </p:sp>
+      <p:sp>
+        <p:nvSpPr>
+          <p:cNvPr id="7" name="타원 6">
+            <a:extLst>
+              <a:ext uri="{FF2B5EF4-FFF2-40B4-BE49-F238E27FC236}">
+                <a16:creationId xmlns:a16="http://schemas.microsoft.com/office/drawing/2014/main" id="{42F4109A-8011-4A71-6D1F-D586BD43D87E}"/>
+              </a:ext>
+            </a:extLst>
+          </p:cNvPr>
+          <p:cNvSpPr/>
+          <p:nvPr/>
+        </p:nvSpPr>
+        <p:spPr>
+          <a:xfrm>
+            <a:off x="4338065" y="1962926"/>
+            <a:ext cx="202628" cy="187042"/>
+          </a:xfrm>
+          <a:prstGeom prst="ellipse">
+            <a:avLst/>
+          </a:prstGeom>
+          <a:solidFill>
+            <a:schemeClr val="bg1"/>
+          </a:solidFill>
+          <a:ln w="38100">
+            <a:solidFill>
+              <a:srgbClr val="FF0000"/>
+            </a:solidFill>
+          </a:ln>
+        </p:spPr>
+        <p:style>
+          <a:lnRef idx="2">
+            <a:schemeClr val="accent1">
+              <a:shade val="15000"/>
+            </a:schemeClr>
+          </a:lnRef>
+          <a:fillRef idx="1">
+            <a:schemeClr val="accent1"/>
+          </a:fillRef>
+          <a:effectRef idx="0">
+            <a:schemeClr val="accent1"/>
+          </a:effectRef>
+          <a:fontRef idx="minor">
+            <a:schemeClr val="lt1"/>
+          </a:fontRef>
+        </p:style>
+        <p:txBody>
+          <a:bodyPr rtlCol="0" anchor="ctr"/>
+          <a:lstStyle/>
+          <a:p>
+            <a:pPr algn="ctr"/>
+            <a:r>
+              <a:rPr lang="en-US" altLang="ko-KR" sz="1350" dirty="0">
+                <a:solidFill>
+                  <a:schemeClr val="tx1"/>
+                </a:solidFill>
+              </a:rPr>
+              <a:t>1</a:t>
+            </a:r>
+            <a:endParaRPr lang="ko-KR" altLang="en-US" sz="1350" dirty="0">
+              <a:solidFill>
+                <a:schemeClr val="tx1"/>
+              </a:solidFill>
+            </a:endParaRPr>
+          </a:p>
+        </p:txBody>
+      </p:sp>
+      <p:sp>
+        <p:nvSpPr>
+          <p:cNvPr id="8" name="직사각형 7">
+            <a:extLst>
+              <a:ext uri="{FF2B5EF4-FFF2-40B4-BE49-F238E27FC236}">
+                <a16:creationId xmlns:a16="http://schemas.microsoft.com/office/drawing/2014/main" id="{856B9411-8A8E-653A-B82D-646AE206B7F5}"/>
+              </a:ext>
+            </a:extLst>
+          </p:cNvPr>
+          <p:cNvSpPr/>
+          <p:nvPr/>
+        </p:nvSpPr>
+        <p:spPr>
+          <a:xfrm>
+            <a:off x="4439380" y="4381483"/>
+            <a:ext cx="1107469" cy="3300512"/>
+          </a:xfrm>
+          <a:prstGeom prst="rect">
+            <a:avLst/>
+          </a:prstGeom>
+          <a:noFill/>
+          <a:ln w="38100">
+            <a:solidFill>
+              <a:srgbClr val="FF0000"/>
+            </a:solidFill>
+          </a:ln>
+        </p:spPr>
+        <p:style>
+          <a:lnRef idx="2">
+            <a:schemeClr val="accent1">
+              <a:shade val="15000"/>
+            </a:schemeClr>
+          </a:lnRef>
+          <a:fillRef idx="1">
+            <a:schemeClr val="accent1"/>
+          </a:fillRef>
+          <a:effectRef idx="0">
+            <a:schemeClr val="accent1"/>
+          </a:effectRef>
+          <a:fontRef idx="minor">
+            <a:schemeClr val="lt1"/>
+          </a:fontRef>
+        </p:style>
+        <p:txBody>
+          <a:bodyPr rtlCol="0" anchor="ctr"/>
+          <a:lstStyle/>
+          <a:p>
+            <a:pPr algn="ctr"/>
+            <a:endParaRPr lang="ko-KR" altLang="en-US" sz="1350"/>
+          </a:p>
+        </p:txBody>
+      </p:sp>
+      <p:sp>
+        <p:nvSpPr>
+          <p:cNvPr id="9" name="타원 8">
+            <a:extLst>
+              <a:ext uri="{FF2B5EF4-FFF2-40B4-BE49-F238E27FC236}">
+                <a16:creationId xmlns:a16="http://schemas.microsoft.com/office/drawing/2014/main" id="{01203E21-A64E-81A5-2D79-9EB26B9CE001}"/>
+              </a:ext>
+            </a:extLst>
+          </p:cNvPr>
+          <p:cNvSpPr/>
+          <p:nvPr/>
+        </p:nvSpPr>
+        <p:spPr>
+          <a:xfrm>
+            <a:off x="4338065" y="4287962"/>
+            <a:ext cx="202628" cy="187042"/>
+          </a:xfrm>
+          <a:prstGeom prst="ellipse">
+            <a:avLst/>
+          </a:prstGeom>
+          <a:solidFill>
+            <a:schemeClr val="bg1"/>
+          </a:solidFill>
+          <a:ln w="38100">
+            <a:solidFill>
+              <a:srgbClr val="FF0000"/>
+            </a:solidFill>
+          </a:ln>
+        </p:spPr>
+        <p:style>
+          <a:lnRef idx="2">
+            <a:schemeClr val="accent1">
+              <a:shade val="15000"/>
+            </a:schemeClr>
+          </a:lnRef>
+          <a:fillRef idx="1">
+            <a:schemeClr val="accent1"/>
+          </a:fillRef>
+          <a:effectRef idx="0">
+            <a:schemeClr val="accent1"/>
+          </a:effectRef>
+          <a:fontRef idx="minor">
+            <a:schemeClr val="lt1"/>
+          </a:fontRef>
+        </p:style>
+        <p:txBody>
+          <a:bodyPr rtlCol="0" anchor="ctr"/>
+          <a:lstStyle/>
+          <a:p>
+            <a:pPr algn="ctr"/>
+            <a:r>
+              <a:rPr lang="en-US" altLang="ko-KR" sz="1350" dirty="0">
+                <a:solidFill>
+                  <a:schemeClr val="tx1"/>
+                </a:solidFill>
+              </a:rPr>
+              <a:t>2</a:t>
+            </a:r>
+            <a:endParaRPr lang="ko-KR" altLang="en-US" sz="1350" dirty="0">
+              <a:solidFill>
+                <a:schemeClr val="tx1"/>
+              </a:solidFill>
+            </a:endParaRPr>
+          </a:p>
+        </p:txBody>
+      </p:sp>
+      <p:sp>
+        <p:nvSpPr>
+          <p:cNvPr id="10" name="직사각형 9">
+            <a:extLst>
+              <a:ext uri="{FF2B5EF4-FFF2-40B4-BE49-F238E27FC236}">
+                <a16:creationId xmlns:a16="http://schemas.microsoft.com/office/drawing/2014/main" id="{4570B80F-6248-EC58-C4D8-942D65FAFB49}"/>
+              </a:ext>
+            </a:extLst>
+          </p:cNvPr>
+          <p:cNvSpPr/>
+          <p:nvPr/>
+        </p:nvSpPr>
+        <p:spPr>
+          <a:xfrm>
+            <a:off x="4439379" y="7687002"/>
+            <a:ext cx="1107469" cy="256073"/>
+          </a:xfrm>
+          <a:prstGeom prst="rect">
+            <a:avLst/>
+          </a:prstGeom>
+          <a:noFill/>
+          <a:ln w="38100">
+            <a:solidFill>
+              <a:srgbClr val="FF0000"/>
+            </a:solidFill>
+          </a:ln>
+        </p:spPr>
+        <p:style>
+          <a:lnRef idx="2">
+            <a:schemeClr val="accent1">
+              <a:shade val="15000"/>
+            </a:schemeClr>
+          </a:lnRef>
+          <a:fillRef idx="1">
+            <a:schemeClr val="accent1"/>
+          </a:fillRef>
+          <a:effectRef idx="0">
+            <a:schemeClr val="accent1"/>
+          </a:effectRef>
+          <a:fontRef idx="minor">
+            <a:schemeClr val="lt1"/>
+          </a:fontRef>
+        </p:style>
+        <p:txBody>
+          <a:bodyPr rtlCol="0" anchor="ctr"/>
+          <a:lstStyle/>
+          <a:p>
+            <a:pPr algn="ctr"/>
+            <a:endParaRPr lang="ko-KR" altLang="en-US" sz="1350"/>
+          </a:p>
+        </p:txBody>
+      </p:sp>
+      <p:sp>
+        <p:nvSpPr>
+          <p:cNvPr id="11" name="타원 10">
+            <a:extLst>
+              <a:ext uri="{FF2B5EF4-FFF2-40B4-BE49-F238E27FC236}">
+                <a16:creationId xmlns:a16="http://schemas.microsoft.com/office/drawing/2014/main" id="{8B14F199-7C0E-8503-7A7B-07A5FBF6A5B9}"/>
+              </a:ext>
+            </a:extLst>
+          </p:cNvPr>
+          <p:cNvSpPr/>
+          <p:nvPr/>
+        </p:nvSpPr>
+        <p:spPr>
+          <a:xfrm>
+            <a:off x="4338065" y="7593481"/>
+            <a:ext cx="202628" cy="187042"/>
+          </a:xfrm>
+          <a:prstGeom prst="ellipse">
+            <a:avLst/>
+          </a:prstGeom>
+          <a:solidFill>
+            <a:schemeClr val="bg1"/>
+          </a:solidFill>
+          <a:ln w="38100">
+            <a:solidFill>
+              <a:srgbClr val="FF0000"/>
+            </a:solidFill>
+          </a:ln>
+        </p:spPr>
+        <p:style>
+          <a:lnRef idx="2">
+            <a:schemeClr val="accent1">
+              <a:shade val="15000"/>
+            </a:schemeClr>
+          </a:lnRef>
+          <a:fillRef idx="1">
+            <a:schemeClr val="accent1"/>
+          </a:fillRef>
+          <a:effectRef idx="0">
+            <a:schemeClr val="accent1"/>
+          </a:effectRef>
+          <a:fontRef idx="minor">
+            <a:schemeClr val="lt1"/>
+          </a:fontRef>
+        </p:style>
+        <p:txBody>
+          <a:bodyPr rtlCol="0" anchor="ctr"/>
+          <a:lstStyle/>
+          <a:p>
+            <a:pPr algn="ctr"/>
+            <a:r>
+              <a:rPr lang="en-US" altLang="ko-KR" sz="1350" dirty="0">
+                <a:solidFill>
+                  <a:schemeClr val="tx1"/>
+                </a:solidFill>
+              </a:rPr>
+              <a:t>3</a:t>
+            </a:r>
+            <a:endParaRPr lang="ko-KR" altLang="en-US" sz="1350" dirty="0">
+              <a:solidFill>
+                <a:schemeClr val="tx1"/>
+              </a:solidFill>
+            </a:endParaRPr>
+          </a:p>
+        </p:txBody>
+      </p:sp>
+      <p:sp>
+        <p:nvSpPr>
+          <p:cNvPr id="2" name="직사각형 1">
+            <a:extLst>
+              <a:ext uri="{FF2B5EF4-FFF2-40B4-BE49-F238E27FC236}">
+                <a16:creationId xmlns:a16="http://schemas.microsoft.com/office/drawing/2014/main" id="{80CDE295-4849-C806-4F36-9BDCD48E12BE}"/>
+              </a:ext>
+            </a:extLst>
+          </p:cNvPr>
+          <p:cNvSpPr/>
+          <p:nvPr/>
+        </p:nvSpPr>
+        <p:spPr>
+          <a:xfrm>
+            <a:off x="4439378" y="7967565"/>
+            <a:ext cx="1107469" cy="256073"/>
+          </a:xfrm>
+          <a:prstGeom prst="rect">
+            <a:avLst/>
+          </a:prstGeom>
+          <a:noFill/>
+          <a:ln w="38100">
+            <a:solidFill>
+              <a:srgbClr val="FF0000"/>
+            </a:solidFill>
+          </a:ln>
+        </p:spPr>
+        <p:style>
+          <a:lnRef idx="2">
+            <a:schemeClr val="accent1">
+              <a:shade val="15000"/>
+            </a:schemeClr>
+          </a:lnRef>
+          <a:fillRef idx="1">
+            <a:schemeClr val="accent1"/>
+          </a:fillRef>
+          <a:effectRef idx="0">
+            <a:schemeClr val="accent1"/>
+          </a:effectRef>
+          <a:fontRef idx="minor">
+            <a:schemeClr val="lt1"/>
+          </a:fontRef>
+        </p:style>
+        <p:txBody>
+          <a:bodyPr rtlCol="0" anchor="ctr"/>
+          <a:lstStyle/>
+          <a:p>
+            <a:pPr algn="ctr"/>
+            <a:endParaRPr lang="ko-KR" altLang="en-US" sz="1350"/>
+          </a:p>
+        </p:txBody>
+      </p:sp>
+      <p:sp>
+        <p:nvSpPr>
+          <p:cNvPr id="3" name="타원 2">
+            <a:extLst>
+              <a:ext uri="{FF2B5EF4-FFF2-40B4-BE49-F238E27FC236}">
+                <a16:creationId xmlns:a16="http://schemas.microsoft.com/office/drawing/2014/main" id="{ECD37E01-B983-AA14-4469-5FB713B54FC9}"/>
+              </a:ext>
+            </a:extLst>
+          </p:cNvPr>
+          <p:cNvSpPr/>
+          <p:nvPr/>
+        </p:nvSpPr>
+        <p:spPr>
+          <a:xfrm>
+            <a:off x="4338064" y="7874044"/>
+            <a:ext cx="202628" cy="187042"/>
+          </a:xfrm>
+          <a:prstGeom prst="ellipse">
+            <a:avLst/>
+          </a:prstGeom>
+          <a:solidFill>
+            <a:schemeClr val="bg1"/>
+          </a:solidFill>
+          <a:ln w="38100">
+            <a:solidFill>
+              <a:srgbClr val="FF0000"/>
+            </a:solidFill>
+          </a:ln>
+        </p:spPr>
+        <p:style>
+          <a:lnRef idx="2">
+            <a:schemeClr val="accent1">
+              <a:shade val="15000"/>
+            </a:schemeClr>
+          </a:lnRef>
+          <a:fillRef idx="1">
+            <a:schemeClr val="accent1"/>
+          </a:fillRef>
+          <a:effectRef idx="0">
+            <a:schemeClr val="accent1"/>
+          </a:effectRef>
+          <a:fontRef idx="minor">
+            <a:schemeClr val="lt1"/>
+          </a:fontRef>
+        </p:style>
+        <p:txBody>
+          <a:bodyPr rtlCol="0" anchor="ctr"/>
+          <a:lstStyle/>
+          <a:p>
+            <a:pPr algn="ctr"/>
+            <a:r>
+              <a:rPr lang="en-US" altLang="ko-KR" sz="1350" dirty="0">
+                <a:solidFill>
+                  <a:schemeClr val="tx1"/>
+                </a:solidFill>
+              </a:rPr>
+              <a:t>4</a:t>
+            </a:r>
+            <a:endParaRPr lang="ko-KR" altLang="en-US" sz="1350" dirty="0">
+              <a:solidFill>
+                <a:schemeClr val="tx1"/>
+              </a:solidFill>
+            </a:endParaRPr>
+          </a:p>
+        </p:txBody>
+      </p:sp>
+      <p:sp>
+        <p:nvSpPr>
+          <p:cNvPr id="4" name="직사각형 3">
+            <a:extLst>
+              <a:ext uri="{FF2B5EF4-FFF2-40B4-BE49-F238E27FC236}">
+                <a16:creationId xmlns:a16="http://schemas.microsoft.com/office/drawing/2014/main" id="{B8F4168F-A628-889B-0FC1-714D484616FB}"/>
+              </a:ext>
+            </a:extLst>
+          </p:cNvPr>
+          <p:cNvSpPr/>
+          <p:nvPr/>
+        </p:nvSpPr>
+        <p:spPr>
+          <a:xfrm>
+            <a:off x="5334728" y="1682363"/>
+            <a:ext cx="313436" cy="280564"/>
+          </a:xfrm>
+          <a:prstGeom prst="rect">
+            <a:avLst/>
+          </a:prstGeom>
+          <a:noFill/>
+          <a:ln w="38100">
+            <a:solidFill>
+              <a:srgbClr val="FF0000"/>
+            </a:solidFill>
+          </a:ln>
+        </p:spPr>
+        <p:style>
+          <a:lnRef idx="2">
+            <a:schemeClr val="accent1">
+              <a:shade val="15000"/>
+            </a:schemeClr>
+          </a:lnRef>
+          <a:fillRef idx="1">
+            <a:schemeClr val="accent1"/>
+          </a:fillRef>
+          <a:effectRef idx="0">
+            <a:schemeClr val="accent1"/>
+          </a:effectRef>
+          <a:fontRef idx="minor">
+            <a:schemeClr val="lt1"/>
+          </a:fontRef>
+        </p:style>
+        <p:txBody>
+          <a:bodyPr rtlCol="0" anchor="ctr"/>
+          <a:lstStyle/>
+          <a:p>
+            <a:pPr algn="ctr"/>
+            <a:endParaRPr lang="ko-KR" altLang="en-US" sz="1350"/>
+          </a:p>
+        </p:txBody>
+      </p:sp>
+      <p:sp>
+        <p:nvSpPr>
+          <p:cNvPr id="12" name="타원 11">
+            <a:extLst>
+              <a:ext uri="{FF2B5EF4-FFF2-40B4-BE49-F238E27FC236}">
+                <a16:creationId xmlns:a16="http://schemas.microsoft.com/office/drawing/2014/main" id="{BA6DCBC2-5E6D-4FFD-BBC2-9FB2D62C4117}"/>
+              </a:ext>
+            </a:extLst>
+          </p:cNvPr>
+          <p:cNvSpPr/>
+          <p:nvPr/>
+        </p:nvSpPr>
+        <p:spPr>
+          <a:xfrm>
+            <a:off x="5233415" y="1613332"/>
+            <a:ext cx="202628" cy="187042"/>
+          </a:xfrm>
+          <a:prstGeom prst="ellipse">
+            <a:avLst/>
+          </a:prstGeom>
+          <a:solidFill>
+            <a:schemeClr val="bg1"/>
+          </a:solidFill>
+          <a:ln w="38100">
+            <a:solidFill>
+              <a:srgbClr val="FF0000"/>
+            </a:solidFill>
+          </a:ln>
+        </p:spPr>
+        <p:style>
+          <a:lnRef idx="2">
+            <a:schemeClr val="accent1">
+              <a:shade val="15000"/>
+            </a:schemeClr>
+          </a:lnRef>
+          <a:fillRef idx="1">
+            <a:schemeClr val="accent1"/>
+          </a:fillRef>
+          <a:effectRef idx="0">
+            <a:schemeClr val="accent1"/>
+          </a:effectRef>
+          <a:fontRef idx="minor">
+            <a:schemeClr val="lt1"/>
+          </a:fontRef>
+        </p:style>
+        <p:txBody>
+          <a:bodyPr rtlCol="0" anchor="ctr"/>
+          <a:lstStyle/>
+          <a:p>
+            <a:pPr algn="ctr"/>
+            <a:r>
+              <a:rPr lang="en-US" altLang="ko-KR" sz="1350" dirty="0">
+                <a:solidFill>
+                  <a:schemeClr val="tx1"/>
+                </a:solidFill>
+              </a:rPr>
+              <a:t>5</a:t>
+            </a:r>
+            <a:endParaRPr lang="ko-KR" altLang="en-US" sz="1350" dirty="0">
+              <a:solidFill>
+                <a:schemeClr val="tx1"/>
+              </a:solidFill>
+            </a:endParaRPr>
+          </a:p>
+        </p:txBody>
+      </p:sp>
+    </p:spTree>
+    <p:extLst>
+      <p:ext uri="{BB962C8B-B14F-4D97-AF65-F5344CB8AC3E}">
+        <p14:creationId xmlns:p14="http://schemas.microsoft.com/office/powerpoint/2010/main" val="73004424"/>
+      </p:ext>
+    </p:extLst>
+  </p:cSld>
+  <p:clrMapOvr>
+    <a:masterClrMapping/>
+  </p:clrMapOvr>
+</p:sld>
+</file>
+
+<file path=ppt/slides/slide5.xml><?xml version="1.0" encoding="utf-8"?>
+<p:sld xmlns:a="http://schemas.openxmlformats.org/drawingml/2006/main" xmlns:r="http://schemas.openxmlformats.org/officeDocument/2006/relationships" xmlns:p="http://schemas.openxmlformats.org/presentationml/2006/main">
+  <p:cSld>
+    <p:spTree>
+      <p:nvGrpSpPr>
+        <p:cNvPr id="1" name=""/>
+        <p:cNvGrpSpPr/>
+        <p:nvPr/>
+      </p:nvGrpSpPr>
+      <p:grpSpPr>
+        <a:xfrm>
+          <a:off x="0" y="0"/>
+          <a:ext cx="0" cy="0"/>
+          <a:chOff x="0" y="0"/>
+          <a:chExt cx="0" cy="0"/>
+        </a:xfrm>
+      </p:grpSpPr>
+      <p:pic>
+        <p:nvPicPr>
+          <p:cNvPr id="5" name="그림 4" descr="텍스트, 스크린샷, 멀티미디어 소프트웨어, 소프트웨어이(가) 표시된 사진&#10;&#10;AI 생성 콘텐츠는 정확하지 않을 수 있습니다.">
+            <a:extLst>
+              <a:ext uri="{FF2B5EF4-FFF2-40B4-BE49-F238E27FC236}">
+                <a16:creationId xmlns:a16="http://schemas.microsoft.com/office/drawing/2014/main" id="{262F0085-EDA5-CAEC-D3C2-363B704BD096}"/>
+              </a:ext>
+            </a:extLst>
+          </p:cNvPr>
+          <p:cNvPicPr>
+            <a:picLocks noChangeAspect="1"/>
+          </p:cNvPicPr>
+          <p:nvPr/>
+        </p:nvPicPr>
+        <p:blipFill>
+          <a:blip r:embed="rId2"/>
+          <a:stretch>
+            <a:fillRect/>
+          </a:stretch>
+        </p:blipFill>
+        <p:spPr>
+          <a:xfrm>
+            <a:off x="3255988" y="2924115"/>
+            <a:ext cx="6348477" cy="3026234"/>
+          </a:xfrm>
+          <a:prstGeom prst="rect">
+            <a:avLst/>
+          </a:prstGeom>
+        </p:spPr>
+      </p:pic>
+    </p:spTree>
+    <p:extLst>
+      <p:ext uri="{BB962C8B-B14F-4D97-AF65-F5344CB8AC3E}">
+        <p14:creationId xmlns:p14="http://schemas.microsoft.com/office/powerpoint/2010/main" val="3905117137"/>
+      </p:ext>
+    </p:extLst>
+  </p:cSld>
+  <p:clrMapOvr>
+    <a:masterClrMapping/>
+  </p:clrMapOvr>
+</p:sld>
+</file>
+
+<file path=ppt/slides/slide6.xml><?xml version="1.0" encoding="utf-8"?>
+<p:sld xmlns:a="http://schemas.openxmlformats.org/drawingml/2006/main" xmlns:r="http://schemas.openxmlformats.org/officeDocument/2006/relationships" xmlns:p="http://schemas.openxmlformats.org/presentationml/2006/main">
+  <p:cSld>
+    <p:spTree>
+      <p:nvGrpSpPr>
+        <p:cNvPr id="1" name=""/>
+        <p:cNvGrpSpPr/>
+        <p:nvPr/>
+      </p:nvGrpSpPr>
+      <p:grpSpPr>
+        <a:xfrm>
+          <a:off x="0" y="0"/>
+          <a:ext cx="0" cy="0"/>
+          <a:chOff x="0" y="0"/>
+          <a:chExt cx="0" cy="0"/>
+        </a:xfrm>
+      </p:grpSpPr>
+      <p:pic>
+        <p:nvPicPr>
+          <p:cNvPr id="5" name="그림 4" descr="텍스트, 스크린샷, 소프트웨어, 번호이(가) 표시된 사진&#10;&#10;AI 생성 콘텐츠는 정확하지 않을 수 있습니다.">
+            <a:extLst>
+              <a:ext uri="{FF2B5EF4-FFF2-40B4-BE49-F238E27FC236}">
+                <a16:creationId xmlns:a16="http://schemas.microsoft.com/office/drawing/2014/main" id="{28E1A2F4-6C94-51D2-9255-12F65B08A70F}"/>
+              </a:ext>
+            </a:extLst>
+          </p:cNvPr>
+          <p:cNvPicPr>
+            <a:picLocks noChangeAspect="1"/>
+          </p:cNvPicPr>
+          <p:nvPr/>
+        </p:nvPicPr>
+        <p:blipFill>
+          <a:blip r:embed="rId2"/>
+          <a:stretch>
+            <a:fillRect/>
+          </a:stretch>
+        </p:blipFill>
+        <p:spPr>
+          <a:xfrm>
+            <a:off x="4107834" y="3605405"/>
+            <a:ext cx="5042341" cy="2695191"/>
+          </a:xfrm>
+          <a:prstGeom prst="rect">
+            <a:avLst/>
+          </a:prstGeom>
+        </p:spPr>
+      </p:pic>
+      <p:sp>
+        <p:nvSpPr>
+          <p:cNvPr id="7" name="직사각형 6">
+            <a:extLst>
+              <a:ext uri="{FF2B5EF4-FFF2-40B4-BE49-F238E27FC236}">
+                <a16:creationId xmlns:a16="http://schemas.microsoft.com/office/drawing/2014/main" id="{712C01D6-1377-292B-921C-66B08CA0092A}"/>
+              </a:ext>
+            </a:extLst>
+          </p:cNvPr>
+          <p:cNvSpPr/>
+          <p:nvPr/>
+        </p:nvSpPr>
+        <p:spPr>
+          <a:xfrm>
+            <a:off x="4107834" y="3970382"/>
+            <a:ext cx="1353133" cy="325374"/>
+          </a:xfrm>
+          <a:prstGeom prst="rect">
+            <a:avLst/>
+          </a:prstGeom>
+          <a:noFill/>
+          <a:ln w="38100">
+            <a:solidFill>
+              <a:srgbClr val="FF0000"/>
+            </a:solidFill>
+          </a:ln>
+        </p:spPr>
+        <p:style>
+          <a:lnRef idx="2">
+            <a:schemeClr val="accent1">
+              <a:shade val="15000"/>
+            </a:schemeClr>
+          </a:lnRef>
+          <a:fillRef idx="1">
+            <a:schemeClr val="accent1"/>
+          </a:fillRef>
+          <a:effectRef idx="0">
+            <a:schemeClr val="accent1"/>
+          </a:effectRef>
+          <a:fontRef idx="minor">
+            <a:schemeClr val="lt1"/>
+          </a:fontRef>
+        </p:style>
+        <p:txBody>
+          <a:bodyPr rtlCol="0" anchor="ctr"/>
+          <a:lstStyle/>
+          <a:p>
+            <a:pPr algn="ctr"/>
+            <a:endParaRPr lang="ko-KR" altLang="en-US" sz="1350"/>
+          </a:p>
+        </p:txBody>
+      </p:sp>
+      <p:sp>
+        <p:nvSpPr>
+          <p:cNvPr id="8" name="타원 7">
+            <a:extLst>
+              <a:ext uri="{FF2B5EF4-FFF2-40B4-BE49-F238E27FC236}">
+                <a16:creationId xmlns:a16="http://schemas.microsoft.com/office/drawing/2014/main" id="{CE0CE036-E1E8-9992-5DA5-56831FC28417}"/>
+              </a:ext>
+            </a:extLst>
+          </p:cNvPr>
+          <p:cNvSpPr/>
+          <p:nvPr/>
+        </p:nvSpPr>
+        <p:spPr>
+          <a:xfrm>
+            <a:off x="4057828" y="3889866"/>
+            <a:ext cx="202628" cy="187042"/>
+          </a:xfrm>
+          <a:prstGeom prst="ellipse">
+            <a:avLst/>
+          </a:prstGeom>
+          <a:solidFill>
+            <a:schemeClr val="bg1"/>
+          </a:solidFill>
+          <a:ln w="38100">
+            <a:solidFill>
+              <a:srgbClr val="FF0000"/>
+            </a:solidFill>
+          </a:ln>
+        </p:spPr>
+        <p:style>
+          <a:lnRef idx="2">
+            <a:schemeClr val="accent1">
+              <a:shade val="15000"/>
+            </a:schemeClr>
+          </a:lnRef>
+          <a:fillRef idx="1">
+            <a:schemeClr val="accent1"/>
+          </a:fillRef>
+          <a:effectRef idx="0">
+            <a:schemeClr val="accent1"/>
+          </a:effectRef>
+          <a:fontRef idx="minor">
+            <a:schemeClr val="lt1"/>
+          </a:fontRef>
+        </p:style>
+        <p:txBody>
+          <a:bodyPr rtlCol="0" anchor="ctr"/>
+          <a:lstStyle/>
+          <a:p>
+            <a:pPr algn="ctr"/>
+            <a:r>
+              <a:rPr lang="en-US" altLang="ko-KR" sz="1350" dirty="0">
+                <a:solidFill>
+                  <a:schemeClr val="tx1"/>
+                </a:solidFill>
+              </a:rPr>
+              <a:t>1</a:t>
+            </a:r>
+            <a:endParaRPr lang="ko-KR" altLang="en-US" sz="1350" dirty="0">
+              <a:solidFill>
+                <a:schemeClr val="tx1"/>
+              </a:solidFill>
+            </a:endParaRPr>
+          </a:p>
+        </p:txBody>
+      </p:sp>
+      <p:sp>
+        <p:nvSpPr>
+          <p:cNvPr id="9" name="직사각형 8">
+            <a:extLst>
+              <a:ext uri="{FF2B5EF4-FFF2-40B4-BE49-F238E27FC236}">
+                <a16:creationId xmlns:a16="http://schemas.microsoft.com/office/drawing/2014/main" id="{F4C5CEDA-C63D-E5A8-BF2E-317C74F484DF}"/>
+              </a:ext>
+            </a:extLst>
+          </p:cNvPr>
+          <p:cNvSpPr/>
+          <p:nvPr/>
+        </p:nvSpPr>
+        <p:spPr>
+          <a:xfrm>
+            <a:off x="5460966" y="4041497"/>
+            <a:ext cx="364342" cy="231854"/>
+          </a:xfrm>
+          <a:prstGeom prst="rect">
+            <a:avLst/>
+          </a:prstGeom>
+          <a:noFill/>
+          <a:ln w="38100">
+            <a:solidFill>
+              <a:srgbClr val="FF0000"/>
+            </a:solidFill>
+          </a:ln>
+        </p:spPr>
+        <p:style>
+          <a:lnRef idx="2">
+            <a:schemeClr val="accent1">
+              <a:shade val="15000"/>
+            </a:schemeClr>
+          </a:lnRef>
+          <a:fillRef idx="1">
+            <a:schemeClr val="accent1"/>
+          </a:fillRef>
+          <a:effectRef idx="0">
+            <a:schemeClr val="accent1"/>
+          </a:effectRef>
+          <a:fontRef idx="minor">
+            <a:schemeClr val="lt1"/>
+          </a:fontRef>
+        </p:style>
+        <p:txBody>
+          <a:bodyPr rtlCol="0" anchor="ctr"/>
+          <a:lstStyle/>
+          <a:p>
+            <a:pPr algn="ctr"/>
+            <a:endParaRPr lang="ko-KR" altLang="en-US" sz="1350"/>
+          </a:p>
+        </p:txBody>
+      </p:sp>
+      <p:sp>
+        <p:nvSpPr>
+          <p:cNvPr id="10" name="타원 9">
+            <a:extLst>
+              <a:ext uri="{FF2B5EF4-FFF2-40B4-BE49-F238E27FC236}">
+                <a16:creationId xmlns:a16="http://schemas.microsoft.com/office/drawing/2014/main" id="{5CBCB0EF-22FB-E078-21C1-0E0AFBC14ACD}"/>
+              </a:ext>
+            </a:extLst>
+          </p:cNvPr>
+          <p:cNvSpPr/>
+          <p:nvPr/>
+        </p:nvSpPr>
+        <p:spPr>
+          <a:xfrm>
+            <a:off x="5359652" y="3948624"/>
+            <a:ext cx="202628" cy="187042"/>
+          </a:xfrm>
+          <a:prstGeom prst="ellipse">
+            <a:avLst/>
+          </a:prstGeom>
+          <a:solidFill>
+            <a:schemeClr val="bg1"/>
+          </a:solidFill>
+          <a:ln w="38100">
+            <a:solidFill>
+              <a:srgbClr val="FF0000"/>
+            </a:solidFill>
+          </a:ln>
+        </p:spPr>
+        <p:style>
+          <a:lnRef idx="2">
+            <a:schemeClr val="accent1">
+              <a:shade val="15000"/>
+            </a:schemeClr>
+          </a:lnRef>
+          <a:fillRef idx="1">
+            <a:schemeClr val="accent1"/>
+          </a:fillRef>
+          <a:effectRef idx="0">
+            <a:schemeClr val="accent1"/>
+          </a:effectRef>
+          <a:fontRef idx="minor">
+            <a:schemeClr val="lt1"/>
+          </a:fontRef>
+        </p:style>
+        <p:txBody>
+          <a:bodyPr rtlCol="0" anchor="ctr"/>
+          <a:lstStyle/>
+          <a:p>
+            <a:pPr algn="ctr"/>
+            <a:r>
+              <a:rPr lang="en-US" altLang="ko-KR" sz="1350" dirty="0">
+                <a:solidFill>
+                  <a:schemeClr val="tx1"/>
+                </a:solidFill>
+              </a:rPr>
+              <a:t>2</a:t>
+            </a:r>
+            <a:endParaRPr lang="ko-KR" altLang="en-US" sz="1350" dirty="0">
+              <a:solidFill>
+                <a:schemeClr val="tx1"/>
+              </a:solidFill>
+            </a:endParaRPr>
+          </a:p>
+        </p:txBody>
+      </p:sp>
+      <p:sp>
+        <p:nvSpPr>
+          <p:cNvPr id="11" name="직사각형 10">
+            <a:extLst>
+              <a:ext uri="{FF2B5EF4-FFF2-40B4-BE49-F238E27FC236}">
+                <a16:creationId xmlns:a16="http://schemas.microsoft.com/office/drawing/2014/main" id="{6970276C-FFD7-BA2C-A230-10D6B6093F2C}"/>
+              </a:ext>
+            </a:extLst>
+          </p:cNvPr>
+          <p:cNvSpPr/>
+          <p:nvPr/>
+        </p:nvSpPr>
+        <p:spPr>
+          <a:xfrm>
+            <a:off x="4107834" y="4295867"/>
+            <a:ext cx="5067995" cy="1957336"/>
+          </a:xfrm>
+          <a:prstGeom prst="rect">
+            <a:avLst/>
+          </a:prstGeom>
+          <a:noFill/>
+          <a:ln w="38100">
+            <a:solidFill>
+              <a:srgbClr val="FF0000"/>
+            </a:solidFill>
+          </a:ln>
+        </p:spPr>
+        <p:style>
+          <a:lnRef idx="2">
+            <a:schemeClr val="accent1">
+              <a:shade val="15000"/>
+            </a:schemeClr>
+          </a:lnRef>
+          <a:fillRef idx="1">
+            <a:schemeClr val="accent1"/>
+          </a:fillRef>
+          <a:effectRef idx="0">
+            <a:schemeClr val="accent1"/>
+          </a:effectRef>
+          <a:fontRef idx="minor">
+            <a:schemeClr val="lt1"/>
+          </a:fontRef>
+        </p:style>
+        <p:txBody>
+          <a:bodyPr rtlCol="0" anchor="ctr"/>
+          <a:lstStyle/>
+          <a:p>
+            <a:pPr algn="ctr"/>
+            <a:endParaRPr lang="ko-KR" altLang="en-US" sz="1350"/>
+          </a:p>
+        </p:txBody>
+      </p:sp>
+      <p:sp>
+        <p:nvSpPr>
+          <p:cNvPr id="12" name="타원 11">
+            <a:extLst>
+              <a:ext uri="{FF2B5EF4-FFF2-40B4-BE49-F238E27FC236}">
+                <a16:creationId xmlns:a16="http://schemas.microsoft.com/office/drawing/2014/main" id="{26F8CB8D-83CD-3E65-08B0-4093C6D8A147}"/>
+              </a:ext>
+            </a:extLst>
+          </p:cNvPr>
+          <p:cNvSpPr/>
+          <p:nvPr/>
+        </p:nvSpPr>
+        <p:spPr>
+          <a:xfrm>
+            <a:off x="4057828" y="4202290"/>
+            <a:ext cx="202628" cy="187042"/>
+          </a:xfrm>
+          <a:prstGeom prst="ellipse">
+            <a:avLst/>
+          </a:prstGeom>
+          <a:solidFill>
+            <a:schemeClr val="bg1"/>
+          </a:solidFill>
+          <a:ln w="38100">
+            <a:solidFill>
+              <a:srgbClr val="FF0000"/>
+            </a:solidFill>
+          </a:ln>
+        </p:spPr>
+        <p:style>
+          <a:lnRef idx="2">
+            <a:schemeClr val="accent1">
+              <a:shade val="15000"/>
+            </a:schemeClr>
+          </a:lnRef>
+          <a:fillRef idx="1">
+            <a:schemeClr val="accent1"/>
+          </a:fillRef>
+          <a:effectRef idx="0">
+            <a:schemeClr val="accent1"/>
+          </a:effectRef>
+          <a:fontRef idx="minor">
+            <a:schemeClr val="lt1"/>
+          </a:fontRef>
+        </p:style>
+        <p:txBody>
+          <a:bodyPr rtlCol="0" anchor="ctr"/>
+          <a:lstStyle/>
+          <a:p>
+            <a:pPr algn="ctr"/>
+            <a:r>
+              <a:rPr lang="en-US" altLang="ko-KR" sz="1350" dirty="0">
+                <a:solidFill>
+                  <a:schemeClr val="tx1"/>
+                </a:solidFill>
+              </a:rPr>
+              <a:t>3</a:t>
+            </a:r>
+            <a:endParaRPr lang="ko-KR" altLang="en-US" sz="1350" dirty="0">
+              <a:solidFill>
+                <a:schemeClr val="tx1"/>
+              </a:solidFill>
+            </a:endParaRPr>
+          </a:p>
+        </p:txBody>
+      </p:sp>
+    </p:spTree>
+    <p:extLst>
+      <p:ext uri="{BB962C8B-B14F-4D97-AF65-F5344CB8AC3E}">
+        <p14:creationId xmlns:p14="http://schemas.microsoft.com/office/powerpoint/2010/main" val="658495966"/>
+      </p:ext>
+    </p:extLst>
+  </p:cSld>
+  <p:clrMapOvr>
+    <a:masterClrMapping/>
+  </p:clrMapOvr>
+</p:sld>
+</file>
+
+<file path=ppt/slides/slide7.xml><?xml version="1.0" encoding="utf-8"?>
+<p:sld xmlns:a="http://schemas.openxmlformats.org/drawingml/2006/main" xmlns:r="http://schemas.openxmlformats.org/officeDocument/2006/relationships" xmlns:p="http://schemas.openxmlformats.org/presentationml/2006/main">
+  <p:cSld>
+    <p:bg>
+      <p:bgPr>
+        <a:solidFill>
+          <a:schemeClr val="bg1"/>
+        </a:solidFill>
+        <a:effectLst/>
+      </p:bgPr>
+    </p:bg>
+    <p:spTree>
+      <p:nvGrpSpPr>
+        <p:cNvPr id="1" name=""/>
+        <p:cNvGrpSpPr/>
+        <p:nvPr/>
+      </p:nvGrpSpPr>
+      <p:grpSpPr>
+        <a:xfrm>
+          <a:off x="0" y="0"/>
+          <a:ext cx="0" cy="0"/>
+          <a:chOff x="0" y="0"/>
+          <a:chExt cx="0" cy="0"/>
+        </a:xfrm>
+      </p:grpSpPr>
+      <p:pic>
+        <p:nvPicPr>
+          <p:cNvPr id="5" name="그림 4" descr="텍스트, 스크린샷, 소프트웨어, 도표이(가) 표시된 사진&#10;&#10;AI 생성 콘텐츠는 정확하지 않을 수 있습니다.">
+            <a:extLst>
+              <a:ext uri="{FF2B5EF4-FFF2-40B4-BE49-F238E27FC236}">
+                <a16:creationId xmlns:a16="http://schemas.microsoft.com/office/drawing/2014/main" id="{09B6FEE3-7C62-4464-864C-C81B2C439152}"/>
+              </a:ext>
+            </a:extLst>
+          </p:cNvPr>
+          <p:cNvPicPr>
+            <a:picLocks noChangeAspect="1"/>
+          </p:cNvPicPr>
+          <p:nvPr/>
+        </p:nvPicPr>
+        <p:blipFill>
+          <a:blip r:embed="rId2"/>
+          <a:stretch>
+            <a:fillRect/>
+          </a:stretch>
+        </p:blipFill>
+        <p:spPr>
+          <a:xfrm>
+            <a:off x="697089" y="1645128"/>
+            <a:ext cx="11813821" cy="6615740"/>
+          </a:xfrm>
+          <a:prstGeom prst="rect">
+            <a:avLst/>
+          </a:prstGeom>
+        </p:spPr>
+      </p:pic>
+      <p:sp>
+        <p:nvSpPr>
+          <p:cNvPr id="6" name="직사각형 5">
+            <a:extLst>
+              <a:ext uri="{FF2B5EF4-FFF2-40B4-BE49-F238E27FC236}">
+                <a16:creationId xmlns:a16="http://schemas.microsoft.com/office/drawing/2014/main" id="{3F0A81FB-86AA-C502-2668-D81ACC0F5F80}"/>
+              </a:ext>
+            </a:extLst>
+          </p:cNvPr>
+          <p:cNvSpPr/>
+          <p:nvPr/>
+        </p:nvSpPr>
+        <p:spPr>
+          <a:xfrm>
+            <a:off x="747095" y="2389776"/>
+            <a:ext cx="1760974" cy="536304"/>
+          </a:xfrm>
+          <a:prstGeom prst="rect">
+            <a:avLst/>
+          </a:prstGeom>
+          <a:noFill/>
+          <a:ln w="38100">
+            <a:solidFill>
+              <a:srgbClr val="FF0000"/>
+            </a:solidFill>
+          </a:ln>
+        </p:spPr>
+        <p:style>
+          <a:lnRef idx="2">
+            <a:schemeClr val="accent1">
+              <a:shade val="15000"/>
+            </a:schemeClr>
+          </a:lnRef>
+          <a:fillRef idx="1">
+            <a:schemeClr val="accent1"/>
+          </a:fillRef>
+          <a:effectRef idx="0">
+            <a:schemeClr val="accent1"/>
+          </a:effectRef>
+          <a:fontRef idx="minor">
+            <a:schemeClr val="lt1"/>
+          </a:fontRef>
+        </p:style>
+        <p:txBody>
+          <a:bodyPr rtlCol="0" anchor="ctr"/>
+          <a:lstStyle/>
+          <a:p>
+            <a:pPr algn="ctr"/>
+            <a:endParaRPr lang="ko-KR" altLang="en-US" sz="1350"/>
+          </a:p>
+        </p:txBody>
+      </p:sp>
+      <p:sp>
+        <p:nvSpPr>
+          <p:cNvPr id="7" name="타원 6">
+            <a:extLst>
+              <a:ext uri="{FF2B5EF4-FFF2-40B4-BE49-F238E27FC236}">
+                <a16:creationId xmlns:a16="http://schemas.microsoft.com/office/drawing/2014/main" id="{3F714483-8DD2-A705-981C-0540397152D0}"/>
+              </a:ext>
+            </a:extLst>
+          </p:cNvPr>
+          <p:cNvSpPr/>
+          <p:nvPr/>
+        </p:nvSpPr>
+        <p:spPr>
+          <a:xfrm>
+            <a:off x="645781" y="2296255"/>
+            <a:ext cx="202628" cy="187042"/>
+          </a:xfrm>
+          <a:prstGeom prst="ellipse">
+            <a:avLst/>
+          </a:prstGeom>
+          <a:solidFill>
+            <a:schemeClr val="bg1"/>
+          </a:solidFill>
+          <a:ln w="38100">
+            <a:solidFill>
+              <a:srgbClr val="FF0000"/>
+            </a:solidFill>
+          </a:ln>
+        </p:spPr>
+        <p:style>
+          <a:lnRef idx="2">
+            <a:schemeClr val="accent1">
+              <a:shade val="15000"/>
+            </a:schemeClr>
+          </a:lnRef>
+          <a:fillRef idx="1">
+            <a:schemeClr val="accent1"/>
+          </a:fillRef>
+          <a:effectRef idx="0">
+            <a:schemeClr val="accent1"/>
+          </a:effectRef>
+          <a:fontRef idx="minor">
+            <a:schemeClr val="lt1"/>
+          </a:fontRef>
+        </p:style>
+        <p:txBody>
+          <a:bodyPr rtlCol="0" anchor="ctr"/>
+          <a:lstStyle/>
+          <a:p>
+            <a:pPr algn="ctr"/>
+            <a:r>
+              <a:rPr lang="en-US" altLang="ko-KR" sz="1350" dirty="0">
+                <a:solidFill>
+                  <a:schemeClr val="tx1"/>
+                </a:solidFill>
+              </a:rPr>
+              <a:t>1</a:t>
+            </a:r>
+            <a:endParaRPr lang="ko-KR" altLang="en-US" sz="1350" dirty="0">
+              <a:solidFill>
+                <a:schemeClr val="tx1"/>
+              </a:solidFill>
+            </a:endParaRPr>
+          </a:p>
+        </p:txBody>
+      </p:sp>
+      <p:sp>
+        <p:nvSpPr>
+          <p:cNvPr id="8" name="직사각형 7">
+            <a:extLst>
+              <a:ext uri="{FF2B5EF4-FFF2-40B4-BE49-F238E27FC236}">
+                <a16:creationId xmlns:a16="http://schemas.microsoft.com/office/drawing/2014/main" id="{D4BB9846-C539-A85E-2906-BC58F6309A7C}"/>
+              </a:ext>
+            </a:extLst>
+          </p:cNvPr>
+          <p:cNvSpPr/>
+          <p:nvPr/>
+        </p:nvSpPr>
+        <p:spPr>
+          <a:xfrm>
+            <a:off x="747094" y="3019601"/>
+            <a:ext cx="11763815" cy="5471256"/>
+          </a:xfrm>
+          <a:prstGeom prst="rect">
+            <a:avLst/>
+          </a:prstGeom>
+          <a:noFill/>
+          <a:ln w="38100">
+            <a:solidFill>
+              <a:srgbClr val="FF0000"/>
+            </a:solidFill>
+          </a:ln>
+        </p:spPr>
+        <p:style>
+          <a:lnRef idx="2">
+            <a:schemeClr val="accent1">
+              <a:shade val="15000"/>
+            </a:schemeClr>
+          </a:lnRef>
+          <a:fillRef idx="1">
+            <a:schemeClr val="accent1"/>
+          </a:fillRef>
+          <a:effectRef idx="0">
+            <a:schemeClr val="accent1"/>
+          </a:effectRef>
+          <a:fontRef idx="minor">
+            <a:schemeClr val="lt1"/>
+          </a:fontRef>
+        </p:style>
+        <p:txBody>
+          <a:bodyPr rtlCol="0" anchor="ctr"/>
+          <a:lstStyle/>
+          <a:p>
+            <a:pPr algn="ctr"/>
+            <a:endParaRPr lang="ko-KR" altLang="en-US" sz="1350"/>
+          </a:p>
+        </p:txBody>
+      </p:sp>
+      <p:sp>
+        <p:nvSpPr>
+          <p:cNvPr id="9" name="타원 8">
+            <a:extLst>
+              <a:ext uri="{FF2B5EF4-FFF2-40B4-BE49-F238E27FC236}">
+                <a16:creationId xmlns:a16="http://schemas.microsoft.com/office/drawing/2014/main" id="{8A50156F-DA22-1B20-0F1C-31496470A6D9}"/>
+              </a:ext>
+            </a:extLst>
+          </p:cNvPr>
+          <p:cNvSpPr/>
+          <p:nvPr/>
+        </p:nvSpPr>
+        <p:spPr>
+          <a:xfrm>
+            <a:off x="645781" y="2926080"/>
+            <a:ext cx="202628" cy="187042"/>
+          </a:xfrm>
+          <a:prstGeom prst="ellipse">
+            <a:avLst/>
+          </a:prstGeom>
+          <a:solidFill>
+            <a:schemeClr val="bg1"/>
+          </a:solidFill>
+          <a:ln w="38100">
+            <a:solidFill>
+              <a:srgbClr val="FF0000"/>
+            </a:solidFill>
+          </a:ln>
+        </p:spPr>
+        <p:style>
+          <a:lnRef idx="2">
+            <a:schemeClr val="accent1">
+              <a:shade val="15000"/>
+            </a:schemeClr>
+          </a:lnRef>
+          <a:fillRef idx="1">
+            <a:schemeClr val="accent1"/>
+          </a:fillRef>
+          <a:effectRef idx="0">
+            <a:schemeClr val="accent1"/>
+          </a:effectRef>
+          <a:fontRef idx="minor">
+            <a:schemeClr val="lt1"/>
+          </a:fontRef>
+        </p:style>
+        <p:txBody>
+          <a:bodyPr rtlCol="0" anchor="ctr"/>
+          <a:lstStyle/>
+          <a:p>
+            <a:pPr algn="ctr"/>
+            <a:r>
+              <a:rPr lang="en-US" altLang="ko-KR" sz="1350" dirty="0">
+                <a:solidFill>
+                  <a:schemeClr val="tx1"/>
+                </a:solidFill>
+              </a:rPr>
+              <a:t>2</a:t>
+            </a:r>
+            <a:endParaRPr lang="ko-KR" altLang="en-US" sz="1350" dirty="0">
+              <a:solidFill>
+                <a:schemeClr val="tx1"/>
+              </a:solidFill>
+            </a:endParaRPr>
+          </a:p>
+        </p:txBody>
+      </p:sp>
+      <p:sp>
+        <p:nvSpPr>
+          <p:cNvPr id="10" name="직사각형 9">
+            <a:extLst>
+              <a:ext uri="{FF2B5EF4-FFF2-40B4-BE49-F238E27FC236}">
+                <a16:creationId xmlns:a16="http://schemas.microsoft.com/office/drawing/2014/main" id="{15333356-0B49-6919-9B7D-8B38960E95D4}"/>
+              </a:ext>
+            </a:extLst>
+          </p:cNvPr>
+          <p:cNvSpPr/>
+          <p:nvPr/>
+        </p:nvSpPr>
+        <p:spPr>
+          <a:xfrm>
+            <a:off x="11830758" y="1946993"/>
+            <a:ext cx="630147" cy="442783"/>
+          </a:xfrm>
+          <a:prstGeom prst="rect">
+            <a:avLst/>
+          </a:prstGeom>
+          <a:noFill/>
+          <a:ln w="38100">
+            <a:solidFill>
+              <a:srgbClr val="FF0000"/>
+            </a:solidFill>
+          </a:ln>
+        </p:spPr>
+        <p:style>
+          <a:lnRef idx="2">
+            <a:schemeClr val="accent1">
+              <a:shade val="15000"/>
+            </a:schemeClr>
+          </a:lnRef>
+          <a:fillRef idx="1">
+            <a:schemeClr val="accent1"/>
+          </a:fillRef>
+          <a:effectRef idx="0">
+            <a:schemeClr val="accent1"/>
+          </a:effectRef>
+          <a:fontRef idx="minor">
+            <a:schemeClr val="lt1"/>
+          </a:fontRef>
+        </p:style>
+        <p:txBody>
+          <a:bodyPr rtlCol="0" anchor="ctr"/>
+          <a:lstStyle/>
+          <a:p>
+            <a:pPr algn="ctr"/>
+            <a:endParaRPr lang="ko-KR" altLang="en-US" sz="1350"/>
+          </a:p>
+        </p:txBody>
+      </p:sp>
+      <p:sp>
+        <p:nvSpPr>
+          <p:cNvPr id="11" name="타원 10">
+            <a:extLst>
+              <a:ext uri="{FF2B5EF4-FFF2-40B4-BE49-F238E27FC236}">
+                <a16:creationId xmlns:a16="http://schemas.microsoft.com/office/drawing/2014/main" id="{3FA8954D-8FA0-8C6C-3918-BCD1DFAA058D}"/>
+              </a:ext>
+            </a:extLst>
+          </p:cNvPr>
+          <p:cNvSpPr/>
+          <p:nvPr/>
+        </p:nvSpPr>
+        <p:spPr>
+          <a:xfrm>
+            <a:off x="11732881" y="1853472"/>
+            <a:ext cx="202628" cy="187042"/>
+          </a:xfrm>
+          <a:prstGeom prst="ellipse">
+            <a:avLst/>
+          </a:prstGeom>
+          <a:solidFill>
+            <a:schemeClr val="bg1"/>
+          </a:solidFill>
+          <a:ln w="38100">
+            <a:solidFill>
+              <a:srgbClr val="FF0000"/>
+            </a:solidFill>
+          </a:ln>
+        </p:spPr>
+        <p:style>
+          <a:lnRef idx="2">
+            <a:schemeClr val="accent1">
+              <a:shade val="15000"/>
+            </a:schemeClr>
+          </a:lnRef>
+          <a:fillRef idx="1">
+            <a:schemeClr val="accent1"/>
+          </a:fillRef>
+          <a:effectRef idx="0">
+            <a:schemeClr val="accent1"/>
+          </a:effectRef>
+          <a:fontRef idx="minor">
+            <a:schemeClr val="lt1"/>
+          </a:fontRef>
+        </p:style>
+        <p:txBody>
+          <a:bodyPr rtlCol="0" anchor="ctr"/>
+          <a:lstStyle/>
+          <a:p>
+            <a:pPr algn="ctr"/>
+            <a:r>
+              <a:rPr lang="en-US" altLang="ko-KR" sz="1350" dirty="0">
+                <a:solidFill>
+                  <a:schemeClr val="tx1"/>
+                </a:solidFill>
+              </a:rPr>
+              <a:t>3</a:t>
+            </a:r>
+            <a:endParaRPr lang="ko-KR" altLang="en-US" sz="1350" dirty="0">
+              <a:solidFill>
+                <a:schemeClr val="tx1"/>
+              </a:solidFill>
+            </a:endParaRPr>
+          </a:p>
+        </p:txBody>
+      </p:sp>
+    </p:spTree>
+    <p:extLst>
+      <p:ext uri="{BB962C8B-B14F-4D97-AF65-F5344CB8AC3E}">
+        <p14:creationId xmlns:p14="http://schemas.microsoft.com/office/powerpoint/2010/main" val="146744190"/>
+      </p:ext>
+    </p:extLst>
+  </p:cSld>
+  <p:clrMapOvr>
+    <a:masterClrMapping/>
+  </p:clrMapOvr>
+</p:sld>
+</file>
+
+<file path=ppt/slides/slide8.xml><?xml version="1.0" encoding="utf-8"?>
+<p:sld xmlns:a="http://schemas.openxmlformats.org/drawingml/2006/main" xmlns:r="http://schemas.openxmlformats.org/officeDocument/2006/relationships" xmlns:p="http://schemas.openxmlformats.org/presentationml/2006/main">
+  <p:cSld>
+    <p:spTree>
+      <p:nvGrpSpPr>
+        <p:cNvPr id="1" name="">
+          <a:extLst>
+            <a:ext uri="{FF2B5EF4-FFF2-40B4-BE49-F238E27FC236}">
+              <a16:creationId xmlns:a16="http://schemas.microsoft.com/office/drawing/2014/main" id="{047E0984-A538-B492-A1DD-055023153110}"/>
+            </a:ext>
+          </a:extLst>
+        </p:cNvPr>
+        <p:cNvGrpSpPr/>
+        <p:nvPr/>
+      </p:nvGrpSpPr>
+      <p:grpSpPr>
+        <a:xfrm>
+          <a:off x="0" y="0"/>
+          <a:ext cx="0" cy="0"/>
+          <a:chOff x="0" y="0"/>
+          <a:chExt cx="0" cy="0"/>
+        </a:xfrm>
+      </p:grpSpPr>
+      <p:pic>
+        <p:nvPicPr>
+          <p:cNvPr id="3" name="그림 2" descr="텍스트, 스크린샷, 소프트웨어, 폰트이(가) 표시된 사진&#10;&#10;AI 생성 콘텐츠는 정확하지 않을 수 있습니다.">
+            <a:extLst>
+              <a:ext uri="{FF2B5EF4-FFF2-40B4-BE49-F238E27FC236}">
+                <a16:creationId xmlns:a16="http://schemas.microsoft.com/office/drawing/2014/main" id="{5D70E65C-8BB9-C0F3-E151-7B01E927E45A}"/>
+              </a:ext>
+            </a:extLst>
+          </p:cNvPr>
+          <p:cNvPicPr>
+            <a:picLocks noChangeAspect="1"/>
+          </p:cNvPicPr>
+          <p:nvPr/>
+        </p:nvPicPr>
+        <p:blipFill>
+          <a:blip r:embed="rId2"/>
+          <a:stretch>
+            <a:fillRect/>
+          </a:stretch>
+        </p:blipFill>
+        <p:spPr>
+          <a:xfrm>
+            <a:off x="202801" y="1863218"/>
+            <a:ext cx="12852400" cy="6825613"/>
+          </a:xfrm>
+          <a:prstGeom prst="rect">
+            <a:avLst/>
+          </a:prstGeom>
+        </p:spPr>
+      </p:pic>
+      <p:sp>
+        <p:nvSpPr>
+          <p:cNvPr id="6" name="직사각형 5">
+            <a:extLst>
+              <a:ext uri="{FF2B5EF4-FFF2-40B4-BE49-F238E27FC236}">
+                <a16:creationId xmlns:a16="http://schemas.microsoft.com/office/drawing/2014/main" id="{33F35CF1-4476-7876-5D56-449D199DF18E}"/>
+              </a:ext>
+            </a:extLst>
+          </p:cNvPr>
+          <p:cNvSpPr/>
+          <p:nvPr/>
+        </p:nvSpPr>
+        <p:spPr>
+          <a:xfrm>
+            <a:off x="254112" y="2553475"/>
+            <a:ext cx="3124087" cy="536304"/>
+          </a:xfrm>
+          <a:prstGeom prst="rect">
+            <a:avLst/>
+          </a:prstGeom>
+          <a:noFill/>
+          <a:ln w="38100">
+            <a:solidFill>
+              <a:srgbClr val="FF0000"/>
+            </a:solidFill>
+          </a:ln>
+        </p:spPr>
+        <p:style>
+          <a:lnRef idx="2">
+            <a:schemeClr val="accent1">
+              <a:shade val="15000"/>
+            </a:schemeClr>
+          </a:lnRef>
+          <a:fillRef idx="1">
+            <a:schemeClr val="accent1"/>
+          </a:fillRef>
+          <a:effectRef idx="0">
+            <a:schemeClr val="accent1"/>
+          </a:effectRef>
+          <a:fontRef idx="minor">
+            <a:schemeClr val="lt1"/>
+          </a:fontRef>
+        </p:style>
+        <p:txBody>
+          <a:bodyPr rtlCol="0" anchor="ctr"/>
+          <a:lstStyle/>
+          <a:p>
+            <a:pPr algn="ctr"/>
+            <a:endParaRPr lang="ko-KR" altLang="en-US" sz="1350"/>
+          </a:p>
+        </p:txBody>
+      </p:sp>
+      <p:sp>
+        <p:nvSpPr>
+          <p:cNvPr id="7" name="타원 6">
+            <a:extLst>
+              <a:ext uri="{FF2B5EF4-FFF2-40B4-BE49-F238E27FC236}">
+                <a16:creationId xmlns:a16="http://schemas.microsoft.com/office/drawing/2014/main" id="{6CA3877F-83A5-BE9C-2EA6-4A655A9A2FF8}"/>
+              </a:ext>
+            </a:extLst>
+          </p:cNvPr>
+          <p:cNvSpPr/>
+          <p:nvPr/>
+        </p:nvSpPr>
+        <p:spPr>
+          <a:xfrm>
+            <a:off x="152799" y="2479808"/>
+            <a:ext cx="202628" cy="167188"/>
+          </a:xfrm>
+          <a:prstGeom prst="ellipse">
+            <a:avLst/>
+          </a:prstGeom>
+          <a:solidFill>
+            <a:schemeClr val="bg1"/>
+          </a:solidFill>
+          <a:ln w="38100">
+            <a:solidFill>
+              <a:srgbClr val="FF0000"/>
+            </a:solidFill>
+          </a:ln>
+        </p:spPr>
+        <p:style>
+          <a:lnRef idx="2">
+            <a:schemeClr val="accent1">
+              <a:shade val="15000"/>
+            </a:schemeClr>
+          </a:lnRef>
+          <a:fillRef idx="1">
+            <a:schemeClr val="accent1"/>
+          </a:fillRef>
+          <a:effectRef idx="0">
+            <a:schemeClr val="accent1"/>
+          </a:effectRef>
+          <a:fontRef idx="minor">
+            <a:schemeClr val="lt1"/>
+          </a:fontRef>
+        </p:style>
+        <p:txBody>
+          <a:bodyPr rtlCol="0" anchor="ctr"/>
+          <a:lstStyle/>
+          <a:p>
+            <a:pPr algn="ctr"/>
+            <a:r>
+              <a:rPr lang="en-US" altLang="ko-KR" sz="1350" dirty="0">
+                <a:solidFill>
+                  <a:schemeClr val="tx1"/>
+                </a:solidFill>
+              </a:rPr>
+              <a:t>1</a:t>
+            </a:r>
+            <a:endParaRPr lang="ko-KR" altLang="en-US" sz="1350" dirty="0">
+              <a:solidFill>
+                <a:schemeClr val="tx1"/>
+              </a:solidFill>
+            </a:endParaRPr>
+          </a:p>
+        </p:txBody>
+      </p:sp>
+      <p:sp>
+        <p:nvSpPr>
+          <p:cNvPr id="8" name="직사각형 7">
+            <a:extLst>
+              <a:ext uri="{FF2B5EF4-FFF2-40B4-BE49-F238E27FC236}">
+                <a16:creationId xmlns:a16="http://schemas.microsoft.com/office/drawing/2014/main" id="{05079DE6-5356-A7B0-876C-305BF6A71690}"/>
+              </a:ext>
+            </a:extLst>
+          </p:cNvPr>
+          <p:cNvSpPr/>
+          <p:nvPr/>
+        </p:nvSpPr>
+        <p:spPr>
+          <a:xfrm>
+            <a:off x="254112" y="3089779"/>
+            <a:ext cx="3124087" cy="690257"/>
+          </a:xfrm>
+          <a:prstGeom prst="rect">
+            <a:avLst/>
+          </a:prstGeom>
+          <a:noFill/>
+          <a:ln w="38100">
+            <a:solidFill>
+              <a:srgbClr val="FF0000"/>
+            </a:solidFill>
+          </a:ln>
+        </p:spPr>
+        <p:style>
+          <a:lnRef idx="2">
+            <a:schemeClr val="accent1">
+              <a:shade val="15000"/>
+            </a:schemeClr>
+          </a:lnRef>
+          <a:fillRef idx="1">
+            <a:schemeClr val="accent1"/>
+          </a:fillRef>
+          <a:effectRef idx="0">
+            <a:schemeClr val="accent1"/>
+          </a:effectRef>
+          <a:fontRef idx="minor">
+            <a:schemeClr val="lt1"/>
+          </a:fontRef>
+        </p:style>
+        <p:txBody>
+          <a:bodyPr rtlCol="0" anchor="ctr"/>
+          <a:lstStyle/>
+          <a:p>
+            <a:pPr algn="ctr"/>
+            <a:endParaRPr lang="ko-KR" altLang="en-US" sz="1350"/>
+          </a:p>
+        </p:txBody>
+      </p:sp>
+      <p:sp>
+        <p:nvSpPr>
+          <p:cNvPr id="9" name="타원 8">
+            <a:extLst>
+              <a:ext uri="{FF2B5EF4-FFF2-40B4-BE49-F238E27FC236}">
+                <a16:creationId xmlns:a16="http://schemas.microsoft.com/office/drawing/2014/main" id="{8FC349AA-A36B-60F3-1785-A29BA7307632}"/>
+              </a:ext>
+            </a:extLst>
+          </p:cNvPr>
+          <p:cNvSpPr/>
+          <p:nvPr/>
+        </p:nvSpPr>
+        <p:spPr>
+          <a:xfrm>
+            <a:off x="152799" y="2996258"/>
+            <a:ext cx="202628" cy="187042"/>
+          </a:xfrm>
+          <a:prstGeom prst="ellipse">
+            <a:avLst/>
+          </a:prstGeom>
+          <a:solidFill>
+            <a:schemeClr val="bg1"/>
+          </a:solidFill>
+          <a:ln w="38100">
+            <a:solidFill>
+              <a:srgbClr val="FF0000"/>
+            </a:solidFill>
+          </a:ln>
+        </p:spPr>
+        <p:style>
+          <a:lnRef idx="2">
+            <a:schemeClr val="accent1">
+              <a:shade val="15000"/>
+            </a:schemeClr>
+          </a:lnRef>
+          <a:fillRef idx="1">
+            <a:schemeClr val="accent1"/>
+          </a:fillRef>
+          <a:effectRef idx="0">
+            <a:schemeClr val="accent1"/>
+          </a:effectRef>
+          <a:fontRef idx="minor">
+            <a:schemeClr val="lt1"/>
+          </a:fontRef>
+        </p:style>
+        <p:txBody>
+          <a:bodyPr rtlCol="0" anchor="ctr"/>
+          <a:lstStyle/>
+          <a:p>
+            <a:pPr algn="ctr"/>
+            <a:r>
+              <a:rPr lang="en-US" altLang="ko-KR" sz="1350" dirty="0">
+                <a:solidFill>
+                  <a:schemeClr val="tx1"/>
+                </a:solidFill>
+              </a:rPr>
+              <a:t>2</a:t>
+            </a:r>
+            <a:endParaRPr lang="ko-KR" altLang="en-US" sz="1350" dirty="0">
+              <a:solidFill>
+                <a:schemeClr val="tx1"/>
+              </a:solidFill>
+            </a:endParaRPr>
+          </a:p>
+        </p:txBody>
+      </p:sp>
+      <p:sp>
+        <p:nvSpPr>
+          <p:cNvPr id="4" name="직사각형 3">
+            <a:extLst>
+              <a:ext uri="{FF2B5EF4-FFF2-40B4-BE49-F238E27FC236}">
+                <a16:creationId xmlns:a16="http://schemas.microsoft.com/office/drawing/2014/main" id="{29EDEE4F-469E-D107-694E-E5DBB7D067CC}"/>
+              </a:ext>
+            </a:extLst>
+          </p:cNvPr>
+          <p:cNvSpPr/>
+          <p:nvPr/>
+        </p:nvSpPr>
+        <p:spPr>
+          <a:xfrm>
+            <a:off x="254111" y="3800872"/>
+            <a:ext cx="5498989" cy="3209528"/>
+          </a:xfrm>
+          <a:prstGeom prst="rect">
+            <a:avLst/>
+          </a:prstGeom>
+          <a:noFill/>
+          <a:ln w="38100">
+            <a:solidFill>
+              <a:srgbClr val="FF0000"/>
+            </a:solidFill>
+          </a:ln>
+        </p:spPr>
+        <p:style>
+          <a:lnRef idx="2">
+            <a:schemeClr val="accent1">
+              <a:shade val="15000"/>
+            </a:schemeClr>
+          </a:lnRef>
+          <a:fillRef idx="1">
+            <a:schemeClr val="accent1"/>
+          </a:fillRef>
+          <a:effectRef idx="0">
+            <a:schemeClr val="accent1"/>
+          </a:effectRef>
+          <a:fontRef idx="minor">
+            <a:schemeClr val="lt1"/>
+          </a:fontRef>
+        </p:style>
+        <p:txBody>
+          <a:bodyPr rtlCol="0" anchor="ctr"/>
+          <a:lstStyle/>
+          <a:p>
+            <a:pPr algn="ctr"/>
+            <a:endParaRPr lang="ko-KR" altLang="en-US" sz="1350"/>
+          </a:p>
+        </p:txBody>
+      </p:sp>
+      <p:sp>
+        <p:nvSpPr>
+          <p:cNvPr id="10" name="타원 9">
+            <a:extLst>
+              <a:ext uri="{FF2B5EF4-FFF2-40B4-BE49-F238E27FC236}">
+                <a16:creationId xmlns:a16="http://schemas.microsoft.com/office/drawing/2014/main" id="{3BC0EEC0-5395-89ED-1319-2DD7F0E5B40A}"/>
+              </a:ext>
+            </a:extLst>
+          </p:cNvPr>
+          <p:cNvSpPr/>
+          <p:nvPr/>
+        </p:nvSpPr>
+        <p:spPr>
+          <a:xfrm>
+            <a:off x="152799" y="3686515"/>
+            <a:ext cx="202628" cy="187042"/>
+          </a:xfrm>
+          <a:prstGeom prst="ellipse">
+            <a:avLst/>
+          </a:prstGeom>
+          <a:solidFill>
+            <a:schemeClr val="bg1"/>
+          </a:solidFill>
+          <a:ln w="38100">
+            <a:solidFill>
+              <a:srgbClr val="FF0000"/>
+            </a:solidFill>
+          </a:ln>
+        </p:spPr>
+        <p:style>
+          <a:lnRef idx="2">
+            <a:schemeClr val="accent1">
+              <a:shade val="15000"/>
+            </a:schemeClr>
+          </a:lnRef>
+          <a:fillRef idx="1">
+            <a:schemeClr val="accent1"/>
+          </a:fillRef>
+          <a:effectRef idx="0">
+            <a:schemeClr val="accent1"/>
+          </a:effectRef>
+          <a:fontRef idx="minor">
+            <a:schemeClr val="lt1"/>
+          </a:fontRef>
+        </p:style>
+        <p:txBody>
+          <a:bodyPr rtlCol="0" anchor="ctr"/>
+          <a:lstStyle/>
+          <a:p>
+            <a:pPr algn="ctr"/>
+            <a:r>
+              <a:rPr lang="en-US" altLang="ko-KR" sz="1350" dirty="0">
+                <a:solidFill>
+                  <a:schemeClr val="tx1"/>
+                </a:solidFill>
+              </a:rPr>
+              <a:t>3</a:t>
+            </a:r>
+            <a:endParaRPr lang="ko-KR" altLang="en-US" sz="1350" dirty="0">
+              <a:solidFill>
+                <a:schemeClr val="tx1"/>
+              </a:solidFill>
+            </a:endParaRPr>
+          </a:p>
+        </p:txBody>
+      </p:sp>
+      <p:sp>
+        <p:nvSpPr>
+          <p:cNvPr id="11" name="직사각형 10">
+            <a:extLst>
+              <a:ext uri="{FF2B5EF4-FFF2-40B4-BE49-F238E27FC236}">
+                <a16:creationId xmlns:a16="http://schemas.microsoft.com/office/drawing/2014/main" id="{DAE6D063-197B-2232-B40A-CBD413F19275}"/>
+              </a:ext>
+            </a:extLst>
+          </p:cNvPr>
+          <p:cNvSpPr/>
+          <p:nvPr/>
+        </p:nvSpPr>
+        <p:spPr>
+          <a:xfrm>
+            <a:off x="5753100" y="3800872"/>
+            <a:ext cx="5600700" cy="3209528"/>
+          </a:xfrm>
+          <a:prstGeom prst="rect">
+            <a:avLst/>
+          </a:prstGeom>
+          <a:noFill/>
+          <a:ln w="38100">
+            <a:solidFill>
+              <a:srgbClr val="FF0000"/>
+            </a:solidFill>
+          </a:ln>
+        </p:spPr>
+        <p:style>
+          <a:lnRef idx="2">
+            <a:schemeClr val="accent1">
+              <a:shade val="15000"/>
+            </a:schemeClr>
+          </a:lnRef>
+          <a:fillRef idx="1">
+            <a:schemeClr val="accent1"/>
+          </a:fillRef>
+          <a:effectRef idx="0">
+            <a:schemeClr val="accent1"/>
+          </a:effectRef>
+          <a:fontRef idx="minor">
+            <a:schemeClr val="lt1"/>
+          </a:fontRef>
+        </p:style>
+        <p:txBody>
+          <a:bodyPr rtlCol="0" anchor="ctr"/>
+          <a:lstStyle/>
+          <a:p>
+            <a:pPr algn="ctr"/>
+            <a:endParaRPr lang="ko-KR" altLang="en-US" sz="1350"/>
+          </a:p>
+        </p:txBody>
+      </p:sp>
+      <p:sp>
+        <p:nvSpPr>
+          <p:cNvPr id="12" name="타원 11">
+            <a:extLst>
+              <a:ext uri="{FF2B5EF4-FFF2-40B4-BE49-F238E27FC236}">
+                <a16:creationId xmlns:a16="http://schemas.microsoft.com/office/drawing/2014/main" id="{D4393110-C09B-1373-E200-A9A0B32F4375}"/>
+              </a:ext>
+            </a:extLst>
+          </p:cNvPr>
+          <p:cNvSpPr/>
+          <p:nvPr/>
+        </p:nvSpPr>
+        <p:spPr>
+          <a:xfrm>
+            <a:off x="5651788" y="3686515"/>
+            <a:ext cx="202628" cy="187042"/>
+          </a:xfrm>
+          <a:prstGeom prst="ellipse">
+            <a:avLst/>
+          </a:prstGeom>
+          <a:solidFill>
+            <a:schemeClr val="bg1"/>
+          </a:solidFill>
+          <a:ln w="38100">
+            <a:solidFill>
+              <a:srgbClr val="FF0000"/>
+            </a:solidFill>
+          </a:ln>
+        </p:spPr>
+        <p:style>
+          <a:lnRef idx="2">
+            <a:schemeClr val="accent1">
+              <a:shade val="15000"/>
+            </a:schemeClr>
+          </a:lnRef>
+          <a:fillRef idx="1">
+            <a:schemeClr val="accent1"/>
+          </a:fillRef>
+          <a:effectRef idx="0">
+            <a:schemeClr val="accent1"/>
+          </a:effectRef>
+          <a:fontRef idx="minor">
+            <a:schemeClr val="lt1"/>
+          </a:fontRef>
+        </p:style>
+        <p:txBody>
+          <a:bodyPr rtlCol="0" anchor="ctr"/>
+          <a:lstStyle/>
+          <a:p>
+            <a:pPr algn="ctr"/>
+            <a:r>
+              <a:rPr lang="en-US" altLang="ko-KR" sz="1350" dirty="0">
+                <a:solidFill>
+                  <a:schemeClr val="tx1"/>
+                </a:solidFill>
+              </a:rPr>
+              <a:t>4</a:t>
+            </a:r>
+            <a:endParaRPr lang="ko-KR" altLang="en-US" sz="1350" dirty="0">
+              <a:solidFill>
+                <a:schemeClr val="tx1"/>
+              </a:solidFill>
+            </a:endParaRPr>
+          </a:p>
+        </p:txBody>
+      </p:sp>
+      <p:sp>
+        <p:nvSpPr>
+          <p:cNvPr id="13" name="직사각형 12">
+            <a:extLst>
+              <a:ext uri="{FF2B5EF4-FFF2-40B4-BE49-F238E27FC236}">
+                <a16:creationId xmlns:a16="http://schemas.microsoft.com/office/drawing/2014/main" id="{4A1B0BAF-95B2-499C-BCD2-A1EB67A0D8B0}"/>
+              </a:ext>
+            </a:extLst>
+          </p:cNvPr>
+          <p:cNvSpPr/>
+          <p:nvPr/>
+        </p:nvSpPr>
+        <p:spPr>
+          <a:xfrm>
+            <a:off x="11353800" y="3800872"/>
+            <a:ext cx="1600089" cy="3209528"/>
+          </a:xfrm>
+          <a:prstGeom prst="rect">
+            <a:avLst/>
+          </a:prstGeom>
+          <a:noFill/>
+          <a:ln w="38100">
+            <a:solidFill>
+              <a:srgbClr val="FF0000"/>
+            </a:solidFill>
+          </a:ln>
+        </p:spPr>
+        <p:style>
+          <a:lnRef idx="2">
+            <a:schemeClr val="accent1">
+              <a:shade val="15000"/>
+            </a:schemeClr>
+          </a:lnRef>
+          <a:fillRef idx="1">
+            <a:schemeClr val="accent1"/>
+          </a:fillRef>
+          <a:effectRef idx="0">
+            <a:schemeClr val="accent1"/>
+          </a:effectRef>
+          <a:fontRef idx="minor">
+            <a:schemeClr val="lt1"/>
+          </a:fontRef>
+        </p:style>
+        <p:txBody>
+          <a:bodyPr rtlCol="0" anchor="ctr"/>
+          <a:lstStyle/>
+          <a:p>
+            <a:pPr algn="ctr"/>
+            <a:endParaRPr lang="ko-KR" altLang="en-US" sz="1350"/>
+          </a:p>
+        </p:txBody>
+      </p:sp>
+      <p:sp>
+        <p:nvSpPr>
+          <p:cNvPr id="14" name="타원 13">
+            <a:extLst>
+              <a:ext uri="{FF2B5EF4-FFF2-40B4-BE49-F238E27FC236}">
+                <a16:creationId xmlns:a16="http://schemas.microsoft.com/office/drawing/2014/main" id="{2BB49B3B-3C7E-BFAC-9CAD-C577DE13C549}"/>
+              </a:ext>
+            </a:extLst>
+          </p:cNvPr>
+          <p:cNvSpPr/>
+          <p:nvPr/>
+        </p:nvSpPr>
+        <p:spPr>
+          <a:xfrm>
+            <a:off x="11252488" y="3686515"/>
+            <a:ext cx="202628" cy="187042"/>
+          </a:xfrm>
+          <a:prstGeom prst="ellipse">
+            <a:avLst/>
+          </a:prstGeom>
+          <a:solidFill>
+            <a:schemeClr val="bg1"/>
+          </a:solidFill>
+          <a:ln w="38100">
+            <a:solidFill>
+              <a:srgbClr val="FF0000"/>
+            </a:solidFill>
+          </a:ln>
+        </p:spPr>
+        <p:style>
+          <a:lnRef idx="2">
+            <a:schemeClr val="accent1">
+              <a:shade val="15000"/>
+            </a:schemeClr>
+          </a:lnRef>
+          <a:fillRef idx="1">
+            <a:schemeClr val="accent1"/>
+          </a:fillRef>
+          <a:effectRef idx="0">
+            <a:schemeClr val="accent1"/>
+          </a:effectRef>
+          <a:fontRef idx="minor">
+            <a:schemeClr val="lt1"/>
+          </a:fontRef>
+        </p:style>
+        <p:txBody>
+          <a:bodyPr rtlCol="0" anchor="ctr"/>
+          <a:lstStyle/>
+          <a:p>
+            <a:pPr algn="ctr"/>
+            <a:r>
+              <a:rPr lang="en-US" altLang="ko-KR" sz="1350" dirty="0">
+                <a:solidFill>
+                  <a:schemeClr val="tx1"/>
+                </a:solidFill>
+              </a:rPr>
+              <a:t>5</a:t>
+            </a:r>
+            <a:endParaRPr lang="ko-KR" altLang="en-US" sz="1350" dirty="0">
+              <a:solidFill>
+                <a:schemeClr val="tx1"/>
+              </a:solidFill>
+            </a:endParaRPr>
+          </a:p>
+        </p:txBody>
+      </p:sp>
+      <p:sp>
+        <p:nvSpPr>
+          <p:cNvPr id="15" name="직사각형 14">
+            <a:extLst>
+              <a:ext uri="{FF2B5EF4-FFF2-40B4-BE49-F238E27FC236}">
+                <a16:creationId xmlns:a16="http://schemas.microsoft.com/office/drawing/2014/main" id="{CBF57D71-4F5C-56F0-DD05-5E2807A743F8}"/>
+              </a:ext>
+            </a:extLst>
+          </p:cNvPr>
+          <p:cNvSpPr/>
+          <p:nvPr/>
+        </p:nvSpPr>
+        <p:spPr>
+          <a:xfrm>
+            <a:off x="254111" y="7084067"/>
+            <a:ext cx="4216289" cy="459733"/>
+          </a:xfrm>
+          <a:prstGeom prst="rect">
+            <a:avLst/>
+          </a:prstGeom>
+          <a:noFill/>
+          <a:ln w="38100">
+            <a:solidFill>
+              <a:srgbClr val="FF0000"/>
+            </a:solidFill>
+          </a:ln>
+        </p:spPr>
+        <p:style>
+          <a:lnRef idx="2">
+            <a:schemeClr val="accent1">
+              <a:shade val="15000"/>
+            </a:schemeClr>
+          </a:lnRef>
+          <a:fillRef idx="1">
+            <a:schemeClr val="accent1"/>
+          </a:fillRef>
+          <a:effectRef idx="0">
+            <a:schemeClr val="accent1"/>
+          </a:effectRef>
+          <a:fontRef idx="minor">
+            <a:schemeClr val="lt1"/>
+          </a:fontRef>
+        </p:style>
+        <p:txBody>
+          <a:bodyPr rtlCol="0" anchor="ctr"/>
+          <a:lstStyle/>
+          <a:p>
+            <a:pPr algn="ctr"/>
+            <a:endParaRPr lang="ko-KR" altLang="en-US" sz="1350"/>
+          </a:p>
+        </p:txBody>
+      </p:sp>
+      <p:sp>
+        <p:nvSpPr>
+          <p:cNvPr id="16" name="타원 15">
+            <a:extLst>
+              <a:ext uri="{FF2B5EF4-FFF2-40B4-BE49-F238E27FC236}">
+                <a16:creationId xmlns:a16="http://schemas.microsoft.com/office/drawing/2014/main" id="{88052004-920E-79CE-33D0-CE2BE348A9CE}"/>
+              </a:ext>
+            </a:extLst>
+          </p:cNvPr>
+          <p:cNvSpPr/>
+          <p:nvPr/>
+        </p:nvSpPr>
+        <p:spPr>
+          <a:xfrm>
+            <a:off x="152799" y="6969710"/>
+            <a:ext cx="202628" cy="187042"/>
+          </a:xfrm>
+          <a:prstGeom prst="ellipse">
+            <a:avLst/>
+          </a:prstGeom>
+          <a:solidFill>
+            <a:schemeClr val="bg1"/>
+          </a:solidFill>
+          <a:ln w="38100">
+            <a:solidFill>
+              <a:srgbClr val="FF0000"/>
+            </a:solidFill>
+          </a:ln>
+        </p:spPr>
+        <p:style>
+          <a:lnRef idx="2">
+            <a:schemeClr val="accent1">
+              <a:shade val="15000"/>
+            </a:schemeClr>
+          </a:lnRef>
+          <a:fillRef idx="1">
+            <a:schemeClr val="accent1"/>
+          </a:fillRef>
+          <a:effectRef idx="0">
+            <a:schemeClr val="accent1"/>
+          </a:effectRef>
+          <a:fontRef idx="minor">
+            <a:schemeClr val="lt1"/>
+          </a:fontRef>
+        </p:style>
+        <p:txBody>
+          <a:bodyPr rtlCol="0" anchor="ctr"/>
+          <a:lstStyle/>
+          <a:p>
+            <a:pPr algn="ctr"/>
+            <a:r>
+              <a:rPr lang="en-US" altLang="ko-KR" sz="1350" dirty="0">
+                <a:solidFill>
+                  <a:schemeClr val="tx1"/>
+                </a:solidFill>
+              </a:rPr>
+              <a:t>6</a:t>
+            </a:r>
+            <a:endParaRPr lang="ko-KR" altLang="en-US" sz="1350" dirty="0">
+              <a:solidFill>
+                <a:schemeClr val="tx1"/>
+              </a:solidFill>
+            </a:endParaRPr>
+          </a:p>
+        </p:txBody>
+      </p:sp>
+      <p:sp>
+        <p:nvSpPr>
+          <p:cNvPr id="17" name="직사각형 16">
+            <a:extLst>
+              <a:ext uri="{FF2B5EF4-FFF2-40B4-BE49-F238E27FC236}">
+                <a16:creationId xmlns:a16="http://schemas.microsoft.com/office/drawing/2014/main" id="{8D178D38-0228-D30C-3906-5B5F8C4C747A}"/>
+              </a:ext>
+            </a:extLst>
+          </p:cNvPr>
+          <p:cNvSpPr/>
+          <p:nvPr/>
+        </p:nvSpPr>
+        <p:spPr>
+          <a:xfrm>
+            <a:off x="254111" y="7526850"/>
+            <a:ext cx="12699778" cy="1182817"/>
+          </a:xfrm>
+          <a:prstGeom prst="rect">
+            <a:avLst/>
+          </a:prstGeom>
+          <a:noFill/>
+          <a:ln w="38100">
+            <a:solidFill>
+              <a:srgbClr val="FF0000"/>
+            </a:solidFill>
+          </a:ln>
+        </p:spPr>
+        <p:style>
+          <a:lnRef idx="2">
+            <a:schemeClr val="accent1">
+              <a:shade val="15000"/>
+            </a:schemeClr>
+          </a:lnRef>
+          <a:fillRef idx="1">
+            <a:schemeClr val="accent1"/>
+          </a:fillRef>
+          <a:effectRef idx="0">
+            <a:schemeClr val="accent1"/>
+          </a:effectRef>
+          <a:fontRef idx="minor">
+            <a:schemeClr val="lt1"/>
+          </a:fontRef>
+        </p:style>
+        <p:txBody>
+          <a:bodyPr rtlCol="0" anchor="ctr"/>
+          <a:lstStyle/>
+          <a:p>
+            <a:pPr algn="ctr"/>
+            <a:endParaRPr lang="ko-KR" altLang="en-US" sz="1350"/>
+          </a:p>
+        </p:txBody>
+      </p:sp>
+      <p:sp>
+        <p:nvSpPr>
+          <p:cNvPr id="18" name="타원 17">
+            <a:extLst>
+              <a:ext uri="{FF2B5EF4-FFF2-40B4-BE49-F238E27FC236}">
+                <a16:creationId xmlns:a16="http://schemas.microsoft.com/office/drawing/2014/main" id="{6E7F2F55-73DD-A35C-5F0C-848609B2B2CD}"/>
+              </a:ext>
+            </a:extLst>
+          </p:cNvPr>
+          <p:cNvSpPr/>
+          <p:nvPr/>
+        </p:nvSpPr>
+        <p:spPr>
+          <a:xfrm>
+            <a:off x="152799" y="7412493"/>
+            <a:ext cx="202628" cy="187042"/>
+          </a:xfrm>
+          <a:prstGeom prst="ellipse">
+            <a:avLst/>
+          </a:prstGeom>
+          <a:solidFill>
+            <a:schemeClr val="bg1"/>
+          </a:solidFill>
+          <a:ln w="38100">
+            <a:solidFill>
+              <a:srgbClr val="FF0000"/>
+            </a:solidFill>
+          </a:ln>
+        </p:spPr>
+        <p:style>
+          <a:lnRef idx="2">
+            <a:schemeClr val="accent1">
+              <a:shade val="15000"/>
+            </a:schemeClr>
+          </a:lnRef>
+          <a:fillRef idx="1">
+            <a:schemeClr val="accent1"/>
+          </a:fillRef>
+          <a:effectRef idx="0">
+            <a:schemeClr val="accent1"/>
+          </a:effectRef>
+          <a:fontRef idx="minor">
+            <a:schemeClr val="lt1"/>
+          </a:fontRef>
+        </p:style>
+        <p:txBody>
+          <a:bodyPr rtlCol="0" anchor="ctr"/>
+          <a:lstStyle/>
+          <a:p>
+            <a:pPr algn="ctr"/>
+            <a:r>
+              <a:rPr lang="en-US" altLang="ko-KR" sz="1350" dirty="0">
+                <a:solidFill>
+                  <a:schemeClr val="tx1"/>
+                </a:solidFill>
+              </a:rPr>
+              <a:t>7</a:t>
+            </a:r>
+            <a:endParaRPr lang="ko-KR" altLang="en-US" sz="1350" dirty="0">
+              <a:solidFill>
+                <a:schemeClr val="tx1"/>
+              </a:solidFill>
+            </a:endParaRPr>
+          </a:p>
+        </p:txBody>
+      </p:sp>
+    </p:spTree>
+    <p:extLst>
+      <p:ext uri="{BB962C8B-B14F-4D97-AF65-F5344CB8AC3E}">
+        <p14:creationId xmlns:p14="http://schemas.microsoft.com/office/powerpoint/2010/main" val="2098399760"/>
+      </p:ext>
+    </p:extLst>
+  </p:cSld>
+  <p:clrMapOvr>
+    <a:masterClrMapping/>
+  </p:clrMapOvr>
+</p:sld>
+</file>
+
+<file path=ppt/slides/slide9.xml><?xml version="1.0" encoding="utf-8"?>
+<p:sld xmlns:a="http://schemas.openxmlformats.org/drawingml/2006/main" xmlns:r="http://schemas.openxmlformats.org/officeDocument/2006/relationships" xmlns:p="http://schemas.openxmlformats.org/presentationml/2006/main">
+  <p:cSld>
+    <p:spTree>
+      <p:nvGrpSpPr>
+        <p:cNvPr id="1" name="">
+          <a:extLst>
+            <a:ext uri="{FF2B5EF4-FFF2-40B4-BE49-F238E27FC236}">
+              <a16:creationId xmlns:a16="http://schemas.microsoft.com/office/drawing/2014/main" id="{AEE40233-76B1-96AC-3E60-6CCD4DF87A72}"/>
+            </a:ext>
+          </a:extLst>
+        </p:cNvPr>
+        <p:cNvGrpSpPr/>
+        <p:nvPr/>
+      </p:nvGrpSpPr>
+      <p:grpSpPr>
+        <a:xfrm>
+          <a:off x="0" y="0"/>
+          <a:ext cx="0" cy="0"/>
+          <a:chOff x="0" y="0"/>
+          <a:chExt cx="0" cy="0"/>
+        </a:xfrm>
+      </p:grpSpPr>
+      <p:pic>
+        <p:nvPicPr>
+          <p:cNvPr id="3" name="그림 2" descr="텍스트, 스크린샷, 폰트, 도표이(가) 표시된 사진&#10;&#10;AI 생성 콘텐츠는 정확하지 않을 수 있습니다.">
+            <a:extLst>
+              <a:ext uri="{FF2B5EF4-FFF2-40B4-BE49-F238E27FC236}">
+                <a16:creationId xmlns:a16="http://schemas.microsoft.com/office/drawing/2014/main" id="{A73265EA-F41E-9F3D-23F5-3A522354D0CA}"/>
+              </a:ext>
+            </a:extLst>
+          </p:cNvPr>
+          <p:cNvPicPr>
+            <a:picLocks noChangeAspect="1"/>
+          </p:cNvPicPr>
+          <p:nvPr/>
+        </p:nvPicPr>
+        <p:blipFill>
+          <a:blip r:embed="rId2"/>
+          <a:stretch>
+            <a:fillRect/>
+          </a:stretch>
+        </p:blipFill>
+        <p:spPr>
+          <a:xfrm>
+            <a:off x="1597914" y="613757"/>
+            <a:ext cx="10012172" cy="8678486"/>
+          </a:xfrm>
+          <a:prstGeom prst="rect">
+            <a:avLst/>
+          </a:prstGeom>
+        </p:spPr>
+      </p:pic>
+      <p:sp>
+        <p:nvSpPr>
+          <p:cNvPr id="6" name="직사각형 5">
+            <a:extLst>
+              <a:ext uri="{FF2B5EF4-FFF2-40B4-BE49-F238E27FC236}">
+                <a16:creationId xmlns:a16="http://schemas.microsoft.com/office/drawing/2014/main" id="{6550B126-20B8-01D7-9CE0-C591A5E8AF68}"/>
+              </a:ext>
+            </a:extLst>
+          </p:cNvPr>
+          <p:cNvSpPr/>
+          <p:nvPr/>
+        </p:nvSpPr>
+        <p:spPr>
+          <a:xfrm>
+            <a:off x="1699227" y="1415143"/>
+            <a:ext cx="2640543" cy="536304"/>
+          </a:xfrm>
+          <a:prstGeom prst="rect">
+            <a:avLst/>
+          </a:prstGeom>
+          <a:noFill/>
+          <a:ln w="38100">
+            <a:solidFill>
+              <a:srgbClr val="FF0000"/>
+            </a:solidFill>
+          </a:ln>
+        </p:spPr>
+        <p:style>
+          <a:lnRef idx="2">
+            <a:schemeClr val="accent1">
+              <a:shade val="15000"/>
+            </a:schemeClr>
+          </a:lnRef>
+          <a:fillRef idx="1">
+            <a:schemeClr val="accent1"/>
+          </a:fillRef>
+          <a:effectRef idx="0">
+            <a:schemeClr val="accent1"/>
+          </a:effectRef>
+          <a:fontRef idx="minor">
+            <a:schemeClr val="lt1"/>
+          </a:fontRef>
+        </p:style>
+        <p:txBody>
+          <a:bodyPr rtlCol="0" anchor="ctr"/>
+          <a:lstStyle/>
+          <a:p>
+            <a:pPr algn="ctr"/>
+            <a:endParaRPr lang="ko-KR" altLang="en-US" sz="1350"/>
+          </a:p>
+        </p:txBody>
+      </p:sp>
+      <p:sp>
+        <p:nvSpPr>
+          <p:cNvPr id="7" name="타원 6">
+            <a:extLst>
+              <a:ext uri="{FF2B5EF4-FFF2-40B4-BE49-F238E27FC236}">
+                <a16:creationId xmlns:a16="http://schemas.microsoft.com/office/drawing/2014/main" id="{DC5CC401-A6C1-6901-762A-C740B137E27A}"/>
+              </a:ext>
+            </a:extLst>
+          </p:cNvPr>
+          <p:cNvSpPr/>
+          <p:nvPr/>
+        </p:nvSpPr>
+        <p:spPr>
+          <a:xfrm>
+            <a:off x="1597914" y="1321622"/>
+            <a:ext cx="202628" cy="187042"/>
+          </a:xfrm>
+          <a:prstGeom prst="ellipse">
+            <a:avLst/>
+          </a:prstGeom>
+          <a:solidFill>
+            <a:schemeClr val="bg1"/>
+          </a:solidFill>
+          <a:ln w="38100">
+            <a:solidFill>
+              <a:srgbClr val="FF0000"/>
+            </a:solidFill>
+          </a:ln>
+        </p:spPr>
+        <p:style>
+          <a:lnRef idx="2">
+            <a:schemeClr val="accent1">
+              <a:shade val="15000"/>
+            </a:schemeClr>
+          </a:lnRef>
+          <a:fillRef idx="1">
+            <a:schemeClr val="accent1"/>
+          </a:fillRef>
+          <a:effectRef idx="0">
+            <a:schemeClr val="accent1"/>
+          </a:effectRef>
+          <a:fontRef idx="minor">
+            <a:schemeClr val="lt1"/>
+          </a:fontRef>
+        </p:style>
+        <p:txBody>
+          <a:bodyPr rtlCol="0" anchor="ctr"/>
+          <a:lstStyle/>
+          <a:p>
+            <a:pPr algn="ctr"/>
+            <a:r>
+              <a:rPr lang="en-US" altLang="ko-KR" sz="1350" dirty="0">
+                <a:solidFill>
+                  <a:schemeClr val="tx1"/>
+                </a:solidFill>
+              </a:rPr>
+              <a:t>1</a:t>
+            </a:r>
+            <a:endParaRPr lang="ko-KR" altLang="en-US" sz="1350" dirty="0">
+              <a:solidFill>
+                <a:schemeClr val="tx1"/>
+              </a:solidFill>
+            </a:endParaRPr>
+          </a:p>
+        </p:txBody>
+      </p:sp>
+      <p:sp>
+        <p:nvSpPr>
+          <p:cNvPr id="8" name="직사각형 7">
+            <a:extLst>
+              <a:ext uri="{FF2B5EF4-FFF2-40B4-BE49-F238E27FC236}">
+                <a16:creationId xmlns:a16="http://schemas.microsoft.com/office/drawing/2014/main" id="{BCD9F049-37C4-BC3E-6FF7-7DBB2DF9E7A3}"/>
+              </a:ext>
+            </a:extLst>
+          </p:cNvPr>
+          <p:cNvSpPr/>
+          <p:nvPr/>
+        </p:nvSpPr>
+        <p:spPr>
+          <a:xfrm>
+            <a:off x="1393371" y="1951447"/>
+            <a:ext cx="10115403" cy="7236096"/>
+          </a:xfrm>
+          <a:prstGeom prst="rect">
+            <a:avLst/>
+          </a:prstGeom>
+          <a:noFill/>
+          <a:ln w="38100">
+            <a:solidFill>
+              <a:srgbClr val="FF0000"/>
+            </a:solidFill>
+          </a:ln>
+        </p:spPr>
+        <p:style>
+          <a:lnRef idx="2">
+            <a:schemeClr val="accent1">
+              <a:shade val="15000"/>
+            </a:schemeClr>
+          </a:lnRef>
+          <a:fillRef idx="1">
+            <a:schemeClr val="accent1"/>
+          </a:fillRef>
+          <a:effectRef idx="0">
+            <a:schemeClr val="accent1"/>
+          </a:effectRef>
+          <a:fontRef idx="minor">
+            <a:schemeClr val="lt1"/>
+          </a:fontRef>
+        </p:style>
+        <p:txBody>
+          <a:bodyPr rtlCol="0" anchor="ctr"/>
+          <a:lstStyle/>
+          <a:p>
+            <a:pPr algn="ctr"/>
+            <a:endParaRPr lang="ko-KR" altLang="en-US" sz="1350"/>
+          </a:p>
+        </p:txBody>
+      </p:sp>
+      <p:sp>
+        <p:nvSpPr>
+          <p:cNvPr id="9" name="타원 8">
+            <a:extLst>
+              <a:ext uri="{FF2B5EF4-FFF2-40B4-BE49-F238E27FC236}">
+                <a16:creationId xmlns:a16="http://schemas.microsoft.com/office/drawing/2014/main" id="{3678B287-380D-ADAC-022D-AE6A21DEA575}"/>
+              </a:ext>
+            </a:extLst>
+          </p:cNvPr>
+          <p:cNvSpPr/>
+          <p:nvPr/>
+        </p:nvSpPr>
+        <p:spPr>
+          <a:xfrm>
+            <a:off x="1295029" y="1846747"/>
+            <a:ext cx="202628" cy="187042"/>
+          </a:xfrm>
+          <a:prstGeom prst="ellipse">
+            <a:avLst/>
+          </a:prstGeom>
+          <a:solidFill>
+            <a:schemeClr val="bg1"/>
+          </a:solidFill>
+          <a:ln w="38100">
+            <a:solidFill>
+              <a:srgbClr val="FF0000"/>
+            </a:solidFill>
+          </a:ln>
+        </p:spPr>
+        <p:style>
+          <a:lnRef idx="2">
+            <a:schemeClr val="accent1">
+              <a:shade val="15000"/>
+            </a:schemeClr>
+          </a:lnRef>
+          <a:fillRef idx="1">
+            <a:schemeClr val="accent1"/>
+          </a:fillRef>
+          <a:effectRef idx="0">
+            <a:schemeClr val="accent1"/>
+          </a:effectRef>
+          <a:fontRef idx="minor">
+            <a:schemeClr val="lt1"/>
+          </a:fontRef>
+        </p:style>
+        <p:txBody>
+          <a:bodyPr rtlCol="0" anchor="ctr"/>
+          <a:lstStyle/>
+          <a:p>
+            <a:pPr algn="ctr"/>
+            <a:r>
+              <a:rPr lang="en-US" altLang="ko-KR" sz="1350" dirty="0">
+                <a:solidFill>
+                  <a:schemeClr val="tx1"/>
+                </a:solidFill>
+              </a:rPr>
+              <a:t>3</a:t>
+            </a:r>
+            <a:endParaRPr lang="ko-KR" altLang="en-US" sz="1350" dirty="0">
+              <a:solidFill>
+                <a:schemeClr val="tx1"/>
+              </a:solidFill>
+            </a:endParaRPr>
+          </a:p>
+        </p:txBody>
+      </p:sp>
+      <p:sp>
+        <p:nvSpPr>
+          <p:cNvPr id="10" name="직사각형 9">
+            <a:extLst>
+              <a:ext uri="{FF2B5EF4-FFF2-40B4-BE49-F238E27FC236}">
+                <a16:creationId xmlns:a16="http://schemas.microsoft.com/office/drawing/2014/main" id="{F400B94A-6A32-6F7B-2C1B-93AB18C0B371}"/>
+              </a:ext>
+            </a:extLst>
+          </p:cNvPr>
+          <p:cNvSpPr/>
+          <p:nvPr/>
+        </p:nvSpPr>
+        <p:spPr>
+          <a:xfrm>
+            <a:off x="1697312" y="2056147"/>
+            <a:ext cx="1101743" cy="536304"/>
+          </a:xfrm>
+          <a:prstGeom prst="rect">
+            <a:avLst/>
+          </a:prstGeom>
+          <a:noFill/>
+          <a:ln w="38100">
+            <a:solidFill>
+              <a:srgbClr val="FF0000"/>
+            </a:solidFill>
+          </a:ln>
+        </p:spPr>
+        <p:style>
+          <a:lnRef idx="2">
+            <a:schemeClr val="accent1">
+              <a:shade val="15000"/>
+            </a:schemeClr>
+          </a:lnRef>
+          <a:fillRef idx="1">
+            <a:schemeClr val="accent1"/>
+          </a:fillRef>
+          <a:effectRef idx="0">
+            <a:schemeClr val="accent1"/>
+          </a:effectRef>
+          <a:fontRef idx="minor">
+            <a:schemeClr val="lt1"/>
+          </a:fontRef>
+        </p:style>
+        <p:txBody>
+          <a:bodyPr rtlCol="0" anchor="ctr"/>
+          <a:lstStyle/>
+          <a:p>
+            <a:pPr algn="ctr"/>
+            <a:endParaRPr lang="ko-KR" altLang="en-US" sz="1350"/>
+          </a:p>
+        </p:txBody>
+      </p:sp>
+      <p:sp>
+        <p:nvSpPr>
+          <p:cNvPr id="11" name="타원 10">
+            <a:extLst>
+              <a:ext uri="{FF2B5EF4-FFF2-40B4-BE49-F238E27FC236}">
+                <a16:creationId xmlns:a16="http://schemas.microsoft.com/office/drawing/2014/main" id="{1892A186-9FF5-33C7-B3D3-1516C0F3A444}"/>
+              </a:ext>
+            </a:extLst>
+          </p:cNvPr>
+          <p:cNvSpPr/>
+          <p:nvPr/>
+        </p:nvSpPr>
+        <p:spPr>
+          <a:xfrm>
+            <a:off x="1595999" y="1962626"/>
+            <a:ext cx="202628" cy="187042"/>
+          </a:xfrm>
+          <a:prstGeom prst="ellipse">
+            <a:avLst/>
+          </a:prstGeom>
+          <a:solidFill>
+            <a:schemeClr val="bg1"/>
+          </a:solidFill>
+          <a:ln w="38100">
+            <a:solidFill>
+              <a:srgbClr val="FF0000"/>
+            </a:solidFill>
+          </a:ln>
+        </p:spPr>
+        <p:style>
+          <a:lnRef idx="2">
+            <a:schemeClr val="accent1">
+              <a:shade val="15000"/>
+            </a:schemeClr>
+          </a:lnRef>
+          <a:fillRef idx="1">
+            <a:schemeClr val="accent1"/>
+          </a:fillRef>
+          <a:effectRef idx="0">
+            <a:schemeClr val="accent1"/>
+          </a:effectRef>
+          <a:fontRef idx="minor">
+            <a:schemeClr val="lt1"/>
+          </a:fontRef>
+        </p:style>
+        <p:txBody>
+          <a:bodyPr rtlCol="0" anchor="ctr"/>
+          <a:lstStyle/>
+          <a:p>
+            <a:pPr algn="ctr"/>
+            <a:r>
+              <a:rPr lang="en-US" altLang="ko-KR" sz="1350" dirty="0">
+                <a:solidFill>
+                  <a:schemeClr val="tx1"/>
+                </a:solidFill>
+              </a:rPr>
+              <a:t>2</a:t>
+            </a:r>
+            <a:endParaRPr lang="ko-KR" altLang="en-US" sz="1350" dirty="0">
+              <a:solidFill>
+                <a:schemeClr val="tx1"/>
+              </a:solidFill>
+            </a:endParaRPr>
+          </a:p>
+        </p:txBody>
+      </p:sp>
+    </p:spTree>
+    <p:extLst>
+      <p:ext uri="{BB962C8B-B14F-4D97-AF65-F5344CB8AC3E}">
+        <p14:creationId xmlns:p14="http://schemas.microsoft.com/office/powerpoint/2010/main" val="1559542523"/>
+      </p:ext>
+    </p:extLst>
+  </p:cSld>
+  <p:clrMapOvr>
+    <a:masterClrMapping/>
+  </p:clrMapOvr>
+</p:sld>
+</file>
+
 <file path=ppt/theme/theme1.xml><?xml version="1.0" encoding="utf-8"?>
-<a:theme xmlns:a="http://schemas.openxmlformats.org/drawingml/2006/main" name="Office 테마">
+<a:theme xmlns:a="http://schemas.openxmlformats.org/drawingml/2006/main" name="Office 2013 - 2022 테마">
   <a:themeElements>
-    <a:clrScheme name="Office 테마">
+    <a:clrScheme name="Office 2013 - 2022 테마">
       <a:dk1>
         <a:sysClr val="windowText" lastClr="000000"/>
       </a:dk1>
@@ -4028,7 +10110,7 @@
         <a:srgbClr val="954F72"/>
       </a:folHlink>
     </a:clrScheme>
-    <a:fontScheme name="Office 테마">
+    <a:fontScheme name="Office 2013 - 2022 테마">
       <a:majorFont>
         <a:latin typeface="Calibri Light" panose="020F0302020204030204"/>
         <a:ea typeface=""/>
@@ -4100,7 +10182,7 @@
         <a:font script="Geor" typeface="Sylfaen"/>
       </a:minorFont>
     </a:fontScheme>
-    <a:fmtScheme name="Office 테마">
+    <a:fmtScheme name="Office 2013 - 2022 테마">
       <a:fillStyleLst>
         <a:solidFill>
           <a:schemeClr val="phClr"/>

--- a/HDM/문서/메뉴얼 작성.pptx
+++ b/HDM/문서/메뉴얼 작성.pptx
@@ -21,6 +21,8 @@
     <p:sldId id="269" r:id="rId15"/>
     <p:sldId id="270" r:id="rId16"/>
     <p:sldId id="271" r:id="rId17"/>
+    <p:sldId id="272" r:id="rId18"/>
+    <p:sldId id="273" r:id="rId19"/>
   </p:sldIdLst>
   <p:sldSz cx="13208000" cy="9906000"/>
   <p:notesSz cx="6858000" cy="9144000"/>
@@ -258,7 +260,7 @@
           <a:p>
             <a:fld id="{0E35EC25-0EF2-497B-8920-1E6BAD0A2F9F}" type="datetimeFigureOut">
               <a:rPr lang="ko-KR" altLang="en-US" smtClean="0"/>
-              <a:t>2026-02-03</a:t>
+              <a:t>2026-02-04</a:t>
             </a:fld>
             <a:endParaRPr lang="ko-KR" altLang="en-US"/>
           </a:p>
@@ -428,7 +430,7 @@
           <a:p>
             <a:fld id="{0E35EC25-0EF2-497B-8920-1E6BAD0A2F9F}" type="datetimeFigureOut">
               <a:rPr lang="ko-KR" altLang="en-US" smtClean="0"/>
-              <a:t>2026-02-03</a:t>
+              <a:t>2026-02-04</a:t>
             </a:fld>
             <a:endParaRPr lang="ko-KR" altLang="en-US"/>
           </a:p>
@@ -608,7 +610,7 @@
           <a:p>
             <a:fld id="{0E35EC25-0EF2-497B-8920-1E6BAD0A2F9F}" type="datetimeFigureOut">
               <a:rPr lang="ko-KR" altLang="en-US" smtClean="0"/>
-              <a:t>2026-02-03</a:t>
+              <a:t>2026-02-04</a:t>
             </a:fld>
             <a:endParaRPr lang="ko-KR" altLang="en-US"/>
           </a:p>
@@ -778,7 +780,7 @@
           <a:p>
             <a:fld id="{0E35EC25-0EF2-497B-8920-1E6BAD0A2F9F}" type="datetimeFigureOut">
               <a:rPr lang="ko-KR" altLang="en-US" smtClean="0"/>
-              <a:t>2026-02-03</a:t>
+              <a:t>2026-02-04</a:t>
             </a:fld>
             <a:endParaRPr lang="ko-KR" altLang="en-US"/>
           </a:p>
@@ -1022,7 +1024,7 @@
           <a:p>
             <a:fld id="{0E35EC25-0EF2-497B-8920-1E6BAD0A2F9F}" type="datetimeFigureOut">
               <a:rPr lang="ko-KR" altLang="en-US" smtClean="0"/>
-              <a:t>2026-02-03</a:t>
+              <a:t>2026-02-04</a:t>
             </a:fld>
             <a:endParaRPr lang="ko-KR" altLang="en-US"/>
           </a:p>
@@ -1254,7 +1256,7 @@
           <a:p>
             <a:fld id="{0E35EC25-0EF2-497B-8920-1E6BAD0A2F9F}" type="datetimeFigureOut">
               <a:rPr lang="ko-KR" altLang="en-US" smtClean="0"/>
-              <a:t>2026-02-03</a:t>
+              <a:t>2026-02-04</a:t>
             </a:fld>
             <a:endParaRPr lang="ko-KR" altLang="en-US"/>
           </a:p>
@@ -1621,7 +1623,7 @@
           <a:p>
             <a:fld id="{0E35EC25-0EF2-497B-8920-1E6BAD0A2F9F}" type="datetimeFigureOut">
               <a:rPr lang="ko-KR" altLang="en-US" smtClean="0"/>
-              <a:t>2026-02-03</a:t>
+              <a:t>2026-02-04</a:t>
             </a:fld>
             <a:endParaRPr lang="ko-KR" altLang="en-US"/>
           </a:p>
@@ -1739,7 +1741,7 @@
           <a:p>
             <a:fld id="{0E35EC25-0EF2-497B-8920-1E6BAD0A2F9F}" type="datetimeFigureOut">
               <a:rPr lang="ko-KR" altLang="en-US" smtClean="0"/>
-              <a:t>2026-02-03</a:t>
+              <a:t>2026-02-04</a:t>
             </a:fld>
             <a:endParaRPr lang="ko-KR" altLang="en-US"/>
           </a:p>
@@ -1834,7 +1836,7 @@
           <a:p>
             <a:fld id="{0E35EC25-0EF2-497B-8920-1E6BAD0A2F9F}" type="datetimeFigureOut">
               <a:rPr lang="ko-KR" altLang="en-US" smtClean="0"/>
-              <a:t>2026-02-03</a:t>
+              <a:t>2026-02-04</a:t>
             </a:fld>
             <a:endParaRPr lang="ko-KR" altLang="en-US"/>
           </a:p>
@@ -2111,7 +2113,7 @@
           <a:p>
             <a:fld id="{0E35EC25-0EF2-497B-8920-1E6BAD0A2F9F}" type="datetimeFigureOut">
               <a:rPr lang="ko-KR" altLang="en-US" smtClean="0"/>
-              <a:t>2026-02-03</a:t>
+              <a:t>2026-02-04</a:t>
             </a:fld>
             <a:endParaRPr lang="ko-KR" altLang="en-US"/>
           </a:p>
@@ -2368,7 +2370,7 @@
           <a:p>
             <a:fld id="{0E35EC25-0EF2-497B-8920-1E6BAD0A2F9F}" type="datetimeFigureOut">
               <a:rPr lang="ko-KR" altLang="en-US" smtClean="0"/>
-              <a:t>2026-02-03</a:t>
+              <a:t>2026-02-04</a:t>
             </a:fld>
             <a:endParaRPr lang="ko-KR" altLang="en-US"/>
           </a:p>
@@ -2581,7 +2583,7 @@
           <a:p>
             <a:fld id="{0E35EC25-0EF2-497B-8920-1E6BAD0A2F9F}" type="datetimeFigureOut">
               <a:rPr lang="ko-KR" altLang="en-US" smtClean="0"/>
-              <a:t>2026-02-03</a:t>
+              <a:t>2026-02-04</a:t>
             </a:fld>
             <a:endParaRPr lang="ko-KR" altLang="en-US"/>
           </a:p>
@@ -6369,6 +6371,36 @@
           <a:chExt cx="0" cy="0"/>
         </a:xfrm>
       </p:grpSpPr>
+      <p:pic>
+        <p:nvPicPr>
+          <p:cNvPr id="5" name="그림 4" descr="텍스트, 폰트, 번호, 라인이(가) 표시된 사진&#10;&#10;AI 생성 콘텐츠는 정확하지 않을 수 있습니다.">
+            <a:extLst>
+              <a:ext uri="{FF2B5EF4-FFF2-40B4-BE49-F238E27FC236}">
+                <a16:creationId xmlns:a16="http://schemas.microsoft.com/office/drawing/2014/main" id="{C9B0ED1D-4BAF-C312-44C1-E170EFD60D6D}"/>
+              </a:ext>
+            </a:extLst>
+          </p:cNvPr>
+          <p:cNvPicPr>
+            <a:picLocks noChangeAspect="1"/>
+          </p:cNvPicPr>
+          <p:nvPr/>
+        </p:nvPicPr>
+        <p:blipFill>
+          <a:blip r:embed="rId2"/>
+          <a:stretch>
+            <a:fillRect/>
+          </a:stretch>
+        </p:blipFill>
+        <p:spPr>
+          <a:xfrm>
+            <a:off x="747094" y="655780"/>
+            <a:ext cx="10517068" cy="2896004"/>
+          </a:xfrm>
+          <a:prstGeom prst="rect">
+            <a:avLst/>
+          </a:prstGeom>
+        </p:spPr>
+      </p:pic>
       <p:sp>
         <p:nvSpPr>
           <p:cNvPr id="6" name="직사각형 5">
@@ -6383,8 +6415,8 @@
         </p:nvSpPr>
         <p:spPr>
           <a:xfrm>
-            <a:off x="747095" y="2389776"/>
-            <a:ext cx="1760974" cy="536304"/>
+            <a:off x="747094" y="1819933"/>
+            <a:ext cx="10517067" cy="536304"/>
           </a:xfrm>
           <a:prstGeom prst="rect">
             <a:avLst/>
@@ -6435,7 +6467,7 @@
         </p:nvSpPr>
         <p:spPr>
           <a:xfrm>
-            <a:off x="645781" y="2296255"/>
+            <a:off x="645781" y="1726412"/>
             <a:ext cx="202628" cy="187042"/>
           </a:xfrm>
           <a:prstGeom prst="ellipse">
@@ -6501,8 +6533,8 @@
         </p:nvSpPr>
         <p:spPr>
           <a:xfrm>
-            <a:off x="747094" y="3019601"/>
-            <a:ext cx="11763815" cy="5471256"/>
+            <a:off x="747094" y="2449758"/>
+            <a:ext cx="10517067" cy="1070632"/>
           </a:xfrm>
           <a:prstGeom prst="rect">
             <a:avLst/>
@@ -6553,7 +6585,7 @@
         </p:nvSpPr>
         <p:spPr>
           <a:xfrm>
-            <a:off x="645781" y="2926080"/>
+            <a:off x="645781" y="2356237"/>
             <a:ext cx="202628" cy="187042"/>
           </a:xfrm>
           <a:prstGeom prst="ellipse">
@@ -6605,10 +6637,1204 @@
           </a:p>
         </p:txBody>
       </p:sp>
+      <p:sp>
+        <p:nvSpPr>
+          <p:cNvPr id="10" name="직사각형 9">
+            <a:extLst>
+              <a:ext uri="{FF2B5EF4-FFF2-40B4-BE49-F238E27FC236}">
+                <a16:creationId xmlns:a16="http://schemas.microsoft.com/office/drawing/2014/main" id="{3A9795D1-7E6C-AA4D-B7C3-65D16B6925DC}"/>
+              </a:ext>
+            </a:extLst>
+          </p:cNvPr>
+          <p:cNvSpPr/>
+          <p:nvPr/>
+        </p:nvSpPr>
+        <p:spPr>
+          <a:xfrm>
+            <a:off x="9367633" y="1016465"/>
+            <a:ext cx="889549" cy="536304"/>
+          </a:xfrm>
+          <a:prstGeom prst="rect">
+            <a:avLst/>
+          </a:prstGeom>
+          <a:noFill/>
+          <a:ln w="38100">
+            <a:solidFill>
+              <a:srgbClr val="FF0000"/>
+            </a:solidFill>
+          </a:ln>
+        </p:spPr>
+        <p:style>
+          <a:lnRef idx="2">
+            <a:schemeClr val="accent1">
+              <a:shade val="15000"/>
+            </a:schemeClr>
+          </a:lnRef>
+          <a:fillRef idx="1">
+            <a:schemeClr val="accent1"/>
+          </a:fillRef>
+          <a:effectRef idx="0">
+            <a:schemeClr val="accent1"/>
+          </a:effectRef>
+          <a:fontRef idx="minor">
+            <a:schemeClr val="lt1"/>
+          </a:fontRef>
+        </p:style>
+        <p:txBody>
+          <a:bodyPr rtlCol="0" anchor="ctr"/>
+          <a:lstStyle/>
+          <a:p>
+            <a:pPr algn="ctr"/>
+            <a:endParaRPr lang="ko-KR" altLang="en-US" sz="1350"/>
+          </a:p>
+        </p:txBody>
+      </p:sp>
+      <p:sp>
+        <p:nvSpPr>
+          <p:cNvPr id="11" name="타원 10">
+            <a:extLst>
+              <a:ext uri="{FF2B5EF4-FFF2-40B4-BE49-F238E27FC236}">
+                <a16:creationId xmlns:a16="http://schemas.microsoft.com/office/drawing/2014/main" id="{71CAEB59-DB3C-CA13-507A-0921F22868B4}"/>
+              </a:ext>
+            </a:extLst>
+          </p:cNvPr>
+          <p:cNvSpPr/>
+          <p:nvPr/>
+        </p:nvSpPr>
+        <p:spPr>
+          <a:xfrm>
+            <a:off x="9266320" y="922944"/>
+            <a:ext cx="202628" cy="187042"/>
+          </a:xfrm>
+          <a:prstGeom prst="ellipse">
+            <a:avLst/>
+          </a:prstGeom>
+          <a:solidFill>
+            <a:schemeClr val="bg1"/>
+          </a:solidFill>
+          <a:ln w="38100">
+            <a:solidFill>
+              <a:srgbClr val="FF0000"/>
+            </a:solidFill>
+          </a:ln>
+        </p:spPr>
+        <p:style>
+          <a:lnRef idx="2">
+            <a:schemeClr val="accent1">
+              <a:shade val="15000"/>
+            </a:schemeClr>
+          </a:lnRef>
+          <a:fillRef idx="1">
+            <a:schemeClr val="accent1"/>
+          </a:fillRef>
+          <a:effectRef idx="0">
+            <a:schemeClr val="accent1"/>
+          </a:effectRef>
+          <a:fontRef idx="minor">
+            <a:schemeClr val="lt1"/>
+          </a:fontRef>
+        </p:style>
+        <p:txBody>
+          <a:bodyPr rtlCol="0" anchor="ctr"/>
+          <a:lstStyle/>
+          <a:p>
+            <a:pPr algn="ctr"/>
+            <a:r>
+              <a:rPr lang="en-US" altLang="ko-KR" sz="1350" dirty="0">
+                <a:solidFill>
+                  <a:schemeClr val="tx1"/>
+                </a:solidFill>
+              </a:rPr>
+              <a:t>3</a:t>
+            </a:r>
+            <a:endParaRPr lang="ko-KR" altLang="en-US" sz="1350" dirty="0">
+              <a:solidFill>
+                <a:schemeClr val="tx1"/>
+              </a:solidFill>
+            </a:endParaRPr>
+          </a:p>
+        </p:txBody>
+      </p:sp>
     </p:spTree>
     <p:extLst>
       <p:ext uri="{BB962C8B-B14F-4D97-AF65-F5344CB8AC3E}">
         <p14:creationId xmlns:p14="http://schemas.microsoft.com/office/powerpoint/2010/main" val="3351327628"/>
+      </p:ext>
+    </p:extLst>
+  </p:cSld>
+  <p:clrMapOvr>
+    <a:masterClrMapping/>
+  </p:clrMapOvr>
+</p:sld>
+</file>
+
+<file path=ppt/slides/slide17.xml><?xml version="1.0" encoding="utf-8"?>
+<p:sld xmlns:a="http://schemas.openxmlformats.org/drawingml/2006/main" xmlns:r="http://schemas.openxmlformats.org/officeDocument/2006/relationships" xmlns:p="http://schemas.openxmlformats.org/presentationml/2006/main">
+  <p:cSld>
+    <p:spTree>
+      <p:nvGrpSpPr>
+        <p:cNvPr id="1" name="">
+          <a:extLst>
+            <a:ext uri="{FF2B5EF4-FFF2-40B4-BE49-F238E27FC236}">
+              <a16:creationId xmlns:a16="http://schemas.microsoft.com/office/drawing/2014/main" id="{DC4AA1AE-60B9-5DE8-0192-A0DF56332663}"/>
+            </a:ext>
+          </a:extLst>
+        </p:cNvPr>
+        <p:cNvGrpSpPr/>
+        <p:nvPr/>
+      </p:nvGrpSpPr>
+      <p:grpSpPr>
+        <a:xfrm>
+          <a:off x="0" y="0"/>
+          <a:ext cx="0" cy="0"/>
+          <a:chOff x="0" y="0"/>
+          <a:chExt cx="0" cy="0"/>
+        </a:xfrm>
+      </p:grpSpPr>
+      <p:pic>
+        <p:nvPicPr>
+          <p:cNvPr id="3" name="그림 2" descr="텍스트, 스크린샷, 번호, 폰트이(가) 표시된 사진&#10;&#10;AI 생성 콘텐츠는 정확하지 않을 수 있습니다.">
+            <a:extLst>
+              <a:ext uri="{FF2B5EF4-FFF2-40B4-BE49-F238E27FC236}">
+                <a16:creationId xmlns:a16="http://schemas.microsoft.com/office/drawing/2014/main" id="{4E907A0A-D920-5C81-3730-04520D5E117E}"/>
+              </a:ext>
+            </a:extLst>
+          </p:cNvPr>
+          <p:cNvPicPr>
+            <a:picLocks noChangeAspect="1"/>
+          </p:cNvPicPr>
+          <p:nvPr/>
+        </p:nvPicPr>
+        <p:blipFill>
+          <a:blip r:embed="rId2"/>
+          <a:stretch>
+            <a:fillRect/>
+          </a:stretch>
+        </p:blipFill>
+        <p:spPr>
+          <a:xfrm>
+            <a:off x="1350229" y="1161521"/>
+            <a:ext cx="10507541" cy="7582958"/>
+          </a:xfrm>
+          <a:prstGeom prst="rect">
+            <a:avLst/>
+          </a:prstGeom>
+        </p:spPr>
+      </p:pic>
+      <p:sp>
+        <p:nvSpPr>
+          <p:cNvPr id="6" name="직사각형 5">
+            <a:extLst>
+              <a:ext uri="{FF2B5EF4-FFF2-40B4-BE49-F238E27FC236}">
+                <a16:creationId xmlns:a16="http://schemas.microsoft.com/office/drawing/2014/main" id="{C2079739-C4AD-5384-5826-FBD3F1D27076}"/>
+              </a:ext>
+            </a:extLst>
+          </p:cNvPr>
+          <p:cNvSpPr/>
+          <p:nvPr/>
+        </p:nvSpPr>
+        <p:spPr>
+          <a:xfrm>
+            <a:off x="1345467" y="2058471"/>
+            <a:ext cx="2298882" cy="737737"/>
+          </a:xfrm>
+          <a:prstGeom prst="rect">
+            <a:avLst/>
+          </a:prstGeom>
+          <a:noFill/>
+          <a:ln w="38100">
+            <a:solidFill>
+              <a:srgbClr val="FF0000"/>
+            </a:solidFill>
+          </a:ln>
+        </p:spPr>
+        <p:style>
+          <a:lnRef idx="2">
+            <a:schemeClr val="accent1">
+              <a:shade val="15000"/>
+            </a:schemeClr>
+          </a:lnRef>
+          <a:fillRef idx="1">
+            <a:schemeClr val="accent1"/>
+          </a:fillRef>
+          <a:effectRef idx="0">
+            <a:schemeClr val="accent1"/>
+          </a:effectRef>
+          <a:fontRef idx="minor">
+            <a:schemeClr val="lt1"/>
+          </a:fontRef>
+        </p:style>
+        <p:txBody>
+          <a:bodyPr rtlCol="0" anchor="ctr"/>
+          <a:lstStyle/>
+          <a:p>
+            <a:pPr algn="ctr"/>
+            <a:endParaRPr lang="ko-KR" altLang="en-US" sz="1350"/>
+          </a:p>
+        </p:txBody>
+      </p:sp>
+      <p:sp>
+        <p:nvSpPr>
+          <p:cNvPr id="7" name="타원 6">
+            <a:extLst>
+              <a:ext uri="{FF2B5EF4-FFF2-40B4-BE49-F238E27FC236}">
+                <a16:creationId xmlns:a16="http://schemas.microsoft.com/office/drawing/2014/main" id="{F7324C92-B7BD-57A4-AFCF-10C7F606C0A5}"/>
+              </a:ext>
+            </a:extLst>
+          </p:cNvPr>
+          <p:cNvSpPr/>
+          <p:nvPr/>
+        </p:nvSpPr>
+        <p:spPr>
+          <a:xfrm>
+            <a:off x="1244153" y="1964951"/>
+            <a:ext cx="202628" cy="187042"/>
+          </a:xfrm>
+          <a:prstGeom prst="ellipse">
+            <a:avLst/>
+          </a:prstGeom>
+          <a:solidFill>
+            <a:schemeClr val="bg1"/>
+          </a:solidFill>
+          <a:ln w="38100">
+            <a:solidFill>
+              <a:srgbClr val="FF0000"/>
+            </a:solidFill>
+          </a:ln>
+        </p:spPr>
+        <p:style>
+          <a:lnRef idx="2">
+            <a:schemeClr val="accent1">
+              <a:shade val="15000"/>
+            </a:schemeClr>
+          </a:lnRef>
+          <a:fillRef idx="1">
+            <a:schemeClr val="accent1"/>
+          </a:fillRef>
+          <a:effectRef idx="0">
+            <a:schemeClr val="accent1"/>
+          </a:effectRef>
+          <a:fontRef idx="minor">
+            <a:schemeClr val="lt1"/>
+          </a:fontRef>
+        </p:style>
+        <p:txBody>
+          <a:bodyPr rtlCol="0" anchor="ctr"/>
+          <a:lstStyle/>
+          <a:p>
+            <a:pPr algn="ctr"/>
+            <a:r>
+              <a:rPr lang="en-US" altLang="ko-KR" sz="1350" dirty="0">
+                <a:solidFill>
+                  <a:schemeClr val="tx1"/>
+                </a:solidFill>
+              </a:rPr>
+              <a:t>1</a:t>
+            </a:r>
+            <a:endParaRPr lang="ko-KR" altLang="en-US" sz="1350" dirty="0">
+              <a:solidFill>
+                <a:schemeClr val="tx1"/>
+              </a:solidFill>
+            </a:endParaRPr>
+          </a:p>
+        </p:txBody>
+      </p:sp>
+      <p:sp>
+        <p:nvSpPr>
+          <p:cNvPr id="8" name="직사각형 7">
+            <a:extLst>
+              <a:ext uri="{FF2B5EF4-FFF2-40B4-BE49-F238E27FC236}">
+                <a16:creationId xmlns:a16="http://schemas.microsoft.com/office/drawing/2014/main" id="{CAA6D28E-36C2-C225-2DE4-BF931EDF582F}"/>
+              </a:ext>
+            </a:extLst>
+          </p:cNvPr>
+          <p:cNvSpPr/>
+          <p:nvPr/>
+        </p:nvSpPr>
+        <p:spPr>
+          <a:xfrm>
+            <a:off x="1340703" y="2941263"/>
+            <a:ext cx="5263297" cy="4999785"/>
+          </a:xfrm>
+          <a:prstGeom prst="rect">
+            <a:avLst/>
+          </a:prstGeom>
+          <a:noFill/>
+          <a:ln w="38100">
+            <a:solidFill>
+              <a:srgbClr val="FF0000"/>
+            </a:solidFill>
+          </a:ln>
+        </p:spPr>
+        <p:style>
+          <a:lnRef idx="2">
+            <a:schemeClr val="accent1">
+              <a:shade val="15000"/>
+            </a:schemeClr>
+          </a:lnRef>
+          <a:fillRef idx="1">
+            <a:schemeClr val="accent1"/>
+          </a:fillRef>
+          <a:effectRef idx="0">
+            <a:schemeClr val="accent1"/>
+          </a:effectRef>
+          <a:fontRef idx="minor">
+            <a:schemeClr val="lt1"/>
+          </a:fontRef>
+        </p:style>
+        <p:txBody>
+          <a:bodyPr rtlCol="0" anchor="ctr"/>
+          <a:lstStyle/>
+          <a:p>
+            <a:pPr algn="ctr"/>
+            <a:endParaRPr lang="ko-KR" altLang="en-US" sz="1350"/>
+          </a:p>
+        </p:txBody>
+      </p:sp>
+      <p:sp>
+        <p:nvSpPr>
+          <p:cNvPr id="9" name="타원 8">
+            <a:extLst>
+              <a:ext uri="{FF2B5EF4-FFF2-40B4-BE49-F238E27FC236}">
+                <a16:creationId xmlns:a16="http://schemas.microsoft.com/office/drawing/2014/main" id="{91EA3EE3-3BF4-B4CA-0A82-62806D94E080}"/>
+              </a:ext>
+            </a:extLst>
+          </p:cNvPr>
+          <p:cNvSpPr/>
+          <p:nvPr/>
+        </p:nvSpPr>
+        <p:spPr>
+          <a:xfrm>
+            <a:off x="1239390" y="2847743"/>
+            <a:ext cx="202628" cy="187042"/>
+          </a:xfrm>
+          <a:prstGeom prst="ellipse">
+            <a:avLst/>
+          </a:prstGeom>
+          <a:solidFill>
+            <a:schemeClr val="bg1"/>
+          </a:solidFill>
+          <a:ln w="38100">
+            <a:solidFill>
+              <a:srgbClr val="FF0000"/>
+            </a:solidFill>
+          </a:ln>
+        </p:spPr>
+        <p:style>
+          <a:lnRef idx="2">
+            <a:schemeClr val="accent1">
+              <a:shade val="15000"/>
+            </a:schemeClr>
+          </a:lnRef>
+          <a:fillRef idx="1">
+            <a:schemeClr val="accent1"/>
+          </a:fillRef>
+          <a:effectRef idx="0">
+            <a:schemeClr val="accent1"/>
+          </a:effectRef>
+          <a:fontRef idx="minor">
+            <a:schemeClr val="lt1"/>
+          </a:fontRef>
+        </p:style>
+        <p:txBody>
+          <a:bodyPr rtlCol="0" anchor="ctr"/>
+          <a:lstStyle/>
+          <a:p>
+            <a:pPr algn="ctr"/>
+            <a:r>
+              <a:rPr lang="en-US" altLang="ko-KR" sz="1350" dirty="0">
+                <a:solidFill>
+                  <a:schemeClr val="tx1"/>
+                </a:solidFill>
+              </a:rPr>
+              <a:t>2</a:t>
+            </a:r>
+            <a:endParaRPr lang="ko-KR" altLang="en-US" sz="1350" dirty="0">
+              <a:solidFill>
+                <a:schemeClr val="tx1"/>
+              </a:solidFill>
+            </a:endParaRPr>
+          </a:p>
+        </p:txBody>
+      </p:sp>
+      <p:sp>
+        <p:nvSpPr>
+          <p:cNvPr id="10" name="직사각형 9">
+            <a:extLst>
+              <a:ext uri="{FF2B5EF4-FFF2-40B4-BE49-F238E27FC236}">
+                <a16:creationId xmlns:a16="http://schemas.microsoft.com/office/drawing/2014/main" id="{FD8CAABE-10CF-CA31-FBA1-AE5E168A311B}"/>
+              </a:ext>
+            </a:extLst>
+          </p:cNvPr>
+          <p:cNvSpPr/>
+          <p:nvPr/>
+        </p:nvSpPr>
+        <p:spPr>
+          <a:xfrm>
+            <a:off x="3653875" y="1883841"/>
+            <a:ext cx="5432068" cy="963902"/>
+          </a:xfrm>
+          <a:prstGeom prst="rect">
+            <a:avLst/>
+          </a:prstGeom>
+          <a:noFill/>
+          <a:ln w="38100">
+            <a:solidFill>
+              <a:srgbClr val="FF0000"/>
+            </a:solidFill>
+          </a:ln>
+        </p:spPr>
+        <p:style>
+          <a:lnRef idx="2">
+            <a:schemeClr val="accent1">
+              <a:shade val="15000"/>
+            </a:schemeClr>
+          </a:lnRef>
+          <a:fillRef idx="1">
+            <a:schemeClr val="accent1"/>
+          </a:fillRef>
+          <a:effectRef idx="0">
+            <a:schemeClr val="accent1"/>
+          </a:effectRef>
+          <a:fontRef idx="minor">
+            <a:schemeClr val="lt1"/>
+          </a:fontRef>
+        </p:style>
+        <p:txBody>
+          <a:bodyPr rtlCol="0" anchor="ctr"/>
+          <a:lstStyle/>
+          <a:p>
+            <a:pPr algn="ctr"/>
+            <a:endParaRPr lang="ko-KR" altLang="en-US" sz="1350"/>
+          </a:p>
+        </p:txBody>
+      </p:sp>
+      <p:sp>
+        <p:nvSpPr>
+          <p:cNvPr id="11" name="타원 10">
+            <a:extLst>
+              <a:ext uri="{FF2B5EF4-FFF2-40B4-BE49-F238E27FC236}">
+                <a16:creationId xmlns:a16="http://schemas.microsoft.com/office/drawing/2014/main" id="{16B6277E-4F00-EF93-6396-6EDCE2FBEC87}"/>
+              </a:ext>
+            </a:extLst>
+          </p:cNvPr>
+          <p:cNvSpPr/>
+          <p:nvPr/>
+        </p:nvSpPr>
+        <p:spPr>
+          <a:xfrm>
+            <a:off x="3552562" y="1790320"/>
+            <a:ext cx="202628" cy="187042"/>
+          </a:xfrm>
+          <a:prstGeom prst="ellipse">
+            <a:avLst/>
+          </a:prstGeom>
+          <a:solidFill>
+            <a:schemeClr val="bg1"/>
+          </a:solidFill>
+          <a:ln w="38100">
+            <a:solidFill>
+              <a:srgbClr val="FF0000"/>
+            </a:solidFill>
+          </a:ln>
+        </p:spPr>
+        <p:style>
+          <a:lnRef idx="2">
+            <a:schemeClr val="accent1">
+              <a:shade val="15000"/>
+            </a:schemeClr>
+          </a:lnRef>
+          <a:fillRef idx="1">
+            <a:schemeClr val="accent1"/>
+          </a:fillRef>
+          <a:effectRef idx="0">
+            <a:schemeClr val="accent1"/>
+          </a:effectRef>
+          <a:fontRef idx="minor">
+            <a:schemeClr val="lt1"/>
+          </a:fontRef>
+        </p:style>
+        <p:txBody>
+          <a:bodyPr rtlCol="0" anchor="ctr"/>
+          <a:lstStyle/>
+          <a:p>
+            <a:pPr algn="ctr"/>
+            <a:r>
+              <a:rPr lang="en-US" altLang="ko-KR" sz="1350" dirty="0">
+                <a:solidFill>
+                  <a:schemeClr val="tx1"/>
+                </a:solidFill>
+              </a:rPr>
+              <a:t>4</a:t>
+            </a:r>
+            <a:endParaRPr lang="ko-KR" altLang="en-US" sz="1350" dirty="0">
+              <a:solidFill>
+                <a:schemeClr val="tx1"/>
+              </a:solidFill>
+            </a:endParaRPr>
+          </a:p>
+        </p:txBody>
+      </p:sp>
+      <p:sp>
+        <p:nvSpPr>
+          <p:cNvPr id="2" name="직사각형 1">
+            <a:extLst>
+              <a:ext uri="{FF2B5EF4-FFF2-40B4-BE49-F238E27FC236}">
+                <a16:creationId xmlns:a16="http://schemas.microsoft.com/office/drawing/2014/main" id="{2D53729B-B24F-94BE-2353-55573AAFC04A}"/>
+              </a:ext>
+            </a:extLst>
+          </p:cNvPr>
+          <p:cNvSpPr/>
+          <p:nvPr/>
+        </p:nvSpPr>
+        <p:spPr>
+          <a:xfrm>
+            <a:off x="6594473" y="2941263"/>
+            <a:ext cx="5263297" cy="4999785"/>
+          </a:xfrm>
+          <a:prstGeom prst="rect">
+            <a:avLst/>
+          </a:prstGeom>
+          <a:noFill/>
+          <a:ln w="38100">
+            <a:solidFill>
+              <a:srgbClr val="FF0000"/>
+            </a:solidFill>
+          </a:ln>
+        </p:spPr>
+        <p:style>
+          <a:lnRef idx="2">
+            <a:schemeClr val="accent1">
+              <a:shade val="15000"/>
+            </a:schemeClr>
+          </a:lnRef>
+          <a:fillRef idx="1">
+            <a:schemeClr val="accent1"/>
+          </a:fillRef>
+          <a:effectRef idx="0">
+            <a:schemeClr val="accent1"/>
+          </a:effectRef>
+          <a:fontRef idx="minor">
+            <a:schemeClr val="lt1"/>
+          </a:fontRef>
+        </p:style>
+        <p:txBody>
+          <a:bodyPr rtlCol="0" anchor="ctr"/>
+          <a:lstStyle/>
+          <a:p>
+            <a:pPr algn="ctr"/>
+            <a:endParaRPr lang="ko-KR" altLang="en-US" sz="1350"/>
+          </a:p>
+        </p:txBody>
+      </p:sp>
+      <p:sp>
+        <p:nvSpPr>
+          <p:cNvPr id="4" name="타원 3">
+            <a:extLst>
+              <a:ext uri="{FF2B5EF4-FFF2-40B4-BE49-F238E27FC236}">
+                <a16:creationId xmlns:a16="http://schemas.microsoft.com/office/drawing/2014/main" id="{30D4BD87-AD29-3379-3F1B-52FD381A4F58}"/>
+              </a:ext>
+            </a:extLst>
+          </p:cNvPr>
+          <p:cNvSpPr/>
+          <p:nvPr/>
+        </p:nvSpPr>
+        <p:spPr>
+          <a:xfrm>
+            <a:off x="6493160" y="2847743"/>
+            <a:ext cx="202628" cy="187042"/>
+          </a:xfrm>
+          <a:prstGeom prst="ellipse">
+            <a:avLst/>
+          </a:prstGeom>
+          <a:solidFill>
+            <a:schemeClr val="bg1"/>
+          </a:solidFill>
+          <a:ln w="38100">
+            <a:solidFill>
+              <a:srgbClr val="FF0000"/>
+            </a:solidFill>
+          </a:ln>
+        </p:spPr>
+        <p:style>
+          <a:lnRef idx="2">
+            <a:schemeClr val="accent1">
+              <a:shade val="15000"/>
+            </a:schemeClr>
+          </a:lnRef>
+          <a:fillRef idx="1">
+            <a:schemeClr val="accent1"/>
+          </a:fillRef>
+          <a:effectRef idx="0">
+            <a:schemeClr val="accent1"/>
+          </a:effectRef>
+          <a:fontRef idx="minor">
+            <a:schemeClr val="lt1"/>
+          </a:fontRef>
+        </p:style>
+        <p:txBody>
+          <a:bodyPr rtlCol="0" anchor="ctr"/>
+          <a:lstStyle/>
+          <a:p>
+            <a:pPr algn="ctr"/>
+            <a:r>
+              <a:rPr lang="en-US" altLang="ko-KR" sz="1350" dirty="0">
+                <a:solidFill>
+                  <a:schemeClr val="tx1"/>
+                </a:solidFill>
+              </a:rPr>
+              <a:t>3</a:t>
+            </a:r>
+            <a:endParaRPr lang="ko-KR" altLang="en-US" sz="1350" dirty="0">
+              <a:solidFill>
+                <a:schemeClr val="tx1"/>
+              </a:solidFill>
+            </a:endParaRPr>
+          </a:p>
+        </p:txBody>
+      </p:sp>
+      <p:sp>
+        <p:nvSpPr>
+          <p:cNvPr id="5" name="직사각형 4">
+            <a:extLst>
+              <a:ext uri="{FF2B5EF4-FFF2-40B4-BE49-F238E27FC236}">
+                <a16:creationId xmlns:a16="http://schemas.microsoft.com/office/drawing/2014/main" id="{F4F25BF3-1DD0-C13A-362F-119162593F19}"/>
+              </a:ext>
+            </a:extLst>
+          </p:cNvPr>
+          <p:cNvSpPr/>
+          <p:nvPr/>
+        </p:nvSpPr>
+        <p:spPr>
+          <a:xfrm>
+            <a:off x="10249981" y="8100262"/>
+            <a:ext cx="1607789" cy="644217"/>
+          </a:xfrm>
+          <a:prstGeom prst="rect">
+            <a:avLst/>
+          </a:prstGeom>
+          <a:noFill/>
+          <a:ln w="38100">
+            <a:solidFill>
+              <a:srgbClr val="FF0000"/>
+            </a:solidFill>
+          </a:ln>
+        </p:spPr>
+        <p:style>
+          <a:lnRef idx="2">
+            <a:schemeClr val="accent1">
+              <a:shade val="15000"/>
+            </a:schemeClr>
+          </a:lnRef>
+          <a:fillRef idx="1">
+            <a:schemeClr val="accent1"/>
+          </a:fillRef>
+          <a:effectRef idx="0">
+            <a:schemeClr val="accent1"/>
+          </a:effectRef>
+          <a:fontRef idx="minor">
+            <a:schemeClr val="lt1"/>
+          </a:fontRef>
+        </p:style>
+        <p:txBody>
+          <a:bodyPr rtlCol="0" anchor="ctr"/>
+          <a:lstStyle/>
+          <a:p>
+            <a:pPr algn="ctr"/>
+            <a:endParaRPr lang="ko-KR" altLang="en-US" sz="1350"/>
+          </a:p>
+        </p:txBody>
+      </p:sp>
+      <p:sp>
+        <p:nvSpPr>
+          <p:cNvPr id="12" name="타원 11">
+            <a:extLst>
+              <a:ext uri="{FF2B5EF4-FFF2-40B4-BE49-F238E27FC236}">
+                <a16:creationId xmlns:a16="http://schemas.microsoft.com/office/drawing/2014/main" id="{4A1444DE-4998-68EA-5B37-039AD3C9A24B}"/>
+              </a:ext>
+            </a:extLst>
+          </p:cNvPr>
+          <p:cNvSpPr/>
+          <p:nvPr/>
+        </p:nvSpPr>
+        <p:spPr>
+          <a:xfrm>
+            <a:off x="10148667" y="8006742"/>
+            <a:ext cx="202628" cy="187042"/>
+          </a:xfrm>
+          <a:prstGeom prst="ellipse">
+            <a:avLst/>
+          </a:prstGeom>
+          <a:solidFill>
+            <a:schemeClr val="bg1"/>
+          </a:solidFill>
+          <a:ln w="38100">
+            <a:solidFill>
+              <a:srgbClr val="FF0000"/>
+            </a:solidFill>
+          </a:ln>
+        </p:spPr>
+        <p:style>
+          <a:lnRef idx="2">
+            <a:schemeClr val="accent1">
+              <a:shade val="15000"/>
+            </a:schemeClr>
+          </a:lnRef>
+          <a:fillRef idx="1">
+            <a:schemeClr val="accent1"/>
+          </a:fillRef>
+          <a:effectRef idx="0">
+            <a:schemeClr val="accent1"/>
+          </a:effectRef>
+          <a:fontRef idx="minor">
+            <a:schemeClr val="lt1"/>
+          </a:fontRef>
+        </p:style>
+        <p:txBody>
+          <a:bodyPr rtlCol="0" anchor="ctr"/>
+          <a:lstStyle/>
+          <a:p>
+            <a:pPr algn="ctr"/>
+            <a:r>
+              <a:rPr lang="en-US" altLang="ko-KR" sz="1350" dirty="0">
+                <a:solidFill>
+                  <a:schemeClr val="tx1"/>
+                </a:solidFill>
+              </a:rPr>
+              <a:t>5</a:t>
+            </a:r>
+            <a:endParaRPr lang="ko-KR" altLang="en-US" sz="1350" dirty="0">
+              <a:solidFill>
+                <a:schemeClr val="tx1"/>
+              </a:solidFill>
+            </a:endParaRPr>
+          </a:p>
+        </p:txBody>
+      </p:sp>
+    </p:spTree>
+    <p:extLst>
+      <p:ext uri="{BB962C8B-B14F-4D97-AF65-F5344CB8AC3E}">
+        <p14:creationId xmlns:p14="http://schemas.microsoft.com/office/powerpoint/2010/main" val="3791022789"/>
+      </p:ext>
+    </p:extLst>
+  </p:cSld>
+  <p:clrMapOvr>
+    <a:masterClrMapping/>
+  </p:clrMapOvr>
+</p:sld>
+</file>
+
+<file path=ppt/slides/slide18.xml><?xml version="1.0" encoding="utf-8"?>
+<p:sld xmlns:a="http://schemas.openxmlformats.org/drawingml/2006/main" xmlns:r="http://schemas.openxmlformats.org/officeDocument/2006/relationships" xmlns:p="http://schemas.openxmlformats.org/presentationml/2006/main">
+  <p:cSld>
+    <p:spTree>
+      <p:nvGrpSpPr>
+        <p:cNvPr id="1" name="">
+          <a:extLst>
+            <a:ext uri="{FF2B5EF4-FFF2-40B4-BE49-F238E27FC236}">
+              <a16:creationId xmlns:a16="http://schemas.microsoft.com/office/drawing/2014/main" id="{D68034FC-8678-A7B0-D9CD-62400944FA59}"/>
+            </a:ext>
+          </a:extLst>
+        </p:cNvPr>
+        <p:cNvGrpSpPr/>
+        <p:nvPr/>
+      </p:nvGrpSpPr>
+      <p:grpSpPr>
+        <a:xfrm>
+          <a:off x="0" y="0"/>
+          <a:ext cx="0" cy="0"/>
+          <a:chOff x="0" y="0"/>
+          <a:chExt cx="0" cy="0"/>
+        </a:xfrm>
+      </p:grpSpPr>
+      <p:pic>
+        <p:nvPicPr>
+          <p:cNvPr id="3" name="그림 2" descr="텍스트, 스크린샷, 폰트, 번호이(가) 표시된 사진&#10;&#10;AI 생성 콘텐츠는 정확하지 않을 수 있습니다.">
+            <a:extLst>
+              <a:ext uri="{FF2B5EF4-FFF2-40B4-BE49-F238E27FC236}">
+                <a16:creationId xmlns:a16="http://schemas.microsoft.com/office/drawing/2014/main" id="{8A729E17-9BD8-839A-7C73-C2243CDFB08F}"/>
+              </a:ext>
+            </a:extLst>
+          </p:cNvPr>
+          <p:cNvPicPr>
+            <a:picLocks noChangeAspect="1"/>
+          </p:cNvPicPr>
+          <p:nvPr/>
+        </p:nvPicPr>
+        <p:blipFill>
+          <a:blip r:embed="rId2"/>
+          <a:stretch>
+            <a:fillRect/>
+          </a:stretch>
+        </p:blipFill>
+        <p:spPr>
+          <a:xfrm>
+            <a:off x="4094529" y="3613911"/>
+            <a:ext cx="4496427" cy="3486637"/>
+          </a:xfrm>
+          <a:prstGeom prst="rect">
+            <a:avLst/>
+          </a:prstGeom>
+        </p:spPr>
+      </p:pic>
+      <p:sp>
+        <p:nvSpPr>
+          <p:cNvPr id="6" name="직사각형 5">
+            <a:extLst>
+              <a:ext uri="{FF2B5EF4-FFF2-40B4-BE49-F238E27FC236}">
+                <a16:creationId xmlns:a16="http://schemas.microsoft.com/office/drawing/2014/main" id="{BA8EBB5D-7E60-D0BE-B67D-8D6A1DA145A4}"/>
+              </a:ext>
+            </a:extLst>
+          </p:cNvPr>
+          <p:cNvSpPr/>
+          <p:nvPr/>
+        </p:nvSpPr>
+        <p:spPr>
+          <a:xfrm>
+            <a:off x="645781" y="1739811"/>
+            <a:ext cx="10517067" cy="536304"/>
+          </a:xfrm>
+          <a:prstGeom prst="rect">
+            <a:avLst/>
+          </a:prstGeom>
+          <a:noFill/>
+          <a:ln w="38100">
+            <a:solidFill>
+              <a:srgbClr val="FF0000"/>
+            </a:solidFill>
+          </a:ln>
+        </p:spPr>
+        <p:style>
+          <a:lnRef idx="2">
+            <a:schemeClr val="accent1">
+              <a:shade val="15000"/>
+            </a:schemeClr>
+          </a:lnRef>
+          <a:fillRef idx="1">
+            <a:schemeClr val="accent1"/>
+          </a:fillRef>
+          <a:effectRef idx="0">
+            <a:schemeClr val="accent1"/>
+          </a:effectRef>
+          <a:fontRef idx="minor">
+            <a:schemeClr val="lt1"/>
+          </a:fontRef>
+        </p:style>
+        <p:txBody>
+          <a:bodyPr rtlCol="0" anchor="ctr"/>
+          <a:lstStyle/>
+          <a:p>
+            <a:pPr algn="ctr"/>
+            <a:endParaRPr lang="ko-KR" altLang="en-US" sz="1350"/>
+          </a:p>
+        </p:txBody>
+      </p:sp>
+      <p:sp>
+        <p:nvSpPr>
+          <p:cNvPr id="7" name="타원 6">
+            <a:extLst>
+              <a:ext uri="{FF2B5EF4-FFF2-40B4-BE49-F238E27FC236}">
+                <a16:creationId xmlns:a16="http://schemas.microsoft.com/office/drawing/2014/main" id="{E203AAEB-38FF-D4B5-5D3F-77FEBDE97951}"/>
+              </a:ext>
+            </a:extLst>
+          </p:cNvPr>
+          <p:cNvSpPr/>
+          <p:nvPr/>
+        </p:nvSpPr>
+        <p:spPr>
+          <a:xfrm>
+            <a:off x="544468" y="1646290"/>
+            <a:ext cx="202628" cy="187042"/>
+          </a:xfrm>
+          <a:prstGeom prst="ellipse">
+            <a:avLst/>
+          </a:prstGeom>
+          <a:solidFill>
+            <a:schemeClr val="bg1"/>
+          </a:solidFill>
+          <a:ln w="38100">
+            <a:solidFill>
+              <a:srgbClr val="FF0000"/>
+            </a:solidFill>
+          </a:ln>
+        </p:spPr>
+        <p:style>
+          <a:lnRef idx="2">
+            <a:schemeClr val="accent1">
+              <a:shade val="15000"/>
+            </a:schemeClr>
+          </a:lnRef>
+          <a:fillRef idx="1">
+            <a:schemeClr val="accent1"/>
+          </a:fillRef>
+          <a:effectRef idx="0">
+            <a:schemeClr val="accent1"/>
+          </a:effectRef>
+          <a:fontRef idx="minor">
+            <a:schemeClr val="lt1"/>
+          </a:fontRef>
+        </p:style>
+        <p:txBody>
+          <a:bodyPr rtlCol="0" anchor="ctr"/>
+          <a:lstStyle/>
+          <a:p>
+            <a:pPr algn="ctr"/>
+            <a:r>
+              <a:rPr lang="en-US" altLang="ko-KR" sz="1350" dirty="0">
+                <a:solidFill>
+                  <a:schemeClr val="tx1"/>
+                </a:solidFill>
+              </a:rPr>
+              <a:t>1</a:t>
+            </a:r>
+            <a:endParaRPr lang="ko-KR" altLang="en-US" sz="1350" dirty="0">
+              <a:solidFill>
+                <a:schemeClr val="tx1"/>
+              </a:solidFill>
+            </a:endParaRPr>
+          </a:p>
+        </p:txBody>
+      </p:sp>
+      <p:sp>
+        <p:nvSpPr>
+          <p:cNvPr id="8" name="직사각형 7">
+            <a:extLst>
+              <a:ext uri="{FF2B5EF4-FFF2-40B4-BE49-F238E27FC236}">
+                <a16:creationId xmlns:a16="http://schemas.microsoft.com/office/drawing/2014/main" id="{8ACD6D89-838A-A240-6650-5FA066521DA5}"/>
+              </a:ext>
+            </a:extLst>
+          </p:cNvPr>
+          <p:cNvSpPr/>
+          <p:nvPr/>
+        </p:nvSpPr>
+        <p:spPr>
+          <a:xfrm>
+            <a:off x="747094" y="2449758"/>
+            <a:ext cx="10517067" cy="1070632"/>
+          </a:xfrm>
+          <a:prstGeom prst="rect">
+            <a:avLst/>
+          </a:prstGeom>
+          <a:noFill/>
+          <a:ln w="38100">
+            <a:solidFill>
+              <a:srgbClr val="FF0000"/>
+            </a:solidFill>
+          </a:ln>
+        </p:spPr>
+        <p:style>
+          <a:lnRef idx="2">
+            <a:schemeClr val="accent1">
+              <a:shade val="15000"/>
+            </a:schemeClr>
+          </a:lnRef>
+          <a:fillRef idx="1">
+            <a:schemeClr val="accent1"/>
+          </a:fillRef>
+          <a:effectRef idx="0">
+            <a:schemeClr val="accent1"/>
+          </a:effectRef>
+          <a:fontRef idx="minor">
+            <a:schemeClr val="lt1"/>
+          </a:fontRef>
+        </p:style>
+        <p:txBody>
+          <a:bodyPr rtlCol="0" anchor="ctr"/>
+          <a:lstStyle/>
+          <a:p>
+            <a:pPr algn="ctr"/>
+            <a:endParaRPr lang="ko-KR" altLang="en-US" sz="1350"/>
+          </a:p>
+        </p:txBody>
+      </p:sp>
+      <p:sp>
+        <p:nvSpPr>
+          <p:cNvPr id="9" name="타원 8">
+            <a:extLst>
+              <a:ext uri="{FF2B5EF4-FFF2-40B4-BE49-F238E27FC236}">
+                <a16:creationId xmlns:a16="http://schemas.microsoft.com/office/drawing/2014/main" id="{BE33F9DB-071B-490E-7459-CC283853A16C}"/>
+              </a:ext>
+            </a:extLst>
+          </p:cNvPr>
+          <p:cNvSpPr/>
+          <p:nvPr/>
+        </p:nvSpPr>
+        <p:spPr>
+          <a:xfrm>
+            <a:off x="645781" y="2356237"/>
+            <a:ext cx="202628" cy="187042"/>
+          </a:xfrm>
+          <a:prstGeom prst="ellipse">
+            <a:avLst/>
+          </a:prstGeom>
+          <a:solidFill>
+            <a:schemeClr val="bg1"/>
+          </a:solidFill>
+          <a:ln w="38100">
+            <a:solidFill>
+              <a:srgbClr val="FF0000"/>
+            </a:solidFill>
+          </a:ln>
+        </p:spPr>
+        <p:style>
+          <a:lnRef idx="2">
+            <a:schemeClr val="accent1">
+              <a:shade val="15000"/>
+            </a:schemeClr>
+          </a:lnRef>
+          <a:fillRef idx="1">
+            <a:schemeClr val="accent1"/>
+          </a:fillRef>
+          <a:effectRef idx="0">
+            <a:schemeClr val="accent1"/>
+          </a:effectRef>
+          <a:fontRef idx="minor">
+            <a:schemeClr val="lt1"/>
+          </a:fontRef>
+        </p:style>
+        <p:txBody>
+          <a:bodyPr rtlCol="0" anchor="ctr"/>
+          <a:lstStyle/>
+          <a:p>
+            <a:pPr algn="ctr"/>
+            <a:r>
+              <a:rPr lang="en-US" altLang="ko-KR" sz="1350" dirty="0">
+                <a:solidFill>
+                  <a:schemeClr val="tx1"/>
+                </a:solidFill>
+              </a:rPr>
+              <a:t>2</a:t>
+            </a:r>
+            <a:endParaRPr lang="ko-KR" altLang="en-US" sz="1350" dirty="0">
+              <a:solidFill>
+                <a:schemeClr val="tx1"/>
+              </a:solidFill>
+            </a:endParaRPr>
+          </a:p>
+        </p:txBody>
+      </p:sp>
+      <p:sp>
+        <p:nvSpPr>
+          <p:cNvPr id="10" name="직사각형 9">
+            <a:extLst>
+              <a:ext uri="{FF2B5EF4-FFF2-40B4-BE49-F238E27FC236}">
+                <a16:creationId xmlns:a16="http://schemas.microsoft.com/office/drawing/2014/main" id="{99752774-5EC8-9708-7DC7-88507A6EC518}"/>
+              </a:ext>
+            </a:extLst>
+          </p:cNvPr>
+          <p:cNvSpPr/>
+          <p:nvPr/>
+        </p:nvSpPr>
+        <p:spPr>
+          <a:xfrm>
+            <a:off x="9367633" y="1016465"/>
+            <a:ext cx="889549" cy="536304"/>
+          </a:xfrm>
+          <a:prstGeom prst="rect">
+            <a:avLst/>
+          </a:prstGeom>
+          <a:noFill/>
+          <a:ln w="38100">
+            <a:solidFill>
+              <a:srgbClr val="FF0000"/>
+            </a:solidFill>
+          </a:ln>
+        </p:spPr>
+        <p:style>
+          <a:lnRef idx="2">
+            <a:schemeClr val="accent1">
+              <a:shade val="15000"/>
+            </a:schemeClr>
+          </a:lnRef>
+          <a:fillRef idx="1">
+            <a:schemeClr val="accent1"/>
+          </a:fillRef>
+          <a:effectRef idx="0">
+            <a:schemeClr val="accent1"/>
+          </a:effectRef>
+          <a:fontRef idx="minor">
+            <a:schemeClr val="lt1"/>
+          </a:fontRef>
+        </p:style>
+        <p:txBody>
+          <a:bodyPr rtlCol="0" anchor="ctr"/>
+          <a:lstStyle/>
+          <a:p>
+            <a:pPr algn="ctr"/>
+            <a:endParaRPr lang="ko-KR" altLang="en-US" sz="1350"/>
+          </a:p>
+        </p:txBody>
+      </p:sp>
+      <p:sp>
+        <p:nvSpPr>
+          <p:cNvPr id="11" name="타원 10">
+            <a:extLst>
+              <a:ext uri="{FF2B5EF4-FFF2-40B4-BE49-F238E27FC236}">
+                <a16:creationId xmlns:a16="http://schemas.microsoft.com/office/drawing/2014/main" id="{78CCAA48-D1B7-C6E9-5A94-C10FCAC3B125}"/>
+              </a:ext>
+            </a:extLst>
+          </p:cNvPr>
+          <p:cNvSpPr/>
+          <p:nvPr/>
+        </p:nvSpPr>
+        <p:spPr>
+          <a:xfrm>
+            <a:off x="9266320" y="922944"/>
+            <a:ext cx="202628" cy="187042"/>
+          </a:xfrm>
+          <a:prstGeom prst="ellipse">
+            <a:avLst/>
+          </a:prstGeom>
+          <a:solidFill>
+            <a:schemeClr val="bg1"/>
+          </a:solidFill>
+          <a:ln w="38100">
+            <a:solidFill>
+              <a:srgbClr val="FF0000"/>
+            </a:solidFill>
+          </a:ln>
+        </p:spPr>
+        <p:style>
+          <a:lnRef idx="2">
+            <a:schemeClr val="accent1">
+              <a:shade val="15000"/>
+            </a:schemeClr>
+          </a:lnRef>
+          <a:fillRef idx="1">
+            <a:schemeClr val="accent1"/>
+          </a:fillRef>
+          <a:effectRef idx="0">
+            <a:schemeClr val="accent1"/>
+          </a:effectRef>
+          <a:fontRef idx="minor">
+            <a:schemeClr val="lt1"/>
+          </a:fontRef>
+        </p:style>
+        <p:txBody>
+          <a:bodyPr rtlCol="0" anchor="ctr"/>
+          <a:lstStyle/>
+          <a:p>
+            <a:pPr algn="ctr"/>
+            <a:r>
+              <a:rPr lang="en-US" altLang="ko-KR" sz="1350" dirty="0">
+                <a:solidFill>
+                  <a:schemeClr val="tx1"/>
+                </a:solidFill>
+              </a:rPr>
+              <a:t>3</a:t>
+            </a:r>
+            <a:endParaRPr lang="ko-KR" altLang="en-US" sz="1350" dirty="0">
+              <a:solidFill>
+                <a:schemeClr val="tx1"/>
+              </a:solidFill>
+            </a:endParaRPr>
+          </a:p>
+        </p:txBody>
+      </p:sp>
+    </p:spTree>
+    <p:extLst>
+      <p:ext uri="{BB962C8B-B14F-4D97-AF65-F5344CB8AC3E}">
+        <p14:creationId xmlns:p14="http://schemas.microsoft.com/office/powerpoint/2010/main" val="3178067538"/>
       </p:ext>
     </p:extLst>
   </p:cSld>
@@ -7845,6 +9071,526 @@
                 <a:schemeClr val="tx1"/>
               </a:solidFill>
             </a:endParaRPr>
+          </a:p>
+        </p:txBody>
+      </p:sp>
+      <p:pic>
+        <p:nvPicPr>
+          <p:cNvPr id="13" name="그림 12" descr="텍스트, 스크린샷, 문서, 폰트이(가) 표시된 사진&#10;&#10;AI 생성 콘텐츠는 정확하지 않을 수 있습니다.">
+            <a:extLst>
+              <a:ext uri="{FF2B5EF4-FFF2-40B4-BE49-F238E27FC236}">
+                <a16:creationId xmlns:a16="http://schemas.microsoft.com/office/drawing/2014/main" id="{77067E8D-A4F3-9FCD-B624-4C7A0C8485D7}"/>
+              </a:ext>
+            </a:extLst>
+          </p:cNvPr>
+          <p:cNvPicPr>
+            <a:picLocks noChangeAspect="1"/>
+          </p:cNvPicPr>
+          <p:nvPr/>
+        </p:nvPicPr>
+        <p:blipFill>
+          <a:blip r:embed="rId2"/>
+          <a:stretch>
+            <a:fillRect/>
+          </a:stretch>
+        </p:blipFill>
+        <p:spPr>
+          <a:xfrm>
+            <a:off x="8258697" y="416100"/>
+            <a:ext cx="1523931" cy="9104259"/>
+          </a:xfrm>
+          <a:prstGeom prst="rect">
+            <a:avLst/>
+          </a:prstGeom>
+        </p:spPr>
+      </p:pic>
+      <p:sp>
+        <p:nvSpPr>
+          <p:cNvPr id="14" name="직사각형 13">
+            <a:extLst>
+              <a:ext uri="{FF2B5EF4-FFF2-40B4-BE49-F238E27FC236}">
+                <a16:creationId xmlns:a16="http://schemas.microsoft.com/office/drawing/2014/main" id="{EC198FA8-7181-A811-43E8-75F957009F8D}"/>
+              </a:ext>
+            </a:extLst>
+          </p:cNvPr>
+          <p:cNvSpPr/>
+          <p:nvPr/>
+        </p:nvSpPr>
+        <p:spPr>
+          <a:xfrm>
+            <a:off x="8646130" y="5046522"/>
+            <a:ext cx="1107469" cy="396335"/>
+          </a:xfrm>
+          <a:prstGeom prst="rect">
+            <a:avLst/>
+          </a:prstGeom>
+          <a:noFill/>
+          <a:ln w="38100">
+            <a:solidFill>
+              <a:srgbClr val="FF0000"/>
+            </a:solidFill>
+          </a:ln>
+        </p:spPr>
+        <p:style>
+          <a:lnRef idx="2">
+            <a:schemeClr val="accent1">
+              <a:shade val="15000"/>
+            </a:schemeClr>
+          </a:lnRef>
+          <a:fillRef idx="1">
+            <a:schemeClr val="accent1"/>
+          </a:fillRef>
+          <a:effectRef idx="0">
+            <a:schemeClr val="accent1"/>
+          </a:effectRef>
+          <a:fontRef idx="minor">
+            <a:schemeClr val="lt1"/>
+          </a:fontRef>
+        </p:style>
+        <p:txBody>
+          <a:bodyPr rtlCol="0" anchor="ctr"/>
+          <a:lstStyle/>
+          <a:p>
+            <a:pPr algn="ctr"/>
+            <a:endParaRPr lang="ko-KR" altLang="en-US" sz="1350"/>
+          </a:p>
+        </p:txBody>
+      </p:sp>
+      <p:sp>
+        <p:nvSpPr>
+          <p:cNvPr id="15" name="타원 14">
+            <a:extLst>
+              <a:ext uri="{FF2B5EF4-FFF2-40B4-BE49-F238E27FC236}">
+                <a16:creationId xmlns:a16="http://schemas.microsoft.com/office/drawing/2014/main" id="{36D240EC-AE20-0464-BB1C-04F1AB9465E2}"/>
+              </a:ext>
+            </a:extLst>
+          </p:cNvPr>
+          <p:cNvSpPr/>
+          <p:nvPr/>
+        </p:nvSpPr>
+        <p:spPr>
+          <a:xfrm>
+            <a:off x="8544815" y="4953000"/>
+            <a:ext cx="202628" cy="187042"/>
+          </a:xfrm>
+          <a:prstGeom prst="ellipse">
+            <a:avLst/>
+          </a:prstGeom>
+          <a:solidFill>
+            <a:schemeClr val="bg1"/>
+          </a:solidFill>
+          <a:ln w="38100">
+            <a:solidFill>
+              <a:srgbClr val="FF0000"/>
+            </a:solidFill>
+          </a:ln>
+        </p:spPr>
+        <p:style>
+          <a:lnRef idx="2">
+            <a:schemeClr val="accent1">
+              <a:shade val="15000"/>
+            </a:schemeClr>
+          </a:lnRef>
+          <a:fillRef idx="1">
+            <a:schemeClr val="accent1"/>
+          </a:fillRef>
+          <a:effectRef idx="0">
+            <a:schemeClr val="accent1"/>
+          </a:effectRef>
+          <a:fontRef idx="minor">
+            <a:schemeClr val="lt1"/>
+          </a:fontRef>
+        </p:style>
+        <p:txBody>
+          <a:bodyPr rtlCol="0" anchor="ctr"/>
+          <a:lstStyle/>
+          <a:p>
+            <a:pPr algn="ctr"/>
+            <a:r>
+              <a:rPr lang="en-US" altLang="ko-KR" sz="1350" dirty="0">
+                <a:solidFill>
+                  <a:schemeClr val="tx1"/>
+                </a:solidFill>
+              </a:rPr>
+              <a:t>1</a:t>
+            </a:r>
+            <a:endParaRPr lang="ko-KR" altLang="en-US" sz="1350" dirty="0">
+              <a:solidFill>
+                <a:schemeClr val="tx1"/>
+              </a:solidFill>
+            </a:endParaRPr>
+          </a:p>
+        </p:txBody>
+      </p:sp>
+      <p:sp>
+        <p:nvSpPr>
+          <p:cNvPr id="16" name="직사각형 15">
+            <a:extLst>
+              <a:ext uri="{FF2B5EF4-FFF2-40B4-BE49-F238E27FC236}">
+                <a16:creationId xmlns:a16="http://schemas.microsoft.com/office/drawing/2014/main" id="{F2F24D9F-6C64-9153-2801-1A615890BC6D}"/>
+              </a:ext>
+            </a:extLst>
+          </p:cNvPr>
+          <p:cNvSpPr/>
+          <p:nvPr/>
+        </p:nvSpPr>
+        <p:spPr>
+          <a:xfrm>
+            <a:off x="8646130" y="7285681"/>
+            <a:ext cx="1107469" cy="298331"/>
+          </a:xfrm>
+          <a:prstGeom prst="rect">
+            <a:avLst/>
+          </a:prstGeom>
+          <a:noFill/>
+          <a:ln w="38100">
+            <a:solidFill>
+              <a:srgbClr val="FF0000"/>
+            </a:solidFill>
+          </a:ln>
+        </p:spPr>
+        <p:style>
+          <a:lnRef idx="2">
+            <a:schemeClr val="accent1">
+              <a:shade val="15000"/>
+            </a:schemeClr>
+          </a:lnRef>
+          <a:fillRef idx="1">
+            <a:schemeClr val="accent1"/>
+          </a:fillRef>
+          <a:effectRef idx="0">
+            <a:schemeClr val="accent1"/>
+          </a:effectRef>
+          <a:fontRef idx="minor">
+            <a:schemeClr val="lt1"/>
+          </a:fontRef>
+        </p:style>
+        <p:txBody>
+          <a:bodyPr rtlCol="0" anchor="ctr"/>
+          <a:lstStyle/>
+          <a:p>
+            <a:pPr algn="ctr"/>
+            <a:endParaRPr lang="ko-KR" altLang="en-US" sz="1350"/>
+          </a:p>
+        </p:txBody>
+      </p:sp>
+      <p:sp>
+        <p:nvSpPr>
+          <p:cNvPr id="17" name="타원 16">
+            <a:extLst>
+              <a:ext uri="{FF2B5EF4-FFF2-40B4-BE49-F238E27FC236}">
+                <a16:creationId xmlns:a16="http://schemas.microsoft.com/office/drawing/2014/main" id="{6C09465D-BC8A-81E6-9FCE-EC4028C6852C}"/>
+              </a:ext>
+            </a:extLst>
+          </p:cNvPr>
+          <p:cNvSpPr/>
+          <p:nvPr/>
+        </p:nvSpPr>
+        <p:spPr>
+          <a:xfrm>
+            <a:off x="8544815" y="7192159"/>
+            <a:ext cx="202628" cy="187042"/>
+          </a:xfrm>
+          <a:prstGeom prst="ellipse">
+            <a:avLst/>
+          </a:prstGeom>
+          <a:solidFill>
+            <a:schemeClr val="bg1"/>
+          </a:solidFill>
+          <a:ln w="38100">
+            <a:solidFill>
+              <a:srgbClr val="FF0000"/>
+            </a:solidFill>
+          </a:ln>
+        </p:spPr>
+        <p:style>
+          <a:lnRef idx="2">
+            <a:schemeClr val="accent1">
+              <a:shade val="15000"/>
+            </a:schemeClr>
+          </a:lnRef>
+          <a:fillRef idx="1">
+            <a:schemeClr val="accent1"/>
+          </a:fillRef>
+          <a:effectRef idx="0">
+            <a:schemeClr val="accent1"/>
+          </a:effectRef>
+          <a:fontRef idx="minor">
+            <a:schemeClr val="lt1"/>
+          </a:fontRef>
+        </p:style>
+        <p:txBody>
+          <a:bodyPr rtlCol="0" anchor="ctr"/>
+          <a:lstStyle/>
+          <a:p>
+            <a:pPr algn="ctr"/>
+            <a:r>
+              <a:rPr lang="en-US" altLang="ko-KR" sz="1350" dirty="0">
+                <a:solidFill>
+                  <a:schemeClr val="tx1"/>
+                </a:solidFill>
+              </a:rPr>
+              <a:t>1</a:t>
+            </a:r>
+            <a:endParaRPr lang="ko-KR" altLang="en-US" sz="1350" dirty="0">
+              <a:solidFill>
+                <a:schemeClr val="tx1"/>
+              </a:solidFill>
+            </a:endParaRPr>
+          </a:p>
+        </p:txBody>
+      </p:sp>
+      <p:sp>
+        <p:nvSpPr>
+          <p:cNvPr id="18" name="직사각형 17">
+            <a:extLst>
+              <a:ext uri="{FF2B5EF4-FFF2-40B4-BE49-F238E27FC236}">
+                <a16:creationId xmlns:a16="http://schemas.microsoft.com/office/drawing/2014/main" id="{14F6B03A-1CE1-BAF9-0F4D-57CE8A49196B}"/>
+              </a:ext>
+            </a:extLst>
+          </p:cNvPr>
+          <p:cNvSpPr/>
+          <p:nvPr/>
+        </p:nvSpPr>
+        <p:spPr>
+          <a:xfrm>
+            <a:off x="8544815" y="8416526"/>
+            <a:ext cx="1107469" cy="298331"/>
+          </a:xfrm>
+          <a:prstGeom prst="rect">
+            <a:avLst/>
+          </a:prstGeom>
+          <a:noFill/>
+          <a:ln w="38100">
+            <a:solidFill>
+              <a:srgbClr val="FF0000"/>
+            </a:solidFill>
+          </a:ln>
+        </p:spPr>
+        <p:style>
+          <a:lnRef idx="2">
+            <a:schemeClr val="accent1">
+              <a:shade val="15000"/>
+            </a:schemeClr>
+          </a:lnRef>
+          <a:fillRef idx="1">
+            <a:schemeClr val="accent1"/>
+          </a:fillRef>
+          <a:effectRef idx="0">
+            <a:schemeClr val="accent1"/>
+          </a:effectRef>
+          <a:fontRef idx="minor">
+            <a:schemeClr val="lt1"/>
+          </a:fontRef>
+        </p:style>
+        <p:txBody>
+          <a:bodyPr rtlCol="0" anchor="ctr"/>
+          <a:lstStyle/>
+          <a:p>
+            <a:pPr algn="ctr"/>
+            <a:endParaRPr lang="ko-KR" altLang="en-US" sz="1350"/>
+          </a:p>
+        </p:txBody>
+      </p:sp>
+      <p:sp>
+        <p:nvSpPr>
+          <p:cNvPr id="19" name="타원 18">
+            <a:extLst>
+              <a:ext uri="{FF2B5EF4-FFF2-40B4-BE49-F238E27FC236}">
+                <a16:creationId xmlns:a16="http://schemas.microsoft.com/office/drawing/2014/main" id="{3D6CD9A7-BA94-9288-8B8F-339AEC19B723}"/>
+              </a:ext>
+            </a:extLst>
+          </p:cNvPr>
+          <p:cNvSpPr/>
+          <p:nvPr/>
+        </p:nvSpPr>
+        <p:spPr>
+          <a:xfrm>
+            <a:off x="8443500" y="8323004"/>
+            <a:ext cx="202628" cy="187042"/>
+          </a:xfrm>
+          <a:prstGeom prst="ellipse">
+            <a:avLst/>
+          </a:prstGeom>
+          <a:solidFill>
+            <a:schemeClr val="bg1"/>
+          </a:solidFill>
+          <a:ln w="38100">
+            <a:solidFill>
+              <a:srgbClr val="FF0000"/>
+            </a:solidFill>
+          </a:ln>
+        </p:spPr>
+        <p:style>
+          <a:lnRef idx="2">
+            <a:schemeClr val="accent1">
+              <a:shade val="15000"/>
+            </a:schemeClr>
+          </a:lnRef>
+          <a:fillRef idx="1">
+            <a:schemeClr val="accent1"/>
+          </a:fillRef>
+          <a:effectRef idx="0">
+            <a:schemeClr val="accent1"/>
+          </a:effectRef>
+          <a:fontRef idx="minor">
+            <a:schemeClr val="lt1"/>
+          </a:fontRef>
+        </p:style>
+        <p:txBody>
+          <a:bodyPr rtlCol="0" anchor="ctr"/>
+          <a:lstStyle/>
+          <a:p>
+            <a:pPr algn="ctr"/>
+            <a:r>
+              <a:rPr lang="en-US" altLang="ko-KR" sz="1350" dirty="0">
+                <a:solidFill>
+                  <a:schemeClr val="tx1"/>
+                </a:solidFill>
+              </a:rPr>
+              <a:t>2</a:t>
+            </a:r>
+            <a:endParaRPr lang="ko-KR" altLang="en-US" sz="1350" dirty="0">
+              <a:solidFill>
+                <a:schemeClr val="tx1"/>
+              </a:solidFill>
+            </a:endParaRPr>
+          </a:p>
+        </p:txBody>
+      </p:sp>
+      <p:sp>
+        <p:nvSpPr>
+          <p:cNvPr id="20" name="화살표: 아래쪽 19">
+            <a:extLst>
+              <a:ext uri="{FF2B5EF4-FFF2-40B4-BE49-F238E27FC236}">
+                <a16:creationId xmlns:a16="http://schemas.microsoft.com/office/drawing/2014/main" id="{7BD5E626-EFF2-B509-17E6-9371545870CE}"/>
+              </a:ext>
+            </a:extLst>
+          </p:cNvPr>
+          <p:cNvSpPr/>
+          <p:nvPr/>
+        </p:nvSpPr>
+        <p:spPr>
+          <a:xfrm>
+            <a:off x="8955674" y="7780523"/>
+            <a:ext cx="285750" cy="372877"/>
+          </a:xfrm>
+          <a:prstGeom prst="downArrow">
+            <a:avLst/>
+          </a:prstGeom>
+          <a:solidFill>
+            <a:srgbClr val="FF0000"/>
+          </a:solidFill>
+          <a:ln>
+            <a:solidFill>
+              <a:schemeClr val="tx1"/>
+            </a:solidFill>
+          </a:ln>
+        </p:spPr>
+        <p:style>
+          <a:lnRef idx="2">
+            <a:schemeClr val="accent1">
+              <a:shade val="15000"/>
+            </a:schemeClr>
+          </a:lnRef>
+          <a:fillRef idx="1">
+            <a:schemeClr val="accent1"/>
+          </a:fillRef>
+          <a:effectRef idx="0">
+            <a:schemeClr val="accent1"/>
+          </a:effectRef>
+          <a:fontRef idx="minor">
+            <a:schemeClr val="lt1"/>
+          </a:fontRef>
+        </p:style>
+        <p:txBody>
+          <a:bodyPr rtlCol="0" anchor="ctr"/>
+          <a:lstStyle/>
+          <a:p>
+            <a:pPr algn="ctr"/>
+            <a:endParaRPr lang="ko-KR" altLang="en-US"/>
+          </a:p>
+        </p:txBody>
+      </p:sp>
+      <p:pic>
+        <p:nvPicPr>
+          <p:cNvPr id="21" name="그림 20" descr="텍스트, 스크린샷, 문서, 폰트이(가) 표시된 사진&#10;&#10;AI 생성 콘텐츠는 정확하지 않을 수 있습니다.">
+            <a:extLst>
+              <a:ext uri="{FF2B5EF4-FFF2-40B4-BE49-F238E27FC236}">
+                <a16:creationId xmlns:a16="http://schemas.microsoft.com/office/drawing/2014/main" id="{7D9FA218-2E78-DE8B-CFAE-C4519AAE8660}"/>
+              </a:ext>
+            </a:extLst>
+          </p:cNvPr>
+          <p:cNvPicPr>
+            <a:picLocks noChangeAspect="1"/>
+          </p:cNvPicPr>
+          <p:nvPr/>
+        </p:nvPicPr>
+        <p:blipFill>
+          <a:blip r:embed="rId2"/>
+          <a:stretch>
+            <a:fillRect/>
+          </a:stretch>
+        </p:blipFill>
+        <p:spPr>
+          <a:xfrm>
+            <a:off x="10970545" y="400870"/>
+            <a:ext cx="1523931" cy="9104259"/>
+          </a:xfrm>
+          <a:prstGeom prst="rect">
+            <a:avLst/>
+          </a:prstGeom>
+        </p:spPr>
+      </p:pic>
+      <p:sp>
+        <p:nvSpPr>
+          <p:cNvPr id="22" name="직사각형 21">
+            <a:extLst>
+              <a:ext uri="{FF2B5EF4-FFF2-40B4-BE49-F238E27FC236}">
+                <a16:creationId xmlns:a16="http://schemas.microsoft.com/office/drawing/2014/main" id="{675502E4-DEF4-D13B-C81A-1C757729D5B4}"/>
+              </a:ext>
+            </a:extLst>
+          </p:cNvPr>
+          <p:cNvSpPr/>
+          <p:nvPr/>
+        </p:nvSpPr>
+        <p:spPr>
+          <a:xfrm>
+            <a:off x="11285692" y="7765648"/>
+            <a:ext cx="1107469" cy="650878"/>
+          </a:xfrm>
+          <a:prstGeom prst="rect">
+            <a:avLst/>
+          </a:prstGeom>
+          <a:noFill/>
+          <a:ln w="38100">
+            <a:solidFill>
+              <a:srgbClr val="FF0000"/>
+            </a:solidFill>
+          </a:ln>
+        </p:spPr>
+        <p:style>
+          <a:lnRef idx="2">
+            <a:schemeClr val="accent1">
+              <a:shade val="15000"/>
+            </a:schemeClr>
+          </a:lnRef>
+          <a:fillRef idx="1">
+            <a:schemeClr val="accent1"/>
+          </a:fillRef>
+          <a:effectRef idx="0">
+            <a:schemeClr val="accent1"/>
+          </a:effectRef>
+          <a:fontRef idx="minor">
+            <a:schemeClr val="lt1"/>
+          </a:fontRef>
+        </p:style>
+        <p:txBody>
+          <a:bodyPr rtlCol="0" anchor="ctr"/>
+          <a:lstStyle/>
+          <a:p>
+            <a:pPr algn="ctr"/>
+            <a:endParaRPr lang="ko-KR" altLang="en-US" sz="1350"/>
           </a:p>
         </p:txBody>
       </p:sp>
